--- a/Resources/RT energy forecasting Presentation.pptx
+++ b/Resources/RT energy forecasting Presentation.pptx
@@ -2,29 +2,28 @@
 <file path=ppt/presentation.xml><?xml version="1.0" encoding="utf-8"?>
 <p:presentation xmlns:a="http://schemas.openxmlformats.org/drawingml/2006/main" xmlns:r="http://schemas.openxmlformats.org/officeDocument/2006/relationships" xmlns:p="http://schemas.openxmlformats.org/presentationml/2006/main" autoCompressPictures="0">
   <p:sldMasterIdLst>
-    <p:sldMasterId id="2147483648" r:id="rId1"/>
+    <p:sldMasterId id="2147483670" r:id="rId1"/>
   </p:sldMasterIdLst>
   <p:sldIdLst>
     <p:sldId id="256" r:id="rId2"/>
     <p:sldId id="259" r:id="rId3"/>
     <p:sldId id="282" r:id="rId4"/>
     <p:sldId id="269" r:id="rId5"/>
-    <p:sldId id="272" r:id="rId6"/>
-    <p:sldId id="283" r:id="rId7"/>
-    <p:sldId id="284" r:id="rId8"/>
-    <p:sldId id="270" r:id="rId9"/>
-    <p:sldId id="260" r:id="rId10"/>
-    <p:sldId id="266" r:id="rId11"/>
-    <p:sldId id="285" r:id="rId12"/>
-    <p:sldId id="261" r:id="rId13"/>
-    <p:sldId id="274" r:id="rId14"/>
-    <p:sldId id="275" r:id="rId15"/>
-    <p:sldId id="276" r:id="rId16"/>
-    <p:sldId id="277" r:id="rId17"/>
-    <p:sldId id="278" r:id="rId18"/>
-    <p:sldId id="279" r:id="rId19"/>
-    <p:sldId id="280" r:id="rId20"/>
-    <p:sldId id="281" r:id="rId21"/>
+    <p:sldId id="286" r:id="rId6"/>
+    <p:sldId id="284" r:id="rId7"/>
+    <p:sldId id="270" r:id="rId8"/>
+    <p:sldId id="261" r:id="rId9"/>
+    <p:sldId id="274" r:id="rId10"/>
+    <p:sldId id="260" r:id="rId11"/>
+    <p:sldId id="266" r:id="rId12"/>
+    <p:sldId id="285" r:id="rId13"/>
+    <p:sldId id="275" r:id="rId14"/>
+    <p:sldId id="276" r:id="rId15"/>
+    <p:sldId id="277" r:id="rId16"/>
+    <p:sldId id="278" r:id="rId17"/>
+    <p:sldId id="279" r:id="rId18"/>
+    <p:sldId id="280" r:id="rId19"/>
+    <p:sldId id="281" r:id="rId20"/>
   </p:sldIdLst>
   <p:sldSz cx="12192000" cy="6858000"/>
   <p:notesSz cx="6858000" cy="9144000"/>
@@ -2951,7 +2950,7 @@
 </file>
 
 <file path=ppt/slideLayouts/slideLayout1.xml><?xml version="1.0" encoding="utf-8"?>
-<p:sldLayout xmlns:a="http://schemas.openxmlformats.org/drawingml/2006/main" xmlns:r="http://schemas.openxmlformats.org/officeDocument/2006/relationships" xmlns:p="http://schemas.openxmlformats.org/presentationml/2006/main" showMasterSp="0" type="title" preserve="1">
+<p:sldLayout xmlns:a="http://schemas.openxmlformats.org/drawingml/2006/main" xmlns:r="http://schemas.openxmlformats.org/officeDocument/2006/relationships" xmlns:p="http://schemas.openxmlformats.org/presentationml/2006/main" type="title" preserve="1">
   <p:cSld name="Title Slide">
     <p:spTree>
       <p:nvGrpSpPr>
@@ -2967,61 +2966,29 @@
           <a:chExt cx="0" cy="0"/>
         </a:xfrm>
       </p:grpSpPr>
-      <p:pic>
-        <p:nvPicPr>
-          <p:cNvPr id="9" name="Picture 8" descr="HD-PanelTitle-GrommetsCombined.png"/>
-          <p:cNvPicPr>
-            <a:picLocks noChangeAspect="1"/>
-          </p:cNvPicPr>
-          <p:nvPr/>
-        </p:nvPicPr>
-        <p:blipFill>
-          <a:blip r:embed="rId2">
-            <a:extLst>
-              <a:ext uri="{28A0092B-C50C-407E-A947-70E740481C1C}">
-                <a14:useLocalDpi xmlns:a14="http://schemas.microsoft.com/office/drawing/2010/main" val="0"/>
-              </a:ext>
-            </a:extLst>
-          </a:blip>
-          <a:stretch>
-            <a:fillRect/>
-          </a:stretch>
-        </p:blipFill>
+      <p:sp>
+        <p:nvSpPr>
+          <p:cNvPr id="2" name="Title 1"/>
+          <p:cNvSpPr>
+            <a:spLocks noGrp="1"/>
+          </p:cNvSpPr>
+          <p:nvPr>
+            <p:ph type="ctrTitle"/>
+          </p:nvPr>
+        </p:nvSpPr>
         <p:spPr>
           <a:xfrm>
-            <a:off x="0" y="0"/>
-            <a:ext cx="12188825" cy="6856214"/>
-          </a:xfrm>
-          <a:prstGeom prst="rect">
-            <a:avLst/>
-          </a:prstGeom>
-        </p:spPr>
-      </p:pic>
-      <p:sp>
-        <p:nvSpPr>
-          <p:cNvPr id="2" name="Title 1"/>
-          <p:cNvSpPr>
-            <a:spLocks noGrp="1"/>
-          </p:cNvSpPr>
-          <p:nvPr>
-            <p:ph type="ctrTitle"/>
-          </p:nvPr>
-        </p:nvSpPr>
-        <p:spPr>
-          <a:xfrm>
-            <a:off x="2692398" y="1871131"/>
-            <a:ext cx="6815669" cy="1515533"/>
+            <a:off x="1595269" y="1122363"/>
+            <a:ext cx="9001462" cy="2387600"/>
           </a:xfrm>
         </p:spPr>
         <p:txBody>
           <a:bodyPr anchor="b">
-            <a:noAutofit/>
+            <a:normAutofit/>
           </a:bodyPr>
           <a:lstStyle>
             <a:lvl1pPr algn="ctr">
-              <a:defRPr sz="5400">
-                <a:effectLst/>
-              </a:defRPr>
+              <a:defRPr sz="4800"/>
             </a:lvl1pPr>
           </a:lstStyle>
           <a:p>
@@ -3045,102 +3012,48 @@
         </p:nvSpPr>
         <p:spPr>
           <a:xfrm>
-            <a:off x="2692398" y="3657597"/>
-            <a:ext cx="6815669" cy="1320802"/>
+            <a:off x="1595269" y="3602038"/>
+            <a:ext cx="9001462" cy="1655762"/>
           </a:xfrm>
         </p:spPr>
         <p:txBody>
-          <a:bodyPr anchor="t">
-            <a:normAutofit/>
-          </a:bodyPr>
+          <a:bodyPr/>
           <a:lstStyle>
             <a:lvl1pPr marL="0" indent="0" algn="ctr">
               <a:buNone/>
-              <a:defRPr sz="2100">
-                <a:solidFill>
-                  <a:schemeClr val="tx1"/>
-                </a:solidFill>
-              </a:defRPr>
+              <a:defRPr sz="2400"/>
             </a:lvl1pPr>
             <a:lvl2pPr marL="457200" indent="0" algn="ctr">
               <a:buNone/>
-              <a:defRPr>
-                <a:solidFill>
-                  <a:schemeClr val="tx1">
-                    <a:tint val="75000"/>
-                  </a:schemeClr>
-                </a:solidFill>
-              </a:defRPr>
+              <a:defRPr sz="2000"/>
             </a:lvl2pPr>
             <a:lvl3pPr marL="914400" indent="0" algn="ctr">
               <a:buNone/>
-              <a:defRPr>
-                <a:solidFill>
-                  <a:schemeClr val="tx1">
-                    <a:tint val="75000"/>
-                  </a:schemeClr>
-                </a:solidFill>
-              </a:defRPr>
+              <a:defRPr sz="1800"/>
             </a:lvl3pPr>
             <a:lvl4pPr marL="1371600" indent="0" algn="ctr">
               <a:buNone/>
-              <a:defRPr>
-                <a:solidFill>
-                  <a:schemeClr val="tx1">
-                    <a:tint val="75000"/>
-                  </a:schemeClr>
-                </a:solidFill>
-              </a:defRPr>
+              <a:defRPr sz="1600"/>
             </a:lvl4pPr>
             <a:lvl5pPr marL="1828800" indent="0" algn="ctr">
               <a:buNone/>
-              <a:defRPr>
-                <a:solidFill>
-                  <a:schemeClr val="tx1">
-                    <a:tint val="75000"/>
-                  </a:schemeClr>
-                </a:solidFill>
-              </a:defRPr>
+              <a:defRPr sz="1600"/>
             </a:lvl5pPr>
             <a:lvl6pPr marL="2286000" indent="0" algn="ctr">
               <a:buNone/>
-              <a:defRPr>
-                <a:solidFill>
-                  <a:schemeClr val="tx1">
-                    <a:tint val="75000"/>
-                  </a:schemeClr>
-                </a:solidFill>
-              </a:defRPr>
+              <a:defRPr sz="1600"/>
             </a:lvl6pPr>
             <a:lvl7pPr marL="2743200" indent="0" algn="ctr">
               <a:buNone/>
-              <a:defRPr>
-                <a:solidFill>
-                  <a:schemeClr val="tx1">
-                    <a:tint val="75000"/>
-                  </a:schemeClr>
-                </a:solidFill>
-              </a:defRPr>
+              <a:defRPr sz="1600"/>
             </a:lvl7pPr>
             <a:lvl8pPr marL="3200400" indent="0" algn="ctr">
               <a:buNone/>
-              <a:defRPr>
-                <a:solidFill>
-                  <a:schemeClr val="tx1">
-                    <a:tint val="75000"/>
-                  </a:schemeClr>
-                </a:solidFill>
-              </a:defRPr>
+              <a:defRPr sz="1600"/>
             </a:lvl8pPr>
             <a:lvl9pPr marL="3657600" indent="0" algn="ctr">
               <a:buNone/>
-              <a:defRPr>
-                <a:solidFill>
-                  <a:schemeClr val="tx1">
-                    <a:tint val="75000"/>
-                  </a:schemeClr>
-                </a:solidFill>
-              </a:defRPr>
+              <a:defRPr sz="1600"/>
             </a:lvl9pPr>
           </a:lstStyle>
           <a:p>
@@ -3162,20 +3075,15 @@
             <p:ph type="dt" sz="half" idx="10"/>
           </p:nvPr>
         </p:nvSpPr>
-        <p:spPr>
-          <a:xfrm>
-            <a:off x="7983232" y="5037663"/>
-            <a:ext cx="897467" cy="279400"/>
-          </a:xfrm>
-        </p:spPr>
+        <p:spPr/>
         <p:txBody>
           <a:bodyPr/>
           <a:lstStyle/>
           <a:p>
             <a:fld id="{B61BEF0D-F0BB-DE4B-95CE-6DB70DBA9567}" type="datetimeFigureOut">
-              <a:rPr lang="en-US" dirty="0"/>
+              <a:rPr lang="en-US" smtClean="0"/>
               <a:pPr/>
-              <a:t>11/18/2018</a:t>
+              <a:t>11/19/2018</a:t>
             </a:fld>
             <a:endParaRPr lang="en-US" dirty="0"/>
           </a:p>
@@ -3191,12 +3099,7 @@
             <p:ph type="ftr" sz="quarter" idx="11"/>
           </p:nvPr>
         </p:nvSpPr>
-        <p:spPr>
-          <a:xfrm>
-            <a:off x="2692397" y="5037663"/>
-            <a:ext cx="5214635" cy="279400"/>
-          </a:xfrm>
-        </p:spPr>
+        <p:spPr/>
         <p:txBody>
           <a:bodyPr/>
           <a:lstStyle/>
@@ -3215,18 +3118,13 @@
             <p:ph type="sldNum" sz="quarter" idx="12"/>
           </p:nvPr>
         </p:nvSpPr>
-        <p:spPr>
-          <a:xfrm>
-            <a:off x="8956900" y="5037663"/>
-            <a:ext cx="551167" cy="279400"/>
-          </a:xfrm>
-        </p:spPr>
+        <p:spPr/>
         <p:txBody>
           <a:bodyPr/>
           <a:lstStyle/>
           <a:p>
             <a:fld id="{D57F1E4F-1CFF-5643-939E-217C01CDF565}" type="slidenum">
-              <a:rPr lang="en-US" dirty="0"/>
+              <a:rPr lang="en-US" smtClean="0"/>
               <a:pPr/>
               <a:t>‹#›</a:t>
             </a:fld>
@@ -3234,37 +3132,12 @@
           </a:p>
         </p:txBody>
       </p:sp>
-      <p:cxnSp>
-        <p:nvCxnSpPr>
-          <p:cNvPr id="15" name="Straight Connector 14"/>
-          <p:cNvCxnSpPr/>
-          <p:nvPr/>
-        </p:nvCxnSpPr>
-        <p:spPr>
-          <a:xfrm>
-            <a:off x="2692399" y="3522131"/>
-            <a:ext cx="6815668" cy="0"/>
-          </a:xfrm>
-          <a:prstGeom prst="line">
-            <a:avLst/>
-          </a:prstGeom>
-        </p:spPr>
-        <p:style>
-          <a:lnRef idx="2">
-            <a:schemeClr val="accent1"/>
-          </a:lnRef>
-          <a:fillRef idx="0">
-            <a:schemeClr val="accent1"/>
-          </a:fillRef>
-          <a:effectRef idx="1">
-            <a:schemeClr val="accent1"/>
-          </a:effectRef>
-          <a:fontRef idx="minor">
-            <a:schemeClr val="tx1"/>
-          </a:fontRef>
-        </p:style>
-      </p:cxnSp>
     </p:spTree>
+    <p:extLst>
+      <p:ext uri="{BB962C8B-B14F-4D97-AF65-F5344CB8AC3E}">
+        <p14:creationId xmlns:p14="http://schemas.microsoft.com/office/powerpoint/2010/main" val="875163294"/>
+      </p:ext>
+    </p:extLst>
   </p:cSld>
   <p:clrMapOvr>
     <a:masterClrMapping/>
@@ -3301,8 +3174,8 @@
         </p:nvSpPr>
         <p:spPr>
           <a:xfrm>
-            <a:off x="1295401" y="4815415"/>
-            <a:ext cx="9609666" cy="566738"/>
+            <a:off x="913806" y="4289372"/>
+            <a:ext cx="10367564" cy="819355"/>
           </a:xfrm>
         </p:spPr>
         <p:txBody>
@@ -3310,8 +3183,8 @@
             <a:normAutofit/>
           </a:bodyPr>
           <a:lstStyle>
-            <a:lvl1pPr algn="ctr">
-              <a:defRPr sz="2400" b="0"/>
+            <a:lvl1pPr>
+              <a:defRPr sz="2800"/>
             </a:lvl1pPr>
           </a:lstStyle>
           <a:p>
@@ -3335,71 +3208,74 @@
         </p:nvSpPr>
         <p:spPr>
           <a:xfrm>
-            <a:off x="1041427" y="1041399"/>
-            <a:ext cx="10105972" cy="3335869"/>
+            <a:off x="913806" y="621321"/>
+            <a:ext cx="10367564" cy="3379735"/>
           </a:xfrm>
-          <a:prstGeom prst="roundRect">
-            <a:avLst>
-              <a:gd name="adj" fmla="val 0"/>
-            </a:avLst>
-          </a:prstGeom>
-          <a:ln w="57150" cmpd="thickThin">
+          <a:noFill/>
+          <a:ln w="190500" cap="sq">
             <a:solidFill>
-              <a:schemeClr val="tx1">
-                <a:lumMod val="50000"/>
-                <a:lumOff val="50000"/>
-              </a:schemeClr>
+              <a:srgbClr val="FFFFFF"/>
             </a:solidFill>
             <a:miter lim="800000"/>
           </a:ln>
           <a:effectLst>
-            <a:innerShdw blurRad="57150" dist="38100" dir="14460000">
+            <a:outerShdw blurRad="55000" dist="18000" dir="5400000" algn="tl" rotWithShape="0">
               <a:srgbClr val="000000">
-                <a:alpha val="70000"/>
+                <a:alpha val="40000"/>
               </a:srgbClr>
-            </a:innerShdw>
+            </a:outerShdw>
           </a:effectLst>
+          <a:scene3d>
+            <a:camera prst="orthographicFront"/>
+            <a:lightRig rig="twoPt" dir="t">
+              <a:rot lat="0" lon="0" rev="7200000"/>
+            </a:lightRig>
+          </a:scene3d>
+          <a:sp3d>
+            <a:bevelT w="25400" h="19050"/>
+            <a:contourClr>
+              <a:srgbClr val="FFFFFF"/>
+            </a:contourClr>
+          </a:sp3d>
         </p:spPr>
         <p:txBody>
-          <a:bodyPr anchor="t">
-            <a:normAutofit/>
-          </a:bodyPr>
+          <a:bodyPr anchor="t"/>
           <a:lstStyle>
             <a:lvl1pPr marL="0" indent="0" algn="ctr">
               <a:buNone/>
-              <a:defRPr sz="1600"/>
+              <a:defRPr sz="3200"/>
             </a:lvl1pPr>
             <a:lvl2pPr marL="457200" indent="0">
               <a:buNone/>
-              <a:defRPr sz="1600"/>
+              <a:defRPr sz="2800"/>
             </a:lvl2pPr>
             <a:lvl3pPr marL="914400" indent="0">
               <a:buNone/>
-              <a:defRPr sz="1600"/>
+              <a:defRPr sz="2400"/>
             </a:lvl3pPr>
             <a:lvl4pPr marL="1371600" indent="0">
               <a:buNone/>
-              <a:defRPr sz="1600"/>
+              <a:defRPr sz="2000"/>
             </a:lvl4pPr>
             <a:lvl5pPr marL="1828800" indent="0">
               <a:buNone/>
-              <a:defRPr sz="1600"/>
+              <a:defRPr sz="2000"/>
             </a:lvl5pPr>
             <a:lvl6pPr marL="2286000" indent="0">
               <a:buNone/>
-              <a:defRPr sz="1600"/>
+              <a:defRPr sz="2000"/>
             </a:lvl6pPr>
             <a:lvl7pPr marL="2743200" indent="0">
               <a:buNone/>
-              <a:defRPr sz="1600"/>
+              <a:defRPr sz="2000"/>
             </a:lvl7pPr>
             <a:lvl8pPr marL="3200400" indent="0">
               <a:buNone/>
-              <a:defRPr sz="1600"/>
+              <a:defRPr sz="2000"/>
             </a:lvl8pPr>
             <a:lvl9pPr marL="3657600" indent="0">
               <a:buNone/>
-              <a:defRPr sz="1600"/>
+              <a:defRPr sz="2000"/>
             </a:lvl9pPr>
           </a:lstStyle>
           <a:p>
@@ -3423,8 +3299,8 @@
         </p:nvSpPr>
         <p:spPr>
           <a:xfrm>
-            <a:off x="1295401" y="5382153"/>
-            <a:ext cx="9609666" cy="493712"/>
+            <a:off x="913795" y="5108728"/>
+            <a:ext cx="10365998" cy="682472"/>
           </a:xfrm>
         </p:spPr>
         <p:txBody>
@@ -3434,39 +3310,39 @@
           <a:lstStyle>
             <a:lvl1pPr marL="0" indent="0" algn="ctr">
               <a:buNone/>
-              <a:defRPr sz="1400"/>
+              <a:defRPr sz="1800"/>
             </a:lvl1pPr>
             <a:lvl2pPr marL="457200" indent="0">
               <a:buNone/>
-              <a:defRPr sz="1200"/>
+              <a:defRPr sz="1400"/>
             </a:lvl2pPr>
             <a:lvl3pPr marL="914400" indent="0">
               <a:buNone/>
-              <a:defRPr sz="1000"/>
+              <a:defRPr sz="1200"/>
             </a:lvl3pPr>
             <a:lvl4pPr marL="1371600" indent="0">
               <a:buNone/>
-              <a:defRPr sz="900"/>
+              <a:defRPr sz="1000"/>
             </a:lvl4pPr>
             <a:lvl5pPr marL="1828800" indent="0">
               <a:buNone/>
-              <a:defRPr sz="900"/>
+              <a:defRPr sz="1000"/>
             </a:lvl5pPr>
             <a:lvl6pPr marL="2286000" indent="0">
               <a:buNone/>
-              <a:defRPr sz="900"/>
+              <a:defRPr sz="1000"/>
             </a:lvl6pPr>
             <a:lvl7pPr marL="2743200" indent="0">
               <a:buNone/>
-              <a:defRPr sz="900"/>
+              <a:defRPr sz="1000"/>
             </a:lvl7pPr>
             <a:lvl8pPr marL="3200400" indent="0">
               <a:buNone/>
-              <a:defRPr sz="900"/>
+              <a:defRPr sz="1000"/>
             </a:lvl8pPr>
             <a:lvl9pPr marL="3657600" indent="0">
               <a:buNone/>
-              <a:defRPr sz="900"/>
+              <a:defRPr sz="1000"/>
             </a:lvl9pPr>
           </a:lstStyle>
           <a:p>
@@ -3494,9 +3370,9 @@
           <a:lstStyle/>
           <a:p>
             <a:fld id="{B61BEF0D-F0BB-DE4B-95CE-6DB70DBA9567}" type="datetimeFigureOut">
-              <a:rPr lang="en-US" dirty="0"/>
+              <a:rPr lang="en-US" smtClean="0"/>
               <a:pPr/>
-              <a:t>11/18/2018</a:t>
+              <a:t>11/19/2018</a:t>
             </a:fld>
             <a:endParaRPr lang="en-US" dirty="0"/>
           </a:p>
@@ -3537,7 +3413,7 @@
           <a:lstStyle/>
           <a:p>
             <a:fld id="{D57F1E4F-1CFF-5643-939E-217C01CDF565}" type="slidenum">
-              <a:rPr lang="en-US" dirty="0"/>
+              <a:rPr lang="en-US" smtClean="0"/>
               <a:pPr/>
               <a:t>‹#›</a:t>
             </a:fld>
@@ -3546,6 +3422,11 @@
         </p:txBody>
       </p:sp>
     </p:spTree>
+    <p:extLst>
+      <p:ext uri="{BB962C8B-B14F-4D97-AF65-F5344CB8AC3E}">
+        <p14:creationId xmlns:p14="http://schemas.microsoft.com/office/powerpoint/2010/main" val="2364810945"/>
+      </p:ext>
+    </p:extLst>
   </p:cSld>
   <p:clrMapOvr>
     <a:masterClrMapping/>
@@ -3582,17 +3463,15 @@
         </p:nvSpPr>
         <p:spPr>
           <a:xfrm>
-            <a:off x="1303868" y="982132"/>
-            <a:ext cx="9592732" cy="2954868"/>
+            <a:off x="913795" y="609600"/>
+            <a:ext cx="10353762" cy="3424859"/>
           </a:xfrm>
         </p:spPr>
         <p:txBody>
-          <a:bodyPr anchor="ctr">
-            <a:normAutofit/>
-          </a:bodyPr>
+          <a:bodyPr anchor="ctr"/>
           <a:lstStyle>
-            <a:lvl1pPr algn="ctr">
-              <a:defRPr sz="3200" b="0" cap="none"/>
+            <a:lvl1pPr>
+              <a:defRPr sz="3200"/>
             </a:lvl1pPr>
           </a:lstStyle>
           <a:p>
@@ -3606,112 +3485,58 @@
       </p:sp>
       <p:sp>
         <p:nvSpPr>
-          <p:cNvPr id="3" name="Text Placeholder 2"/>
-          <p:cNvSpPr>
-            <a:spLocks noGrp="1"/>
-          </p:cNvSpPr>
-          <p:nvPr>
-            <p:ph type="body" idx="1"/>
+          <p:cNvPr id="4" name="Text Placeholder 3"/>
+          <p:cNvSpPr>
+            <a:spLocks noGrp="1"/>
+          </p:cNvSpPr>
+          <p:nvPr>
+            <p:ph type="body" sz="half" idx="2"/>
           </p:nvPr>
         </p:nvSpPr>
         <p:spPr>
           <a:xfrm>
-            <a:off x="1303868" y="4343399"/>
-            <a:ext cx="9592732" cy="1532467"/>
+            <a:off x="913795" y="4204820"/>
+            <a:ext cx="10353761" cy="1592186"/>
           </a:xfrm>
         </p:spPr>
         <p:txBody>
-          <a:bodyPr anchor="ctr">
-            <a:normAutofit/>
-          </a:bodyPr>
+          <a:bodyPr anchor="ctr"/>
           <a:lstStyle>
             <a:lvl1pPr marL="0" indent="0" algn="ctr">
               <a:buNone/>
-              <a:defRPr sz="2000">
-                <a:solidFill>
-                  <a:schemeClr val="tx1"/>
-                </a:solidFill>
-              </a:defRPr>
+              <a:defRPr sz="1600"/>
             </a:lvl1pPr>
             <a:lvl2pPr marL="457200" indent="0">
               <a:buNone/>
-              <a:defRPr sz="1800">
-                <a:solidFill>
-                  <a:schemeClr val="tx1">
-                    <a:tint val="75000"/>
-                  </a:schemeClr>
-                </a:solidFill>
-              </a:defRPr>
+              <a:defRPr sz="1400"/>
             </a:lvl2pPr>
             <a:lvl3pPr marL="914400" indent="0">
               <a:buNone/>
-              <a:defRPr sz="1600">
-                <a:solidFill>
-                  <a:schemeClr val="tx1">
-                    <a:tint val="75000"/>
-                  </a:schemeClr>
-                </a:solidFill>
-              </a:defRPr>
+              <a:defRPr sz="1200"/>
             </a:lvl3pPr>
             <a:lvl4pPr marL="1371600" indent="0">
               <a:buNone/>
-              <a:defRPr sz="1400">
-                <a:solidFill>
-                  <a:schemeClr val="tx1">
-                    <a:tint val="75000"/>
-                  </a:schemeClr>
-                </a:solidFill>
-              </a:defRPr>
+              <a:defRPr sz="1000"/>
             </a:lvl4pPr>
             <a:lvl5pPr marL="1828800" indent="0">
               <a:buNone/>
-              <a:defRPr sz="1400">
-                <a:solidFill>
-                  <a:schemeClr val="tx1">
-                    <a:tint val="75000"/>
-                  </a:schemeClr>
-                </a:solidFill>
-              </a:defRPr>
+              <a:defRPr sz="1000"/>
             </a:lvl5pPr>
             <a:lvl6pPr marL="2286000" indent="0">
               <a:buNone/>
-              <a:defRPr sz="1400">
-                <a:solidFill>
-                  <a:schemeClr val="tx1">
-                    <a:tint val="75000"/>
-                  </a:schemeClr>
-                </a:solidFill>
-              </a:defRPr>
+              <a:defRPr sz="1000"/>
             </a:lvl6pPr>
             <a:lvl7pPr marL="2743200" indent="0">
               <a:buNone/>
-              <a:defRPr sz="1400">
-                <a:solidFill>
-                  <a:schemeClr val="tx1">
-                    <a:tint val="75000"/>
-                  </a:schemeClr>
-                </a:solidFill>
-              </a:defRPr>
+              <a:defRPr sz="1000"/>
             </a:lvl7pPr>
             <a:lvl8pPr marL="3200400" indent="0">
               <a:buNone/>
-              <a:defRPr sz="1400">
-                <a:solidFill>
-                  <a:schemeClr val="tx1">
-                    <a:tint val="75000"/>
-                  </a:schemeClr>
-                </a:solidFill>
-              </a:defRPr>
+              <a:defRPr sz="1000"/>
             </a:lvl8pPr>
             <a:lvl9pPr marL="3657600" indent="0">
               <a:buNone/>
-              <a:defRPr sz="1400">
-                <a:solidFill>
-                  <a:schemeClr val="tx1">
-                    <a:tint val="75000"/>
-                  </a:schemeClr>
-                </a:solidFill>
-              </a:defRPr>
+              <a:defRPr sz="1000"/>
             </a:lvl9pPr>
           </a:lstStyle>
           <a:p>
@@ -3725,7 +3550,7 @@
       </p:sp>
       <p:sp>
         <p:nvSpPr>
-          <p:cNvPr id="4" name="Date Placeholder 3"/>
+          <p:cNvPr id="5" name="Date Placeholder 4"/>
           <p:cNvSpPr>
             <a:spLocks noGrp="1"/>
           </p:cNvSpPr>
@@ -3739,9 +3564,9 @@
           <a:lstStyle/>
           <a:p>
             <a:fld id="{B61BEF0D-F0BB-DE4B-95CE-6DB70DBA9567}" type="datetimeFigureOut">
-              <a:rPr lang="en-US" dirty="0"/>
+              <a:rPr lang="en-US" smtClean="0"/>
               <a:pPr/>
-              <a:t>11/18/2018</a:t>
+              <a:t>11/19/2018</a:t>
             </a:fld>
             <a:endParaRPr lang="en-US" dirty="0"/>
           </a:p>
@@ -3749,7 +3574,7 @@
       </p:sp>
       <p:sp>
         <p:nvSpPr>
-          <p:cNvPr id="5" name="Footer Placeholder 4"/>
+          <p:cNvPr id="6" name="Footer Placeholder 5"/>
           <p:cNvSpPr>
             <a:spLocks noGrp="1"/>
           </p:cNvSpPr>
@@ -3768,7 +3593,7 @@
       </p:sp>
       <p:sp>
         <p:nvSpPr>
-          <p:cNvPr id="6" name="Slide Number Placeholder 5"/>
+          <p:cNvPr id="7" name="Slide Number Placeholder 6"/>
           <p:cNvSpPr>
             <a:spLocks noGrp="1"/>
           </p:cNvSpPr>
@@ -3782,7 +3607,7 @@
           <a:lstStyle/>
           <a:p>
             <a:fld id="{D57F1E4F-1CFF-5643-939E-217C01CDF565}" type="slidenum">
-              <a:rPr lang="en-US" dirty="0"/>
+              <a:rPr lang="en-US" smtClean="0"/>
               <a:pPr/>
               <a:t>‹#›</a:t>
             </a:fld>
@@ -3790,38 +3615,12 @@
           </a:p>
         </p:txBody>
       </p:sp>
-      <p:cxnSp>
-        <p:nvCxnSpPr>
-          <p:cNvPr id="15" name="Straight Connector 14"/>
-          <p:cNvCxnSpPr/>
-          <p:nvPr/>
-        </p:nvCxnSpPr>
-        <p:spPr>
-          <a:xfrm>
-            <a:off x="1396169" y="4140199"/>
-            <a:ext cx="9407298" cy="0"/>
-          </a:xfrm>
-          <a:prstGeom prst="line">
-            <a:avLst/>
-          </a:prstGeom>
-          <a:ln w="15875"/>
-        </p:spPr>
-        <p:style>
-          <a:lnRef idx="2">
-            <a:schemeClr val="accent1"/>
-          </a:lnRef>
-          <a:fillRef idx="0">
-            <a:schemeClr val="accent1"/>
-          </a:fillRef>
-          <a:effectRef idx="1">
-            <a:schemeClr val="accent1"/>
-          </a:effectRef>
-          <a:fontRef idx="minor">
-            <a:schemeClr val="tx1"/>
-          </a:fontRef>
-        </p:style>
-      </p:cxnSp>
     </p:spTree>
+    <p:extLst>
+      <p:ext uri="{BB962C8B-B14F-4D97-AF65-F5344CB8AC3E}">
+        <p14:creationId xmlns:p14="http://schemas.microsoft.com/office/powerpoint/2010/main" val="3369359295"/>
+      </p:ext>
+    </p:extLst>
   </p:cSld>
   <p:clrMapOvr>
     <a:masterClrMapping/>
@@ -3858,21 +3657,15 @@
         </p:nvSpPr>
         <p:spPr>
           <a:xfrm>
-            <a:off x="1446213" y="982132"/>
-            <a:ext cx="9296398" cy="2370668"/>
+            <a:off x="1446212" y="609600"/>
+            <a:ext cx="9302752" cy="2992904"/>
           </a:xfrm>
         </p:spPr>
         <p:txBody>
-          <a:bodyPr anchor="ctr">
-            <a:normAutofit/>
-          </a:bodyPr>
+          <a:bodyPr anchor="ctr"/>
           <a:lstStyle>
-            <a:lvl1pPr algn="ctr">
-              <a:defRPr sz="3200" b="0" cap="none">
-                <a:solidFill>
-                  <a:schemeClr val="tx1"/>
-                </a:solidFill>
-              </a:defRPr>
+            <a:lvl1pPr>
+              <a:defRPr sz="3200"/>
             </a:lvl1pPr>
           </a:lstStyle>
           <a:p>
@@ -3886,50 +3679,61 @@
       </p:sp>
       <p:sp>
         <p:nvSpPr>
-          <p:cNvPr id="10" name="Text Placeholder 9"/>
-          <p:cNvSpPr>
-            <a:spLocks noGrp="1"/>
-          </p:cNvSpPr>
-          <p:nvPr>
-            <p:ph type="body" sz="quarter" idx="13"/>
+          <p:cNvPr id="12" name="Text Placeholder 3"/>
+          <p:cNvSpPr>
+            <a:spLocks noGrp="1"/>
+          </p:cNvSpPr>
+          <p:nvPr>
+            <p:ph type="body" sz="half" idx="13"/>
           </p:nvPr>
         </p:nvSpPr>
         <p:spPr>
           <a:xfrm>
-            <a:off x="1674812" y="3352800"/>
-            <a:ext cx="8839202" cy="584200"/>
+            <a:off x="1720644" y="3610032"/>
+            <a:ext cx="8752299" cy="426812"/>
           </a:xfrm>
         </p:spPr>
         <p:txBody>
-          <a:bodyPr anchor="ctr">
+          <a:bodyPr anchor="t">
             <a:normAutofit/>
           </a:bodyPr>
           <a:lstStyle>
             <a:lvl1pPr marL="0" indent="0" algn="r">
-              <a:buFontTx/>
-              <a:buNone/>
-              <a:defRPr sz="2000"/>
+              <a:buNone/>
+              <a:defRPr sz="1400"/>
             </a:lvl1pPr>
             <a:lvl2pPr marL="457200" indent="0">
-              <a:buFontTx/>
-              <a:buNone/>
-              <a:defRPr/>
+              <a:buNone/>
+              <a:defRPr sz="1400"/>
             </a:lvl2pPr>
             <a:lvl3pPr marL="914400" indent="0">
-              <a:buFontTx/>
-              <a:buNone/>
-              <a:defRPr/>
+              <a:buNone/>
+              <a:defRPr sz="1200"/>
             </a:lvl3pPr>
             <a:lvl4pPr marL="1371600" indent="0">
-              <a:buFontTx/>
-              <a:buNone/>
-              <a:defRPr/>
+              <a:buNone/>
+              <a:defRPr sz="1000"/>
             </a:lvl4pPr>
             <a:lvl5pPr marL="1828800" indent="0">
-              <a:buFontTx/>
-              <a:buNone/>
-              <a:defRPr/>
+              <a:buNone/>
+              <a:defRPr sz="1000"/>
             </a:lvl5pPr>
+            <a:lvl6pPr marL="2286000" indent="0">
+              <a:buNone/>
+              <a:defRPr sz="1000"/>
+            </a:lvl6pPr>
+            <a:lvl7pPr marL="2743200" indent="0">
+              <a:buNone/>
+              <a:defRPr sz="1000"/>
+            </a:lvl7pPr>
+            <a:lvl8pPr marL="3200400" indent="0">
+              <a:buNone/>
+              <a:defRPr sz="1000"/>
+            </a:lvl8pPr>
+            <a:lvl9pPr marL="3657600" indent="0">
+              <a:buNone/>
+              <a:defRPr sz="1000"/>
+            </a:lvl9pPr>
           </a:lstStyle>
           <a:p>
             <a:pPr lvl="0"/>
@@ -3942,18 +3746,18 @@
       </p:sp>
       <p:sp>
         <p:nvSpPr>
-          <p:cNvPr id="3" name="Text Placeholder 2"/>
-          <p:cNvSpPr>
-            <a:spLocks noGrp="1"/>
-          </p:cNvSpPr>
-          <p:nvPr>
-            <p:ph type="body" idx="1"/>
+          <p:cNvPr id="4" name="Text Placeholder 3"/>
+          <p:cNvSpPr>
+            <a:spLocks noGrp="1"/>
+          </p:cNvSpPr>
+          <p:nvPr>
+            <p:ph type="body" sz="half" idx="2"/>
           </p:nvPr>
         </p:nvSpPr>
         <p:spPr>
           <a:xfrm>
-            <a:off x="1295401" y="4343399"/>
-            <a:ext cx="9609666" cy="1532467"/>
+            <a:off x="913794" y="4204821"/>
+            <a:ext cx="10353762" cy="1586380"/>
           </a:xfrm>
         </p:spPr>
         <p:txBody>
@@ -3963,91 +3767,39 @@
           <a:lstStyle>
             <a:lvl1pPr marL="0" indent="0" algn="ctr">
               <a:buNone/>
-              <a:defRPr sz="2000">
-                <a:solidFill>
-                  <a:schemeClr val="tx1"/>
-                </a:solidFill>
-              </a:defRPr>
+              <a:defRPr sz="1600"/>
             </a:lvl1pPr>
             <a:lvl2pPr marL="457200" indent="0">
               <a:buNone/>
-              <a:defRPr sz="1800">
-                <a:solidFill>
-                  <a:schemeClr val="tx1">
-                    <a:tint val="75000"/>
-                  </a:schemeClr>
-                </a:solidFill>
-              </a:defRPr>
+              <a:defRPr sz="1400"/>
             </a:lvl2pPr>
             <a:lvl3pPr marL="914400" indent="0">
               <a:buNone/>
-              <a:defRPr sz="1600">
-                <a:solidFill>
-                  <a:schemeClr val="tx1">
-                    <a:tint val="75000"/>
-                  </a:schemeClr>
-                </a:solidFill>
-              </a:defRPr>
+              <a:defRPr sz="1200"/>
             </a:lvl3pPr>
             <a:lvl4pPr marL="1371600" indent="0">
               <a:buNone/>
-              <a:defRPr sz="1400">
-                <a:solidFill>
-                  <a:schemeClr val="tx1">
-                    <a:tint val="75000"/>
-                  </a:schemeClr>
-                </a:solidFill>
-              </a:defRPr>
+              <a:defRPr sz="1000"/>
             </a:lvl4pPr>
             <a:lvl5pPr marL="1828800" indent="0">
               <a:buNone/>
-              <a:defRPr sz="1400">
-                <a:solidFill>
-                  <a:schemeClr val="tx1">
-                    <a:tint val="75000"/>
-                  </a:schemeClr>
-                </a:solidFill>
-              </a:defRPr>
+              <a:defRPr sz="1000"/>
             </a:lvl5pPr>
             <a:lvl6pPr marL="2286000" indent="0">
               <a:buNone/>
-              <a:defRPr sz="1400">
-                <a:solidFill>
-                  <a:schemeClr val="tx1">
-                    <a:tint val="75000"/>
-                  </a:schemeClr>
-                </a:solidFill>
-              </a:defRPr>
+              <a:defRPr sz="1000"/>
             </a:lvl6pPr>
             <a:lvl7pPr marL="2743200" indent="0">
               <a:buNone/>
-              <a:defRPr sz="1400">
-                <a:solidFill>
-                  <a:schemeClr val="tx1">
-                    <a:tint val="75000"/>
-                  </a:schemeClr>
-                </a:solidFill>
-              </a:defRPr>
+              <a:defRPr sz="1000"/>
             </a:lvl7pPr>
             <a:lvl8pPr marL="3200400" indent="0">
               <a:buNone/>
-              <a:defRPr sz="1400">
-                <a:solidFill>
-                  <a:schemeClr val="tx1">
-                    <a:tint val="75000"/>
-                  </a:schemeClr>
-                </a:solidFill>
-              </a:defRPr>
+              <a:defRPr sz="1000"/>
             </a:lvl8pPr>
             <a:lvl9pPr marL="3657600" indent="0">
               <a:buNone/>
-              <a:defRPr sz="1400">
-                <a:solidFill>
-                  <a:schemeClr val="tx1">
-                    <a:tint val="75000"/>
-                  </a:schemeClr>
-                </a:solidFill>
-              </a:defRPr>
+              <a:defRPr sz="1000"/>
             </a:lvl9pPr>
           </a:lstStyle>
           <a:p>
@@ -4061,7 +3813,7 @@
       </p:sp>
       <p:sp>
         <p:nvSpPr>
-          <p:cNvPr id="4" name="Date Placeholder 3"/>
+          <p:cNvPr id="5" name="Date Placeholder 4"/>
           <p:cNvSpPr>
             <a:spLocks noGrp="1"/>
           </p:cNvSpPr>
@@ -4075,9 +3827,9 @@
           <a:lstStyle/>
           <a:p>
             <a:fld id="{B61BEF0D-F0BB-DE4B-95CE-6DB70DBA9567}" type="datetimeFigureOut">
-              <a:rPr lang="en-US" dirty="0"/>
+              <a:rPr lang="en-US" smtClean="0"/>
               <a:pPr/>
-              <a:t>11/18/2018</a:t>
+              <a:t>11/19/2018</a:t>
             </a:fld>
             <a:endParaRPr lang="en-US" dirty="0"/>
           </a:p>
@@ -4085,7 +3837,7 @@
       </p:sp>
       <p:sp>
         <p:nvSpPr>
-          <p:cNvPr id="5" name="Footer Placeholder 4"/>
+          <p:cNvPr id="6" name="Footer Placeholder 5"/>
           <p:cNvSpPr>
             <a:spLocks noGrp="1"/>
           </p:cNvSpPr>
@@ -4104,7 +3856,7 @@
       </p:sp>
       <p:sp>
         <p:nvSpPr>
-          <p:cNvPr id="6" name="Slide Number Placeholder 5"/>
+          <p:cNvPr id="7" name="Slide Number Placeholder 6"/>
           <p:cNvSpPr>
             <a:spLocks noGrp="1"/>
           </p:cNvSpPr>
@@ -4118,7 +3870,7 @@
           <a:lstStyle/>
           <a:p>
             <a:fld id="{D57F1E4F-1CFF-5643-939E-217C01CDF565}" type="slidenum">
-              <a:rPr lang="en-US" dirty="0"/>
+              <a:rPr lang="en-US" smtClean="0"/>
               <a:pPr/>
               <a:t>‹#›</a:t>
             </a:fld>
@@ -4128,13 +3880,13 @@
       </p:sp>
       <p:sp>
         <p:nvSpPr>
-          <p:cNvPr id="14" name="TextBox 13"/>
+          <p:cNvPr id="11" name="TextBox 10"/>
           <p:cNvSpPr txBox="1"/>
           <p:nvPr/>
         </p:nvSpPr>
         <p:spPr>
           <a:xfrm>
-            <a:off x="862013" y="879961"/>
+            <a:off x="836612" y="735241"/>
             <a:ext cx="609600" cy="584776"/>
           </a:xfrm>
           <a:prstGeom prst="rect">
@@ -4145,7 +3897,89 @@
           <a:bodyPr vert="horz" lIns="91440" tIns="45720" rIns="91440" bIns="45720" rtlCol="0" anchor="ctr">
             <a:noAutofit/>
           </a:bodyPr>
-          <a:lstStyle/>
+          <a:lstStyle>
+            <a:lvl1pPr>
+              <a:spcBef>
+                <a:spcPct val="0"/>
+              </a:spcBef>
+              <a:buNone/>
+              <a:defRPr sz="3200" b="0" cap="all">
+                <a:ln w="3175" cmpd="sng">
+                  <a:noFill/>
+                </a:ln>
+                <a:effectLst>
+                  <a:glow rad="38100">
+                    <a:schemeClr val="bg1">
+                      <a:lumMod val="65000"/>
+                      <a:lumOff val="35000"/>
+                      <a:alpha val="40000"/>
+                    </a:schemeClr>
+                  </a:glow>
+                  <a:outerShdw blurRad="28575" dist="38100" dir="14040000" algn="tl" rotWithShape="0">
+                    <a:srgbClr val="000000">
+                      <a:alpha val="25000"/>
+                    </a:srgbClr>
+                  </a:outerShdw>
+                </a:effectLst>
+              </a:defRPr>
+            </a:lvl1pPr>
+            <a:lvl2pPr>
+              <a:defRPr>
+                <a:solidFill>
+                  <a:schemeClr val="tx2"/>
+                </a:solidFill>
+              </a:defRPr>
+            </a:lvl2pPr>
+            <a:lvl3pPr>
+              <a:defRPr>
+                <a:solidFill>
+                  <a:schemeClr val="tx2"/>
+                </a:solidFill>
+              </a:defRPr>
+            </a:lvl3pPr>
+            <a:lvl4pPr>
+              <a:defRPr>
+                <a:solidFill>
+                  <a:schemeClr val="tx2"/>
+                </a:solidFill>
+              </a:defRPr>
+            </a:lvl4pPr>
+            <a:lvl5pPr>
+              <a:defRPr>
+                <a:solidFill>
+                  <a:schemeClr val="tx2"/>
+                </a:solidFill>
+              </a:defRPr>
+            </a:lvl5pPr>
+            <a:lvl6pPr>
+              <a:defRPr>
+                <a:solidFill>
+                  <a:schemeClr val="tx2"/>
+                </a:solidFill>
+              </a:defRPr>
+            </a:lvl6pPr>
+            <a:lvl7pPr>
+              <a:defRPr>
+                <a:solidFill>
+                  <a:schemeClr val="tx2"/>
+                </a:solidFill>
+              </a:defRPr>
+            </a:lvl7pPr>
+            <a:lvl8pPr>
+              <a:defRPr>
+                <a:solidFill>
+                  <a:schemeClr val="tx2"/>
+                </a:solidFill>
+              </a:defRPr>
+            </a:lvl8pPr>
+            <a:lvl9pPr>
+              <a:defRPr>
+                <a:solidFill>
+                  <a:schemeClr val="tx2"/>
+                </a:solidFill>
+              </a:defRPr>
+            </a:lvl9pPr>
+          </a:lstStyle>
           <a:p>
             <a:pPr lvl="0"/>
             <a:r>
@@ -4162,13 +3996,13 @@
       </p:sp>
       <p:sp>
         <p:nvSpPr>
-          <p:cNvPr id="15" name="TextBox 14"/>
+          <p:cNvPr id="13" name="TextBox 12"/>
           <p:cNvSpPr txBox="1"/>
           <p:nvPr/>
         </p:nvSpPr>
         <p:spPr>
           <a:xfrm>
-            <a:off x="10600267" y="2827870"/>
+            <a:off x="10657956" y="2972093"/>
             <a:ext cx="609600" cy="584776"/>
           </a:xfrm>
           <a:prstGeom prst="rect">
@@ -4179,7 +4013,89 @@
           <a:bodyPr vert="horz" lIns="91440" tIns="45720" rIns="91440" bIns="45720" rtlCol="0" anchor="ctr">
             <a:noAutofit/>
           </a:bodyPr>
-          <a:lstStyle/>
+          <a:lstStyle>
+            <a:lvl1pPr>
+              <a:spcBef>
+                <a:spcPct val="0"/>
+              </a:spcBef>
+              <a:buNone/>
+              <a:defRPr sz="3200" b="0" cap="all">
+                <a:ln w="3175" cmpd="sng">
+                  <a:noFill/>
+                </a:ln>
+                <a:effectLst>
+                  <a:glow rad="38100">
+                    <a:schemeClr val="bg1">
+                      <a:lumMod val="65000"/>
+                      <a:lumOff val="35000"/>
+                      <a:alpha val="40000"/>
+                    </a:schemeClr>
+                  </a:glow>
+                  <a:outerShdw blurRad="28575" dist="38100" dir="14040000" algn="tl" rotWithShape="0">
+                    <a:srgbClr val="000000">
+                      <a:alpha val="25000"/>
+                    </a:srgbClr>
+                  </a:outerShdw>
+                </a:effectLst>
+              </a:defRPr>
+            </a:lvl1pPr>
+            <a:lvl2pPr>
+              <a:defRPr>
+                <a:solidFill>
+                  <a:schemeClr val="tx2"/>
+                </a:solidFill>
+              </a:defRPr>
+            </a:lvl2pPr>
+            <a:lvl3pPr>
+              <a:defRPr>
+                <a:solidFill>
+                  <a:schemeClr val="tx2"/>
+                </a:solidFill>
+              </a:defRPr>
+            </a:lvl3pPr>
+            <a:lvl4pPr>
+              <a:defRPr>
+                <a:solidFill>
+                  <a:schemeClr val="tx2"/>
+                </a:solidFill>
+              </a:defRPr>
+            </a:lvl4pPr>
+            <a:lvl5pPr>
+              <a:defRPr>
+                <a:solidFill>
+                  <a:schemeClr val="tx2"/>
+                </a:solidFill>
+              </a:defRPr>
+            </a:lvl5pPr>
+            <a:lvl6pPr>
+              <a:defRPr>
+                <a:solidFill>
+                  <a:schemeClr val="tx2"/>
+                </a:solidFill>
+              </a:defRPr>
+            </a:lvl6pPr>
+            <a:lvl7pPr>
+              <a:defRPr>
+                <a:solidFill>
+                  <a:schemeClr val="tx2"/>
+                </a:solidFill>
+              </a:defRPr>
+            </a:lvl7pPr>
+            <a:lvl8pPr>
+              <a:defRPr>
+                <a:solidFill>
+                  <a:schemeClr val="tx2"/>
+                </a:solidFill>
+              </a:defRPr>
+            </a:lvl8pPr>
+            <a:lvl9pPr>
+              <a:defRPr>
+                <a:solidFill>
+                  <a:schemeClr val="tx2"/>
+                </a:solidFill>
+              </a:defRPr>
+            </a:lvl9pPr>
+          </a:lstStyle>
           <a:p>
             <a:pPr lvl="0" algn="r"/>
             <a:r>
@@ -4194,38 +4110,12 @@
           </a:p>
         </p:txBody>
       </p:sp>
-      <p:cxnSp>
-        <p:nvCxnSpPr>
-          <p:cNvPr id="19" name="Straight Connector 18"/>
-          <p:cNvCxnSpPr/>
-          <p:nvPr/>
-        </p:nvCxnSpPr>
-        <p:spPr>
-          <a:xfrm>
-            <a:off x="1396169" y="4140199"/>
-            <a:ext cx="9407298" cy="0"/>
-          </a:xfrm>
-          <a:prstGeom prst="line">
-            <a:avLst/>
-          </a:prstGeom>
-          <a:ln w="15875"/>
-        </p:spPr>
-        <p:style>
-          <a:lnRef idx="2">
-            <a:schemeClr val="accent1"/>
-          </a:lnRef>
-          <a:fillRef idx="0">
-            <a:schemeClr val="accent1"/>
-          </a:fillRef>
-          <a:effectRef idx="1">
-            <a:schemeClr val="accent1"/>
-          </a:effectRef>
-          <a:fontRef idx="minor">
-            <a:schemeClr val="tx1"/>
-          </a:fontRef>
-        </p:style>
-      </p:cxnSp>
     </p:spTree>
+    <p:extLst>
+      <p:ext uri="{BB962C8B-B14F-4D97-AF65-F5344CB8AC3E}">
+        <p14:creationId xmlns:p14="http://schemas.microsoft.com/office/powerpoint/2010/main" val="3992692202"/>
+      </p:ext>
+    </p:extLst>
   </p:cSld>
   <p:clrMapOvr>
     <a:masterClrMapping/>
@@ -4262,17 +4152,15 @@
         </p:nvSpPr>
         <p:spPr>
           <a:xfrm>
-            <a:off x="1295402" y="3308581"/>
-            <a:ext cx="9609668" cy="1468800"/>
+            <a:off x="913806" y="2126942"/>
+            <a:ext cx="10355327" cy="2511835"/>
           </a:xfrm>
         </p:spPr>
         <p:txBody>
-          <a:bodyPr anchor="b">
-            <a:normAutofit/>
-          </a:bodyPr>
+          <a:bodyPr anchor="b"/>
           <a:lstStyle>
-            <a:lvl1pPr algn="l">
-              <a:defRPr sz="3200" b="0" cap="none"/>
+            <a:lvl1pPr>
+              <a:defRPr sz="3200"/>
             </a:lvl1pPr>
           </a:lstStyle>
           <a:p>
@@ -4286,112 +4174,58 @@
       </p:sp>
       <p:sp>
         <p:nvSpPr>
-          <p:cNvPr id="3" name="Text Placeholder 2"/>
-          <p:cNvSpPr>
-            <a:spLocks noGrp="1"/>
-          </p:cNvSpPr>
-          <p:nvPr>
-            <p:ph type="body" idx="1"/>
+          <p:cNvPr id="4" name="Text Placeholder 3"/>
+          <p:cNvSpPr>
+            <a:spLocks noGrp="1"/>
+          </p:cNvSpPr>
+          <p:nvPr>
+            <p:ph type="body" sz="half" idx="2"/>
           </p:nvPr>
         </p:nvSpPr>
         <p:spPr>
           <a:xfrm>
-            <a:off x="1295401" y="4777381"/>
-            <a:ext cx="9609668" cy="860400"/>
+            <a:off x="913794" y="4650556"/>
+            <a:ext cx="10353763" cy="1140644"/>
           </a:xfrm>
         </p:spPr>
         <p:txBody>
-          <a:bodyPr anchor="t">
-            <a:normAutofit/>
-          </a:bodyPr>
+          <a:bodyPr anchor="t"/>
           <a:lstStyle>
-            <a:lvl1pPr marL="0" indent="0" algn="l">
-              <a:buNone/>
-              <a:defRPr sz="2000">
-                <a:solidFill>
-                  <a:schemeClr val="tx1"/>
-                </a:solidFill>
-              </a:defRPr>
+            <a:lvl1pPr marL="0" indent="0" algn="ctr">
+              <a:buNone/>
+              <a:defRPr sz="1600"/>
             </a:lvl1pPr>
             <a:lvl2pPr marL="457200" indent="0">
               <a:buNone/>
-              <a:defRPr sz="1800">
-                <a:solidFill>
-                  <a:schemeClr val="tx1">
-                    <a:tint val="75000"/>
-                  </a:schemeClr>
-                </a:solidFill>
-              </a:defRPr>
+              <a:defRPr sz="1400"/>
             </a:lvl2pPr>
             <a:lvl3pPr marL="914400" indent="0">
               <a:buNone/>
-              <a:defRPr sz="1600">
-                <a:solidFill>
-                  <a:schemeClr val="tx1">
-                    <a:tint val="75000"/>
-                  </a:schemeClr>
-                </a:solidFill>
-              </a:defRPr>
+              <a:defRPr sz="1200"/>
             </a:lvl3pPr>
             <a:lvl4pPr marL="1371600" indent="0">
               <a:buNone/>
-              <a:defRPr sz="1400">
-                <a:solidFill>
-                  <a:schemeClr val="tx1">
-                    <a:tint val="75000"/>
-                  </a:schemeClr>
-                </a:solidFill>
-              </a:defRPr>
+              <a:defRPr sz="1000"/>
             </a:lvl4pPr>
             <a:lvl5pPr marL="1828800" indent="0">
               <a:buNone/>
-              <a:defRPr sz="1400">
-                <a:solidFill>
-                  <a:schemeClr val="tx1">
-                    <a:tint val="75000"/>
-                  </a:schemeClr>
-                </a:solidFill>
-              </a:defRPr>
+              <a:defRPr sz="1000"/>
             </a:lvl5pPr>
             <a:lvl6pPr marL="2286000" indent="0">
               <a:buNone/>
-              <a:defRPr sz="1400">
-                <a:solidFill>
-                  <a:schemeClr val="tx1">
-                    <a:tint val="75000"/>
-                  </a:schemeClr>
-                </a:solidFill>
-              </a:defRPr>
+              <a:defRPr sz="1000"/>
             </a:lvl6pPr>
             <a:lvl7pPr marL="2743200" indent="0">
               <a:buNone/>
-              <a:defRPr sz="1400">
-                <a:solidFill>
-                  <a:schemeClr val="tx1">
-                    <a:tint val="75000"/>
-                  </a:schemeClr>
-                </a:solidFill>
-              </a:defRPr>
+              <a:defRPr sz="1000"/>
             </a:lvl7pPr>
             <a:lvl8pPr marL="3200400" indent="0">
               <a:buNone/>
-              <a:defRPr sz="1400">
-                <a:solidFill>
-                  <a:schemeClr val="tx1">
-                    <a:tint val="75000"/>
-                  </a:schemeClr>
-                </a:solidFill>
-              </a:defRPr>
+              <a:defRPr sz="1000"/>
             </a:lvl8pPr>
             <a:lvl9pPr marL="3657600" indent="0">
               <a:buNone/>
-              <a:defRPr sz="1400">
-                <a:solidFill>
-                  <a:schemeClr val="tx1">
-                    <a:tint val="75000"/>
-                  </a:schemeClr>
-                </a:solidFill>
-              </a:defRPr>
+              <a:defRPr sz="1000"/>
             </a:lvl9pPr>
           </a:lstStyle>
           <a:p>
@@ -4405,7 +4239,7 @@
       </p:sp>
       <p:sp>
         <p:nvSpPr>
-          <p:cNvPr id="4" name="Date Placeholder 3"/>
+          <p:cNvPr id="5" name="Date Placeholder 4"/>
           <p:cNvSpPr>
             <a:spLocks noGrp="1"/>
           </p:cNvSpPr>
@@ -4419,9 +4253,9 @@
           <a:lstStyle/>
           <a:p>
             <a:fld id="{B61BEF0D-F0BB-DE4B-95CE-6DB70DBA9567}" type="datetimeFigureOut">
-              <a:rPr lang="en-US" dirty="0"/>
+              <a:rPr lang="en-US" smtClean="0"/>
               <a:pPr/>
-              <a:t>11/18/2018</a:t>
+              <a:t>11/19/2018</a:t>
             </a:fld>
             <a:endParaRPr lang="en-US" dirty="0"/>
           </a:p>
@@ -4429,7 +4263,7 @@
       </p:sp>
       <p:sp>
         <p:nvSpPr>
-          <p:cNvPr id="5" name="Footer Placeholder 4"/>
+          <p:cNvPr id="6" name="Footer Placeholder 5"/>
           <p:cNvSpPr>
             <a:spLocks noGrp="1"/>
           </p:cNvSpPr>
@@ -4448,7 +4282,7 @@
       </p:sp>
       <p:sp>
         <p:nvSpPr>
-          <p:cNvPr id="6" name="Slide Number Placeholder 5"/>
+          <p:cNvPr id="7" name="Slide Number Placeholder 6"/>
           <p:cNvSpPr>
             <a:spLocks noGrp="1"/>
           </p:cNvSpPr>
@@ -4462,7 +4296,7 @@
           <a:lstStyle/>
           <a:p>
             <a:fld id="{D57F1E4F-1CFF-5643-939E-217C01CDF565}" type="slidenum">
-              <a:rPr lang="en-US" dirty="0"/>
+              <a:rPr lang="en-US" smtClean="0"/>
               <a:pPr/>
               <a:t>‹#›</a:t>
             </a:fld>
@@ -4471,6 +4305,11 @@
         </p:txBody>
       </p:sp>
     </p:spTree>
+    <p:extLst>
+      <p:ext uri="{BB962C8B-B14F-4D97-AF65-F5344CB8AC3E}">
+        <p14:creationId xmlns:p14="http://schemas.microsoft.com/office/powerpoint/2010/main" val="1805062533"/>
+      </p:ext>
+    </p:extLst>
   </p:cSld>
   <p:clrMapOvr>
     <a:masterClrMapping/>
@@ -4480,7 +4319,7 @@
 
 <file path=ppt/slideLayouts/slideLayout14.xml><?xml version="1.0" encoding="utf-8"?>
 <p:sldLayout xmlns:a="http://schemas.openxmlformats.org/drawingml/2006/main" xmlns:r="http://schemas.openxmlformats.org/officeDocument/2006/relationships" xmlns:p="http://schemas.openxmlformats.org/presentationml/2006/main" preserve="1">
-  <p:cSld name="Quote Name Card">
+  <p:cSld name="3 Column">
     <p:spTree>
       <p:nvGrpSpPr>
         <p:cNvPr id="1" name=""/>
@@ -4497,7 +4336,7 @@
       </p:grpSpPr>
       <p:sp>
         <p:nvSpPr>
-          <p:cNvPr id="2" name="Title 1"/>
+          <p:cNvPr id="15" name="Title 1"/>
           <p:cNvSpPr>
             <a:spLocks noGrp="1"/>
           </p:cNvSpPr>
@@ -4507,59 +4346,49 @@
         </p:nvSpPr>
         <p:spPr>
           <a:xfrm>
-            <a:off x="1446213" y="982132"/>
-            <a:ext cx="9296398" cy="2243668"/>
+            <a:off x="913794" y="609600"/>
+            <a:ext cx="10353762" cy="1325563"/>
           </a:xfrm>
         </p:spPr>
         <p:txBody>
-          <a:bodyPr anchor="ctr">
-            <a:normAutofit/>
+          <a:bodyPr/>
+          <a:lstStyle/>
+          <a:p>
+            <a:r>
+              <a:rPr lang="en-US"/>
+              <a:t>Click to edit Master title style</a:t>
+            </a:r>
+            <a:endParaRPr lang="en-US" dirty="0"/>
+          </a:p>
+        </p:txBody>
+      </p:sp>
+      <p:sp>
+        <p:nvSpPr>
+          <p:cNvPr id="7" name="Text Placeholder 2"/>
+          <p:cNvSpPr>
+            <a:spLocks noGrp="1"/>
+          </p:cNvSpPr>
+          <p:nvPr>
+            <p:ph type="body" idx="1"/>
+          </p:nvPr>
+        </p:nvSpPr>
+        <p:spPr>
+          <a:xfrm>
+            <a:off x="913794" y="2088319"/>
+            <a:ext cx="3298956" cy="823305"/>
+          </a:xfrm>
+        </p:spPr>
+        <p:txBody>
+          <a:bodyPr anchor="b">
+            <a:noAutofit/>
           </a:bodyPr>
           <a:lstStyle>
-            <a:lvl1pPr algn="ctr">
-              <a:defRPr sz="3200" b="0" cap="none">
-                <a:solidFill>
-                  <a:schemeClr val="tx1"/>
-                </a:solidFill>
-              </a:defRPr>
-            </a:lvl1pPr>
-          </a:lstStyle>
-          <a:p>
-            <a:r>
-              <a:rPr lang="en-US"/>
-              <a:t>Click to edit Master title style</a:t>
-            </a:r>
-            <a:endParaRPr lang="en-US" dirty="0"/>
-          </a:p>
-        </p:txBody>
-      </p:sp>
-      <p:sp>
-        <p:nvSpPr>
-          <p:cNvPr id="14" name="Text Placeholder 2"/>
-          <p:cNvSpPr>
-            <a:spLocks noGrp="1"/>
-          </p:cNvSpPr>
-          <p:nvPr>
-            <p:ph type="body" idx="13"/>
-          </p:nvPr>
-        </p:nvSpPr>
-        <p:spPr>
-          <a:xfrm>
-            <a:off x="1295401" y="3639312"/>
-            <a:ext cx="9609668" cy="886968"/>
-          </a:xfrm>
-        </p:spPr>
-        <p:txBody>
-          <a:bodyPr anchor="b">
-            <a:normAutofit/>
-          </a:bodyPr>
-          <a:lstStyle>
-            <a:lvl1pPr marL="0" indent="0" algn="l">
-              <a:spcBef>
-                <a:spcPts val="0"/>
-              </a:spcBef>
-              <a:buNone/>
-              <a:defRPr sz="2400">
+            <a:lvl1pPr marL="0" indent="0" algn="ctr">
+              <a:lnSpc>
+                <a:spcPct val="100000"/>
+              </a:lnSpc>
+              <a:buNone/>
+              <a:defRPr sz="2400" b="0">
                 <a:solidFill>
                   <a:schemeClr val="tx1"/>
                 </a:solidFill>
@@ -4567,83 +4396,35 @@
             </a:lvl1pPr>
             <a:lvl2pPr marL="457200" indent="0">
               <a:buNone/>
-              <a:defRPr sz="1800">
-                <a:solidFill>
-                  <a:schemeClr val="tx1">
-                    <a:tint val="75000"/>
-                  </a:schemeClr>
-                </a:solidFill>
-              </a:defRPr>
+              <a:defRPr sz="2000" b="1"/>
             </a:lvl2pPr>
             <a:lvl3pPr marL="914400" indent="0">
               <a:buNone/>
-              <a:defRPr sz="1600">
-                <a:solidFill>
-                  <a:schemeClr val="tx1">
-                    <a:tint val="75000"/>
-                  </a:schemeClr>
-                </a:solidFill>
-              </a:defRPr>
+              <a:defRPr sz="1800" b="1"/>
             </a:lvl3pPr>
             <a:lvl4pPr marL="1371600" indent="0">
               <a:buNone/>
-              <a:defRPr sz="1400">
-                <a:solidFill>
-                  <a:schemeClr val="tx1">
-                    <a:tint val="75000"/>
-                  </a:schemeClr>
-                </a:solidFill>
-              </a:defRPr>
+              <a:defRPr sz="1600" b="1"/>
             </a:lvl4pPr>
             <a:lvl5pPr marL="1828800" indent="0">
               <a:buNone/>
-              <a:defRPr sz="1400">
-                <a:solidFill>
-                  <a:schemeClr val="tx1">
-                    <a:tint val="75000"/>
-                  </a:schemeClr>
-                </a:solidFill>
-              </a:defRPr>
+              <a:defRPr sz="1600" b="1"/>
             </a:lvl5pPr>
             <a:lvl6pPr marL="2286000" indent="0">
               <a:buNone/>
-              <a:defRPr sz="1400">
-                <a:solidFill>
-                  <a:schemeClr val="tx1">
-                    <a:tint val="75000"/>
-                  </a:schemeClr>
-                </a:solidFill>
-              </a:defRPr>
+              <a:defRPr sz="1600" b="1"/>
             </a:lvl6pPr>
             <a:lvl7pPr marL="2743200" indent="0">
               <a:buNone/>
-              <a:defRPr sz="1400">
-                <a:solidFill>
-                  <a:schemeClr val="tx1">
-                    <a:tint val="75000"/>
-                  </a:schemeClr>
-                </a:solidFill>
-              </a:defRPr>
+              <a:defRPr sz="1600" b="1"/>
             </a:lvl7pPr>
             <a:lvl8pPr marL="3200400" indent="0">
               <a:buNone/>
-              <a:defRPr sz="1400">
-                <a:solidFill>
-                  <a:schemeClr val="tx1">
-                    <a:tint val="75000"/>
-                  </a:schemeClr>
-                </a:solidFill>
-              </a:defRPr>
+              <a:defRPr sz="1600" b="1"/>
             </a:lvl8pPr>
             <a:lvl9pPr marL="3657600" indent="0">
               <a:buNone/>
-              <a:defRPr sz="1400">
-                <a:solidFill>
-                  <a:schemeClr val="tx1">
-                    <a:tint val="75000"/>
-                  </a:schemeClr>
-                </a:solidFill>
-              </a:defRPr>
+              <a:defRPr sz="1600" b="1"/>
             </a:lvl9pPr>
           </a:lstStyle>
           <a:p>
@@ -4657,18 +4438,18 @@
       </p:sp>
       <p:sp>
         <p:nvSpPr>
-          <p:cNvPr id="3" name="Text Placeholder 2"/>
-          <p:cNvSpPr>
-            <a:spLocks noGrp="1"/>
-          </p:cNvSpPr>
-          <p:nvPr>
-            <p:ph type="body" idx="1"/>
+          <p:cNvPr id="8" name="Text Placeholder 3"/>
+          <p:cNvSpPr>
+            <a:spLocks noGrp="1"/>
+          </p:cNvSpPr>
+          <p:nvPr>
+            <p:ph type="body" sz="half" idx="15"/>
           </p:nvPr>
         </p:nvSpPr>
         <p:spPr>
           <a:xfrm>
-            <a:off x="1295401" y="4529667"/>
-            <a:ext cx="9609668" cy="1346200"/>
+            <a:off x="913794" y="2911624"/>
+            <a:ext cx="3298956" cy="2879576"/>
           </a:xfrm>
         </p:spPr>
         <p:txBody>
@@ -4676,9 +4457,79 @@
             <a:normAutofit/>
           </a:bodyPr>
           <a:lstStyle>
-            <a:lvl1pPr marL="0" indent="0" algn="l">
-              <a:buNone/>
-              <a:defRPr sz="1800">
+            <a:lvl1pPr marL="0" indent="0" algn="ctr">
+              <a:buNone/>
+              <a:defRPr sz="1400"/>
+            </a:lvl1pPr>
+            <a:lvl2pPr marL="457200" indent="0">
+              <a:buNone/>
+              <a:defRPr sz="1200"/>
+            </a:lvl2pPr>
+            <a:lvl3pPr marL="914400" indent="0">
+              <a:buNone/>
+              <a:defRPr sz="1000"/>
+            </a:lvl3pPr>
+            <a:lvl4pPr marL="1371600" indent="0">
+              <a:buNone/>
+              <a:defRPr sz="900"/>
+            </a:lvl4pPr>
+            <a:lvl5pPr marL="1828800" indent="0">
+              <a:buNone/>
+              <a:defRPr sz="900"/>
+            </a:lvl5pPr>
+            <a:lvl6pPr marL="2286000" indent="0">
+              <a:buNone/>
+              <a:defRPr sz="900"/>
+            </a:lvl6pPr>
+            <a:lvl7pPr marL="2743200" indent="0">
+              <a:buNone/>
+              <a:defRPr sz="900"/>
+            </a:lvl7pPr>
+            <a:lvl8pPr marL="3200400" indent="0">
+              <a:buNone/>
+              <a:defRPr sz="900"/>
+            </a:lvl8pPr>
+            <a:lvl9pPr marL="3657600" indent="0">
+              <a:buNone/>
+              <a:defRPr sz="900"/>
+            </a:lvl9pPr>
+          </a:lstStyle>
+          <a:p>
+            <a:pPr lvl="0"/>
+            <a:r>
+              <a:rPr lang="en-US"/>
+              <a:t>Edit Master text styles</a:t>
+            </a:r>
+          </a:p>
+        </p:txBody>
+      </p:sp>
+      <p:sp>
+        <p:nvSpPr>
+          <p:cNvPr id="9" name="Text Placeholder 4"/>
+          <p:cNvSpPr>
+            <a:spLocks noGrp="1"/>
+          </p:cNvSpPr>
+          <p:nvPr>
+            <p:ph type="body" sz="quarter" idx="3"/>
+          </p:nvPr>
+        </p:nvSpPr>
+        <p:spPr>
+          <a:xfrm>
+            <a:off x="4444878" y="2088320"/>
+            <a:ext cx="3298558" cy="823304"/>
+          </a:xfrm>
+        </p:spPr>
+        <p:txBody>
+          <a:bodyPr anchor="b">
+            <a:noAutofit/>
+          </a:bodyPr>
+          <a:lstStyle>
+            <a:lvl1pPr marL="0" indent="0" algn="ctr">
+              <a:lnSpc>
+                <a:spcPct val="100000"/>
+              </a:lnSpc>
+              <a:buNone/>
+              <a:defRPr sz="2400" b="0">
                 <a:solidFill>
                   <a:schemeClr val="tx1"/>
                 </a:solidFill>
@@ -4686,83 +4537,176 @@
             </a:lvl1pPr>
             <a:lvl2pPr marL="457200" indent="0">
               <a:buNone/>
-              <a:defRPr sz="1800">
+              <a:defRPr sz="2000" b="1"/>
+            </a:lvl2pPr>
+            <a:lvl3pPr marL="914400" indent="0">
+              <a:buNone/>
+              <a:defRPr sz="1800" b="1"/>
+            </a:lvl3pPr>
+            <a:lvl4pPr marL="1371600" indent="0">
+              <a:buNone/>
+              <a:defRPr sz="1600" b="1"/>
+            </a:lvl4pPr>
+            <a:lvl5pPr marL="1828800" indent="0">
+              <a:buNone/>
+              <a:defRPr sz="1600" b="1"/>
+            </a:lvl5pPr>
+            <a:lvl6pPr marL="2286000" indent="0">
+              <a:buNone/>
+              <a:defRPr sz="1600" b="1"/>
+            </a:lvl6pPr>
+            <a:lvl7pPr marL="2743200" indent="0">
+              <a:buNone/>
+              <a:defRPr sz="1600" b="1"/>
+            </a:lvl7pPr>
+            <a:lvl8pPr marL="3200400" indent="0">
+              <a:buNone/>
+              <a:defRPr sz="1600" b="1"/>
+            </a:lvl8pPr>
+            <a:lvl9pPr marL="3657600" indent="0">
+              <a:buNone/>
+              <a:defRPr sz="1600" b="1"/>
+            </a:lvl9pPr>
+          </a:lstStyle>
+          <a:p>
+            <a:pPr lvl="0"/>
+            <a:r>
+              <a:rPr lang="en-US"/>
+              <a:t>Edit Master text styles</a:t>
+            </a:r>
+          </a:p>
+        </p:txBody>
+      </p:sp>
+      <p:sp>
+        <p:nvSpPr>
+          <p:cNvPr id="10" name="Text Placeholder 3"/>
+          <p:cNvSpPr>
+            <a:spLocks noGrp="1"/>
+          </p:cNvSpPr>
+          <p:nvPr>
+            <p:ph type="body" sz="half" idx="16"/>
+          </p:nvPr>
+        </p:nvSpPr>
+        <p:spPr>
+          <a:xfrm>
+            <a:off x="4444878" y="2911624"/>
+            <a:ext cx="3299821" cy="2879576"/>
+          </a:xfrm>
+        </p:spPr>
+        <p:txBody>
+          <a:bodyPr anchor="t">
+            <a:normAutofit/>
+          </a:bodyPr>
+          <a:lstStyle>
+            <a:lvl1pPr marL="0" indent="0" algn="ctr">
+              <a:buNone/>
+              <a:defRPr sz="1400"/>
+            </a:lvl1pPr>
+            <a:lvl2pPr marL="457200" indent="0">
+              <a:buNone/>
+              <a:defRPr sz="1200"/>
+            </a:lvl2pPr>
+            <a:lvl3pPr marL="914400" indent="0">
+              <a:buNone/>
+              <a:defRPr sz="1000"/>
+            </a:lvl3pPr>
+            <a:lvl4pPr marL="1371600" indent="0">
+              <a:buNone/>
+              <a:defRPr sz="900"/>
+            </a:lvl4pPr>
+            <a:lvl5pPr marL="1828800" indent="0">
+              <a:buNone/>
+              <a:defRPr sz="900"/>
+            </a:lvl5pPr>
+            <a:lvl6pPr marL="2286000" indent="0">
+              <a:buNone/>
+              <a:defRPr sz="900"/>
+            </a:lvl6pPr>
+            <a:lvl7pPr marL="2743200" indent="0">
+              <a:buNone/>
+              <a:defRPr sz="900"/>
+            </a:lvl7pPr>
+            <a:lvl8pPr marL="3200400" indent="0">
+              <a:buNone/>
+              <a:defRPr sz="900"/>
+            </a:lvl8pPr>
+            <a:lvl9pPr marL="3657600" indent="0">
+              <a:buNone/>
+              <a:defRPr sz="900"/>
+            </a:lvl9pPr>
+          </a:lstStyle>
+          <a:p>
+            <a:pPr lvl="0"/>
+            <a:r>
+              <a:rPr lang="en-US"/>
+              <a:t>Edit Master text styles</a:t>
+            </a:r>
+          </a:p>
+        </p:txBody>
+      </p:sp>
+      <p:sp>
+        <p:nvSpPr>
+          <p:cNvPr id="11" name="Text Placeholder 4"/>
+          <p:cNvSpPr>
+            <a:spLocks noGrp="1"/>
+          </p:cNvSpPr>
+          <p:nvPr>
+            <p:ph type="body" sz="quarter" idx="13"/>
+          </p:nvPr>
+        </p:nvSpPr>
+        <p:spPr>
+          <a:xfrm>
+            <a:off x="7973298" y="2088320"/>
+            <a:ext cx="3291211" cy="823304"/>
+          </a:xfrm>
+        </p:spPr>
+        <p:txBody>
+          <a:bodyPr anchor="b">
+            <a:noAutofit/>
+          </a:bodyPr>
+          <a:lstStyle>
+            <a:lvl1pPr marL="0" indent="0" algn="ctr">
+              <a:lnSpc>
+                <a:spcPct val="100000"/>
+              </a:lnSpc>
+              <a:buNone/>
+              <a:defRPr sz="2400" b="0">
                 <a:solidFill>
-                  <a:schemeClr val="tx1">
-                    <a:tint val="75000"/>
-                  </a:schemeClr>
+                  <a:schemeClr val="tx1"/>
                 </a:solidFill>
               </a:defRPr>
+            </a:lvl1pPr>
+            <a:lvl2pPr marL="457200" indent="0">
+              <a:buNone/>
+              <a:defRPr sz="2000" b="1"/>
             </a:lvl2pPr>
             <a:lvl3pPr marL="914400" indent="0">
               <a:buNone/>
-              <a:defRPr sz="1600">
-                <a:solidFill>
-                  <a:schemeClr val="tx1">
-                    <a:tint val="75000"/>
-                  </a:schemeClr>
-                </a:solidFill>
-              </a:defRPr>
+              <a:defRPr sz="1800" b="1"/>
             </a:lvl3pPr>
             <a:lvl4pPr marL="1371600" indent="0">
               <a:buNone/>
-              <a:defRPr sz="1400">
-                <a:solidFill>
-                  <a:schemeClr val="tx1">
-                    <a:tint val="75000"/>
-                  </a:schemeClr>
-                </a:solidFill>
-              </a:defRPr>
+              <a:defRPr sz="1600" b="1"/>
             </a:lvl4pPr>
             <a:lvl5pPr marL="1828800" indent="0">
               <a:buNone/>
-              <a:defRPr sz="1400">
-                <a:solidFill>
-                  <a:schemeClr val="tx1">
-                    <a:tint val="75000"/>
-                  </a:schemeClr>
-                </a:solidFill>
-              </a:defRPr>
+              <a:defRPr sz="1600" b="1"/>
             </a:lvl5pPr>
             <a:lvl6pPr marL="2286000" indent="0">
               <a:buNone/>
-              <a:defRPr sz="1400">
-                <a:solidFill>
-                  <a:schemeClr val="tx1">
-                    <a:tint val="75000"/>
-                  </a:schemeClr>
-                </a:solidFill>
-              </a:defRPr>
+              <a:defRPr sz="1600" b="1"/>
             </a:lvl6pPr>
             <a:lvl7pPr marL="2743200" indent="0">
               <a:buNone/>
-              <a:defRPr sz="1400">
-                <a:solidFill>
-                  <a:schemeClr val="tx1">
-                    <a:tint val="75000"/>
-                  </a:schemeClr>
-                </a:solidFill>
-              </a:defRPr>
+              <a:defRPr sz="1600" b="1"/>
             </a:lvl7pPr>
             <a:lvl8pPr marL="3200400" indent="0">
               <a:buNone/>
-              <a:defRPr sz="1400">
-                <a:solidFill>
-                  <a:schemeClr val="tx1">
-                    <a:tint val="75000"/>
-                  </a:schemeClr>
-                </a:solidFill>
-              </a:defRPr>
+              <a:defRPr sz="1600" b="1"/>
             </a:lvl8pPr>
             <a:lvl9pPr marL="3657600" indent="0">
               <a:buNone/>
-              <a:defRPr sz="1400">
-                <a:solidFill>
-                  <a:schemeClr val="tx1">
-                    <a:tint val="75000"/>
-                  </a:schemeClr>
-                </a:solidFill>
-              </a:defRPr>
+              <a:defRPr sz="1600" b="1"/>
             </a:lvl9pPr>
           </a:lstStyle>
           <a:p>
@@ -4776,7 +4720,74 @@
       </p:sp>
       <p:sp>
         <p:nvSpPr>
-          <p:cNvPr id="4" name="Date Placeholder 3"/>
+          <p:cNvPr id="12" name="Text Placeholder 3"/>
+          <p:cNvSpPr>
+            <a:spLocks noGrp="1"/>
+          </p:cNvSpPr>
+          <p:nvPr>
+            <p:ph type="body" sz="half" idx="17"/>
+          </p:nvPr>
+        </p:nvSpPr>
+        <p:spPr>
+          <a:xfrm>
+            <a:off x="7976346" y="2911624"/>
+            <a:ext cx="3291211" cy="2879576"/>
+          </a:xfrm>
+        </p:spPr>
+        <p:txBody>
+          <a:bodyPr anchor="t">
+            <a:normAutofit/>
+          </a:bodyPr>
+          <a:lstStyle>
+            <a:lvl1pPr marL="0" indent="0" algn="ctr">
+              <a:buNone/>
+              <a:defRPr sz="1400"/>
+            </a:lvl1pPr>
+            <a:lvl2pPr marL="457200" indent="0">
+              <a:buNone/>
+              <a:defRPr sz="1200"/>
+            </a:lvl2pPr>
+            <a:lvl3pPr marL="914400" indent="0">
+              <a:buNone/>
+              <a:defRPr sz="1000"/>
+            </a:lvl3pPr>
+            <a:lvl4pPr marL="1371600" indent="0">
+              <a:buNone/>
+              <a:defRPr sz="900"/>
+            </a:lvl4pPr>
+            <a:lvl5pPr marL="1828800" indent="0">
+              <a:buNone/>
+              <a:defRPr sz="900"/>
+            </a:lvl5pPr>
+            <a:lvl6pPr marL="2286000" indent="0">
+              <a:buNone/>
+              <a:defRPr sz="900"/>
+            </a:lvl6pPr>
+            <a:lvl7pPr marL="2743200" indent="0">
+              <a:buNone/>
+              <a:defRPr sz="900"/>
+            </a:lvl7pPr>
+            <a:lvl8pPr marL="3200400" indent="0">
+              <a:buNone/>
+              <a:defRPr sz="900"/>
+            </a:lvl8pPr>
+            <a:lvl9pPr marL="3657600" indent="0">
+              <a:buNone/>
+              <a:defRPr sz="900"/>
+            </a:lvl9pPr>
+          </a:lstStyle>
+          <a:p>
+            <a:pPr lvl="0"/>
+            <a:r>
+              <a:rPr lang="en-US"/>
+              <a:t>Edit Master text styles</a:t>
+            </a:r>
+          </a:p>
+        </p:txBody>
+      </p:sp>
+      <p:sp>
+        <p:nvSpPr>
+          <p:cNvPr id="3" name="Date Placeholder 2"/>
           <p:cNvSpPr>
             <a:spLocks noGrp="1"/>
           </p:cNvSpPr>
@@ -4790,9 +4801,9 @@
           <a:lstStyle/>
           <a:p>
             <a:fld id="{B61BEF0D-F0BB-DE4B-95CE-6DB70DBA9567}" type="datetimeFigureOut">
-              <a:rPr lang="en-US" dirty="0"/>
+              <a:rPr lang="en-US" smtClean="0"/>
               <a:pPr/>
-              <a:t>11/18/2018</a:t>
+              <a:t>11/19/2018</a:t>
             </a:fld>
             <a:endParaRPr lang="en-US" dirty="0"/>
           </a:p>
@@ -4800,7 +4811,7 @@
       </p:sp>
       <p:sp>
         <p:nvSpPr>
-          <p:cNvPr id="5" name="Footer Placeholder 4"/>
+          <p:cNvPr id="4" name="Footer Placeholder 3"/>
           <p:cNvSpPr>
             <a:spLocks noGrp="1"/>
           </p:cNvSpPr>
@@ -4819,7 +4830,7 @@
       </p:sp>
       <p:sp>
         <p:nvSpPr>
-          <p:cNvPr id="6" name="Slide Number Placeholder 5"/>
+          <p:cNvPr id="5" name="Slide Number Placeholder 4"/>
           <p:cNvSpPr>
             <a:spLocks noGrp="1"/>
           </p:cNvSpPr>
@@ -4833,7 +4844,7 @@
           <a:lstStyle/>
           <a:p>
             <a:fld id="{D57F1E4F-1CFF-5643-939E-217C01CDF565}" type="slidenum">
-              <a:rPr lang="en-US" dirty="0"/>
+              <a:rPr lang="en-US" smtClean="0"/>
               <a:pPr/>
               <a:t>‹#›</a:t>
             </a:fld>
@@ -4841,106 +4852,12 @@
           </a:p>
         </p:txBody>
       </p:sp>
-      <p:sp>
-        <p:nvSpPr>
-          <p:cNvPr id="12" name="TextBox 11"/>
-          <p:cNvSpPr txBox="1"/>
-          <p:nvPr/>
-        </p:nvSpPr>
-        <p:spPr>
-          <a:xfrm>
-            <a:off x="862013" y="879961"/>
-            <a:ext cx="609600" cy="584776"/>
-          </a:xfrm>
-          <a:prstGeom prst="rect">
-            <a:avLst/>
-          </a:prstGeom>
-        </p:spPr>
-        <p:txBody>
-          <a:bodyPr vert="horz" lIns="91440" tIns="45720" rIns="91440" bIns="45720" rtlCol="0" anchor="ctr">
-            <a:noAutofit/>
-          </a:bodyPr>
-          <a:lstStyle/>
-          <a:p>
-            <a:pPr lvl="0"/>
-            <a:r>
-              <a:rPr lang="en-US" sz="8000" dirty="0">
-                <a:solidFill>
-                  <a:schemeClr val="tx1"/>
-                </a:solidFill>
-                <a:effectLst/>
-              </a:rPr>
-              <a:t>“</a:t>
-            </a:r>
-          </a:p>
-        </p:txBody>
-      </p:sp>
-      <p:sp>
-        <p:nvSpPr>
-          <p:cNvPr id="13" name="TextBox 12"/>
-          <p:cNvSpPr txBox="1"/>
-          <p:nvPr/>
-        </p:nvSpPr>
-        <p:spPr>
-          <a:xfrm>
-            <a:off x="10600267" y="2599261"/>
-            <a:ext cx="609600" cy="584776"/>
-          </a:xfrm>
-          <a:prstGeom prst="rect">
-            <a:avLst/>
-          </a:prstGeom>
-        </p:spPr>
-        <p:txBody>
-          <a:bodyPr vert="horz" lIns="91440" tIns="45720" rIns="91440" bIns="45720" rtlCol="0" anchor="ctr">
-            <a:noAutofit/>
-          </a:bodyPr>
-          <a:lstStyle/>
-          <a:p>
-            <a:pPr lvl="0" algn="r"/>
-            <a:r>
-              <a:rPr lang="en-US" sz="8000" dirty="0">
-                <a:solidFill>
-                  <a:schemeClr val="tx1"/>
-                </a:solidFill>
-                <a:effectLst/>
-              </a:rPr>
-              <a:t>”</a:t>
-            </a:r>
-          </a:p>
-        </p:txBody>
-      </p:sp>
-      <p:cxnSp>
-        <p:nvCxnSpPr>
-          <p:cNvPr id="26" name="Straight Connector 25"/>
-          <p:cNvCxnSpPr/>
-          <p:nvPr/>
-        </p:nvCxnSpPr>
-        <p:spPr>
-          <a:xfrm>
-            <a:off x="1396169" y="3429000"/>
-            <a:ext cx="9407298" cy="0"/>
-          </a:xfrm>
-          <a:prstGeom prst="line">
-            <a:avLst/>
-          </a:prstGeom>
-          <a:ln w="15875"/>
-        </p:spPr>
-        <p:style>
-          <a:lnRef idx="2">
-            <a:schemeClr val="accent1"/>
-          </a:lnRef>
-          <a:fillRef idx="0">
-            <a:schemeClr val="accent1"/>
-          </a:fillRef>
-          <a:effectRef idx="1">
-            <a:schemeClr val="accent1"/>
-          </a:effectRef>
-          <a:fontRef idx="minor">
-            <a:schemeClr val="tx1"/>
-          </a:fontRef>
-        </p:style>
-      </p:cxnSp>
     </p:spTree>
+    <p:extLst>
+      <p:ext uri="{BB962C8B-B14F-4D97-AF65-F5344CB8AC3E}">
+        <p14:creationId xmlns:p14="http://schemas.microsoft.com/office/powerpoint/2010/main" val="1547240478"/>
+      </p:ext>
+    </p:extLst>
   </p:cSld>
   <p:clrMapOvr>
     <a:masterClrMapping/>
@@ -4950,7 +4867,7 @@
 
 <file path=ppt/slideLayouts/slideLayout15.xml><?xml version="1.0" encoding="utf-8"?>
 <p:sldLayout xmlns:a="http://schemas.openxmlformats.org/drawingml/2006/main" xmlns:r="http://schemas.openxmlformats.org/officeDocument/2006/relationships" xmlns:p="http://schemas.openxmlformats.org/presentationml/2006/main" preserve="1">
-  <p:cSld name="True or False">
+  <p:cSld name="3 Picture Column">
     <p:spTree>
       <p:nvGrpSpPr>
         <p:cNvPr id="1" name=""/>
@@ -4967,7 +4884,7 @@
       </p:grpSpPr>
       <p:sp>
         <p:nvSpPr>
-          <p:cNvPr id="2" name="Title 1"/>
+          <p:cNvPr id="30" name="Title 1"/>
           <p:cNvSpPr>
             <a:spLocks noGrp="1"/>
           </p:cNvSpPr>
@@ -4977,56 +4894,49 @@
         </p:nvSpPr>
         <p:spPr>
           <a:xfrm>
-            <a:off x="1295401" y="982132"/>
-            <a:ext cx="9609666" cy="2243668"/>
+            <a:off x="913795" y="609600"/>
+            <a:ext cx="10353762" cy="1325563"/>
           </a:xfrm>
         </p:spPr>
         <p:txBody>
-          <a:bodyPr vert="horz" lIns="91440" tIns="45720" rIns="91440" bIns="45720" rtlCol="0" anchor="ctr">
-            <a:normAutofit/>
+          <a:bodyPr/>
+          <a:lstStyle/>
+          <a:p>
+            <a:r>
+              <a:rPr lang="en-US"/>
+              <a:t>Click to edit Master title style</a:t>
+            </a:r>
+            <a:endParaRPr lang="en-US" dirty="0"/>
+          </a:p>
+        </p:txBody>
+      </p:sp>
+      <p:sp>
+        <p:nvSpPr>
+          <p:cNvPr id="19" name="Text Placeholder 2"/>
+          <p:cNvSpPr>
+            <a:spLocks noGrp="1"/>
+          </p:cNvSpPr>
+          <p:nvPr>
+            <p:ph type="body" idx="1"/>
+          </p:nvPr>
+        </p:nvSpPr>
+        <p:spPr>
+          <a:xfrm>
+            <a:off x="913795" y="4195899"/>
+            <a:ext cx="3298955" cy="576262"/>
+          </a:xfrm>
+        </p:spPr>
+        <p:txBody>
+          <a:bodyPr anchor="b">
+            <a:noAutofit/>
           </a:bodyPr>
           <a:lstStyle>
-            <a:lvl1pPr>
-              <a:defRPr lang="en-US" b="0" dirty="0"/>
-            </a:lvl1pPr>
-          </a:lstStyle>
-          <a:p>
-            <a:pPr marL="0" lvl="0"/>
-            <a:r>
-              <a:rPr lang="en-US"/>
-              <a:t>Click to edit Master title style</a:t>
-            </a:r>
-            <a:endParaRPr lang="en-US" dirty="0"/>
-          </a:p>
-        </p:txBody>
-      </p:sp>
-      <p:sp>
-        <p:nvSpPr>
-          <p:cNvPr id="11" name="Text Placeholder 2"/>
-          <p:cNvSpPr>
-            <a:spLocks noGrp="1"/>
-          </p:cNvSpPr>
-          <p:nvPr>
-            <p:ph type="body" idx="13"/>
-          </p:nvPr>
-        </p:nvSpPr>
-        <p:spPr>
-          <a:xfrm>
-            <a:off x="1295401" y="3630168"/>
-            <a:ext cx="9609668" cy="841248"/>
-          </a:xfrm>
-        </p:spPr>
-        <p:txBody>
-          <a:bodyPr anchor="b">
-            <a:normAutofit/>
-          </a:bodyPr>
-          <a:lstStyle>
-            <a:lvl1pPr marL="0" indent="0" algn="l">
-              <a:spcBef>
-                <a:spcPts val="0"/>
-              </a:spcBef>
-              <a:buNone/>
-              <a:defRPr sz="2800">
+            <a:lvl1pPr marL="0" indent="0" algn="ctr">
+              <a:lnSpc>
+                <a:spcPct val="100000"/>
+              </a:lnSpc>
+              <a:buNone/>
+              <a:defRPr sz="2000" b="0">
                 <a:solidFill>
                   <a:schemeClr val="tx1"/>
                 </a:solidFill>
@@ -5034,83 +4944,35 @@
             </a:lvl1pPr>
             <a:lvl2pPr marL="457200" indent="0">
               <a:buNone/>
-              <a:defRPr sz="1800">
-                <a:solidFill>
-                  <a:schemeClr val="tx1">
-                    <a:tint val="75000"/>
-                  </a:schemeClr>
-                </a:solidFill>
-              </a:defRPr>
+              <a:defRPr sz="2000" b="1"/>
             </a:lvl2pPr>
             <a:lvl3pPr marL="914400" indent="0">
               <a:buNone/>
-              <a:defRPr sz="1600">
-                <a:solidFill>
-                  <a:schemeClr val="tx1">
-                    <a:tint val="75000"/>
-                  </a:schemeClr>
-                </a:solidFill>
-              </a:defRPr>
+              <a:defRPr sz="1800" b="1"/>
             </a:lvl3pPr>
             <a:lvl4pPr marL="1371600" indent="0">
               <a:buNone/>
-              <a:defRPr sz="1400">
-                <a:solidFill>
-                  <a:schemeClr val="tx1">
-                    <a:tint val="75000"/>
-                  </a:schemeClr>
-                </a:solidFill>
-              </a:defRPr>
+              <a:defRPr sz="1600" b="1"/>
             </a:lvl4pPr>
             <a:lvl5pPr marL="1828800" indent="0">
               <a:buNone/>
-              <a:defRPr sz="1400">
-                <a:solidFill>
-                  <a:schemeClr val="tx1">
-                    <a:tint val="75000"/>
-                  </a:schemeClr>
-                </a:solidFill>
-              </a:defRPr>
+              <a:defRPr sz="1600" b="1"/>
             </a:lvl5pPr>
             <a:lvl6pPr marL="2286000" indent="0">
               <a:buNone/>
-              <a:defRPr sz="1400">
-                <a:solidFill>
-                  <a:schemeClr val="tx1">
-                    <a:tint val="75000"/>
-                  </a:schemeClr>
-                </a:solidFill>
-              </a:defRPr>
+              <a:defRPr sz="1600" b="1"/>
             </a:lvl6pPr>
             <a:lvl7pPr marL="2743200" indent="0">
               <a:buNone/>
-              <a:defRPr sz="1400">
-                <a:solidFill>
-                  <a:schemeClr val="tx1">
-                    <a:tint val="75000"/>
-                  </a:schemeClr>
-                </a:solidFill>
-              </a:defRPr>
+              <a:defRPr sz="1600" b="1"/>
             </a:lvl7pPr>
             <a:lvl8pPr marL="3200400" indent="0">
               <a:buNone/>
-              <a:defRPr sz="1400">
-                <a:solidFill>
-                  <a:schemeClr val="tx1">
-                    <a:tint val="75000"/>
-                  </a:schemeClr>
-                </a:solidFill>
-              </a:defRPr>
+              <a:defRPr sz="1600" b="1"/>
             </a:lvl8pPr>
             <a:lvl9pPr marL="3657600" indent="0">
               <a:buNone/>
-              <a:defRPr sz="1400">
-                <a:solidFill>
-                  <a:schemeClr val="tx1">
-                    <a:tint val="75000"/>
-                  </a:schemeClr>
-                </a:solidFill>
-              </a:defRPr>
+              <a:defRPr sz="1600" b="1"/>
             </a:lvl9pPr>
           </a:lstStyle>
           <a:p>
@@ -5124,28 +4986,196 @@
       </p:sp>
       <p:sp>
         <p:nvSpPr>
-          <p:cNvPr id="3" name="Text Placeholder 2"/>
-          <p:cNvSpPr>
-            <a:spLocks noGrp="1"/>
-          </p:cNvSpPr>
-          <p:nvPr>
-            <p:ph type="body" idx="1"/>
+          <p:cNvPr id="20" name="Picture Placeholder 2"/>
+          <p:cNvSpPr>
+            <a:spLocks noGrp="1" noChangeAspect="1"/>
+          </p:cNvSpPr>
+          <p:nvPr>
+            <p:ph type="pic" idx="15"/>
           </p:nvPr>
         </p:nvSpPr>
         <p:spPr>
           <a:xfrm>
-            <a:off x="1295400" y="4470399"/>
-            <a:ext cx="9609670" cy="1405467"/>
+            <a:off x="1092020" y="2298987"/>
+            <a:ext cx="2940050" cy="1524000"/>
           </a:xfrm>
+          <a:prstGeom prst="roundRect">
+            <a:avLst>
+              <a:gd name="adj" fmla="val 0"/>
+            </a:avLst>
+          </a:prstGeom>
+          <a:noFill/>
+          <a:ln w="146050" cap="sq">
+            <a:solidFill>
+              <a:srgbClr val="FFFFFF"/>
+            </a:solidFill>
+            <a:miter lim="800000"/>
+          </a:ln>
+          <a:effectLst>
+            <a:outerShdw blurRad="55000" dist="18000" dir="5400000" algn="tl" rotWithShape="0">
+              <a:srgbClr val="000000">
+                <a:alpha val="40000"/>
+              </a:srgbClr>
+            </a:outerShdw>
+          </a:effectLst>
+          <a:scene3d>
+            <a:camera prst="orthographicFront"/>
+            <a:lightRig rig="twoPt" dir="t">
+              <a:rot lat="0" lon="0" rev="7200000"/>
+            </a:lightRig>
+          </a:scene3d>
+          <a:sp3d>
+            <a:bevelT w="25400" h="19050"/>
+            <a:contourClr>
+              <a:srgbClr val="FFFFFF"/>
+            </a:contourClr>
+          </a:sp3d>
         </p:spPr>
         <p:txBody>
           <a:bodyPr anchor="t">
             <a:normAutofit/>
           </a:bodyPr>
           <a:lstStyle>
-            <a:lvl1pPr marL="0" indent="0" algn="l">
-              <a:buNone/>
-              <a:defRPr sz="1800">
+            <a:lvl1pPr marL="0" indent="0" algn="ctr">
+              <a:buNone/>
+              <a:defRPr sz="1600"/>
+            </a:lvl1pPr>
+            <a:lvl2pPr marL="457200" indent="0">
+              <a:buNone/>
+              <a:defRPr sz="1600"/>
+            </a:lvl2pPr>
+            <a:lvl3pPr marL="914400" indent="0">
+              <a:buNone/>
+              <a:defRPr sz="1600"/>
+            </a:lvl3pPr>
+            <a:lvl4pPr marL="1371600" indent="0">
+              <a:buNone/>
+              <a:defRPr sz="1600"/>
+            </a:lvl4pPr>
+            <a:lvl5pPr marL="1828800" indent="0">
+              <a:buNone/>
+              <a:defRPr sz="1600"/>
+            </a:lvl5pPr>
+            <a:lvl6pPr marL="2286000" indent="0">
+              <a:buNone/>
+              <a:defRPr sz="1600"/>
+            </a:lvl6pPr>
+            <a:lvl7pPr marL="2743200" indent="0">
+              <a:buNone/>
+              <a:defRPr sz="1600"/>
+            </a:lvl7pPr>
+            <a:lvl8pPr marL="3200400" indent="0">
+              <a:buNone/>
+              <a:defRPr sz="1600"/>
+            </a:lvl8pPr>
+            <a:lvl9pPr marL="3657600" indent="0">
+              <a:buNone/>
+              <a:defRPr sz="1600"/>
+            </a:lvl9pPr>
+          </a:lstStyle>
+          <a:p>
+            <a:r>
+              <a:rPr lang="en-US"/>
+              <a:t>Click icon to add picture</a:t>
+            </a:r>
+            <a:endParaRPr lang="en-US" dirty="0"/>
+          </a:p>
+        </p:txBody>
+      </p:sp>
+      <p:sp>
+        <p:nvSpPr>
+          <p:cNvPr id="21" name="Text Placeholder 3"/>
+          <p:cNvSpPr>
+            <a:spLocks noGrp="1"/>
+          </p:cNvSpPr>
+          <p:nvPr>
+            <p:ph type="body" sz="half" idx="18"/>
+          </p:nvPr>
+        </p:nvSpPr>
+        <p:spPr>
+          <a:xfrm>
+            <a:off x="913795" y="4772161"/>
+            <a:ext cx="3298955" cy="1019038"/>
+          </a:xfrm>
+        </p:spPr>
+        <p:txBody>
+          <a:bodyPr anchor="t">
+            <a:normAutofit/>
+          </a:bodyPr>
+          <a:lstStyle>
+            <a:lvl1pPr marL="0" indent="0" algn="ctr">
+              <a:buNone/>
+              <a:defRPr sz="1400"/>
+            </a:lvl1pPr>
+            <a:lvl2pPr marL="457200" indent="0">
+              <a:buNone/>
+              <a:defRPr sz="1200"/>
+            </a:lvl2pPr>
+            <a:lvl3pPr marL="914400" indent="0">
+              <a:buNone/>
+              <a:defRPr sz="1000"/>
+            </a:lvl3pPr>
+            <a:lvl4pPr marL="1371600" indent="0">
+              <a:buNone/>
+              <a:defRPr sz="900"/>
+            </a:lvl4pPr>
+            <a:lvl5pPr marL="1828800" indent="0">
+              <a:buNone/>
+              <a:defRPr sz="900"/>
+            </a:lvl5pPr>
+            <a:lvl6pPr marL="2286000" indent="0">
+              <a:buNone/>
+              <a:defRPr sz="900"/>
+            </a:lvl6pPr>
+            <a:lvl7pPr marL="2743200" indent="0">
+              <a:buNone/>
+              <a:defRPr sz="900"/>
+            </a:lvl7pPr>
+            <a:lvl8pPr marL="3200400" indent="0">
+              <a:buNone/>
+              <a:defRPr sz="900"/>
+            </a:lvl8pPr>
+            <a:lvl9pPr marL="3657600" indent="0">
+              <a:buNone/>
+              <a:defRPr sz="900"/>
+            </a:lvl9pPr>
+          </a:lstStyle>
+          <a:p>
+            <a:pPr lvl="0"/>
+            <a:r>
+              <a:rPr lang="en-US"/>
+              <a:t>Edit Master text styles</a:t>
+            </a:r>
+          </a:p>
+        </p:txBody>
+      </p:sp>
+      <p:sp>
+        <p:nvSpPr>
+          <p:cNvPr id="22" name="Text Placeholder 4"/>
+          <p:cNvSpPr>
+            <a:spLocks noGrp="1"/>
+          </p:cNvSpPr>
+          <p:nvPr>
+            <p:ph type="body" sz="quarter" idx="3"/>
+          </p:nvPr>
+        </p:nvSpPr>
+        <p:spPr>
+          <a:xfrm>
+            <a:off x="4442701" y="4195899"/>
+            <a:ext cx="3298983" cy="576262"/>
+          </a:xfrm>
+        </p:spPr>
+        <p:txBody>
+          <a:bodyPr anchor="b">
+            <a:noAutofit/>
+          </a:bodyPr>
+          <a:lstStyle>
+            <a:lvl1pPr marL="0" indent="0" algn="ctr">
+              <a:lnSpc>
+                <a:spcPct val="100000"/>
+              </a:lnSpc>
+              <a:buNone/>
+              <a:defRPr sz="2000" b="0">
                 <a:solidFill>
                   <a:schemeClr val="tx1"/>
                 </a:solidFill>
@@ -5153,83 +5183,274 @@
             </a:lvl1pPr>
             <a:lvl2pPr marL="457200" indent="0">
               <a:buNone/>
-              <a:defRPr sz="1800">
+              <a:defRPr sz="2000" b="1"/>
+            </a:lvl2pPr>
+            <a:lvl3pPr marL="914400" indent="0">
+              <a:buNone/>
+              <a:defRPr sz="1800" b="1"/>
+            </a:lvl3pPr>
+            <a:lvl4pPr marL="1371600" indent="0">
+              <a:buNone/>
+              <a:defRPr sz="1600" b="1"/>
+            </a:lvl4pPr>
+            <a:lvl5pPr marL="1828800" indent="0">
+              <a:buNone/>
+              <a:defRPr sz="1600" b="1"/>
+            </a:lvl5pPr>
+            <a:lvl6pPr marL="2286000" indent="0">
+              <a:buNone/>
+              <a:defRPr sz="1600" b="1"/>
+            </a:lvl6pPr>
+            <a:lvl7pPr marL="2743200" indent="0">
+              <a:buNone/>
+              <a:defRPr sz="1600" b="1"/>
+            </a:lvl7pPr>
+            <a:lvl8pPr marL="3200400" indent="0">
+              <a:buNone/>
+              <a:defRPr sz="1600" b="1"/>
+            </a:lvl8pPr>
+            <a:lvl9pPr marL="3657600" indent="0">
+              <a:buNone/>
+              <a:defRPr sz="1600" b="1"/>
+            </a:lvl9pPr>
+          </a:lstStyle>
+          <a:p>
+            <a:pPr lvl="0"/>
+            <a:r>
+              <a:rPr lang="en-US"/>
+              <a:t>Edit Master text styles</a:t>
+            </a:r>
+          </a:p>
+        </p:txBody>
+      </p:sp>
+      <p:sp>
+        <p:nvSpPr>
+          <p:cNvPr id="23" name="Picture Placeholder 2"/>
+          <p:cNvSpPr>
+            <a:spLocks noGrp="1" noChangeAspect="1"/>
+          </p:cNvSpPr>
+          <p:nvPr>
+            <p:ph type="pic" idx="21"/>
+          </p:nvPr>
+        </p:nvSpPr>
+        <p:spPr>
+          <a:xfrm>
+            <a:off x="4568996" y="2298987"/>
+            <a:ext cx="2930525" cy="1524000"/>
+          </a:xfrm>
+          <a:prstGeom prst="roundRect">
+            <a:avLst>
+              <a:gd name="adj" fmla="val 0"/>
+            </a:avLst>
+          </a:prstGeom>
+          <a:noFill/>
+          <a:ln w="146050" cap="sq">
+            <a:solidFill>
+              <a:srgbClr val="FFFFFF"/>
+            </a:solidFill>
+            <a:miter lim="800000"/>
+          </a:ln>
+          <a:effectLst>
+            <a:outerShdw blurRad="55000" dist="18000" dir="5400000" algn="tl" rotWithShape="0">
+              <a:srgbClr val="000000">
+                <a:alpha val="40000"/>
+              </a:srgbClr>
+            </a:outerShdw>
+          </a:effectLst>
+          <a:scene3d>
+            <a:camera prst="orthographicFront"/>
+            <a:lightRig rig="twoPt" dir="t">
+              <a:rot lat="0" lon="0" rev="7200000"/>
+            </a:lightRig>
+          </a:scene3d>
+          <a:sp3d>
+            <a:bevelT w="25400" h="19050"/>
+            <a:contourClr>
+              <a:srgbClr val="FFFFFF"/>
+            </a:contourClr>
+          </a:sp3d>
+        </p:spPr>
+        <p:txBody>
+          <a:bodyPr anchor="t">
+            <a:normAutofit/>
+          </a:bodyPr>
+          <a:lstStyle>
+            <a:lvl1pPr marL="0" indent="0" algn="ctr">
+              <a:buNone/>
+              <a:defRPr sz="1600"/>
+            </a:lvl1pPr>
+            <a:lvl2pPr marL="457200" indent="0">
+              <a:buNone/>
+              <a:defRPr sz="1600"/>
+            </a:lvl2pPr>
+            <a:lvl3pPr marL="914400" indent="0">
+              <a:buNone/>
+              <a:defRPr sz="1600"/>
+            </a:lvl3pPr>
+            <a:lvl4pPr marL="1371600" indent="0">
+              <a:buNone/>
+              <a:defRPr sz="1600"/>
+            </a:lvl4pPr>
+            <a:lvl5pPr marL="1828800" indent="0">
+              <a:buNone/>
+              <a:defRPr sz="1600"/>
+            </a:lvl5pPr>
+            <a:lvl6pPr marL="2286000" indent="0">
+              <a:buNone/>
+              <a:defRPr sz="1600"/>
+            </a:lvl6pPr>
+            <a:lvl7pPr marL="2743200" indent="0">
+              <a:buNone/>
+              <a:defRPr sz="1600"/>
+            </a:lvl7pPr>
+            <a:lvl8pPr marL="3200400" indent="0">
+              <a:buNone/>
+              <a:defRPr sz="1600"/>
+            </a:lvl8pPr>
+            <a:lvl9pPr marL="3657600" indent="0">
+              <a:buNone/>
+              <a:defRPr sz="1600"/>
+            </a:lvl9pPr>
+          </a:lstStyle>
+          <a:p>
+            <a:r>
+              <a:rPr lang="en-US"/>
+              <a:t>Click icon to add picture</a:t>
+            </a:r>
+            <a:endParaRPr lang="en-US" dirty="0"/>
+          </a:p>
+        </p:txBody>
+      </p:sp>
+      <p:sp>
+        <p:nvSpPr>
+          <p:cNvPr id="24" name="Text Placeholder 3"/>
+          <p:cNvSpPr>
+            <a:spLocks noGrp="1"/>
+          </p:cNvSpPr>
+          <p:nvPr>
+            <p:ph type="body" sz="half" idx="19"/>
+          </p:nvPr>
+        </p:nvSpPr>
+        <p:spPr>
+          <a:xfrm>
+            <a:off x="4441348" y="4772160"/>
+            <a:ext cx="3300336" cy="1019038"/>
+          </a:xfrm>
+        </p:spPr>
+        <p:txBody>
+          <a:bodyPr anchor="t">
+            <a:normAutofit/>
+          </a:bodyPr>
+          <a:lstStyle>
+            <a:lvl1pPr marL="0" indent="0" algn="ctr">
+              <a:buNone/>
+              <a:defRPr sz="1400"/>
+            </a:lvl1pPr>
+            <a:lvl2pPr marL="457200" indent="0">
+              <a:buNone/>
+              <a:defRPr sz="1200"/>
+            </a:lvl2pPr>
+            <a:lvl3pPr marL="914400" indent="0">
+              <a:buNone/>
+              <a:defRPr sz="1000"/>
+            </a:lvl3pPr>
+            <a:lvl4pPr marL="1371600" indent="0">
+              <a:buNone/>
+              <a:defRPr sz="900"/>
+            </a:lvl4pPr>
+            <a:lvl5pPr marL="1828800" indent="0">
+              <a:buNone/>
+              <a:defRPr sz="900"/>
+            </a:lvl5pPr>
+            <a:lvl6pPr marL="2286000" indent="0">
+              <a:buNone/>
+              <a:defRPr sz="900"/>
+            </a:lvl6pPr>
+            <a:lvl7pPr marL="2743200" indent="0">
+              <a:buNone/>
+              <a:defRPr sz="900"/>
+            </a:lvl7pPr>
+            <a:lvl8pPr marL="3200400" indent="0">
+              <a:buNone/>
+              <a:defRPr sz="900"/>
+            </a:lvl8pPr>
+            <a:lvl9pPr marL="3657600" indent="0">
+              <a:buNone/>
+              <a:defRPr sz="900"/>
+            </a:lvl9pPr>
+          </a:lstStyle>
+          <a:p>
+            <a:pPr lvl="0"/>
+            <a:r>
+              <a:rPr lang="en-US"/>
+              <a:t>Edit Master text styles</a:t>
+            </a:r>
+          </a:p>
+        </p:txBody>
+      </p:sp>
+      <p:sp>
+        <p:nvSpPr>
+          <p:cNvPr id="25" name="Text Placeholder 4"/>
+          <p:cNvSpPr>
+            <a:spLocks noGrp="1"/>
+          </p:cNvSpPr>
+          <p:nvPr>
+            <p:ph type="body" sz="quarter" idx="13"/>
+          </p:nvPr>
+        </p:nvSpPr>
+        <p:spPr>
+          <a:xfrm>
+            <a:off x="7973423" y="4195899"/>
+            <a:ext cx="3289900" cy="576262"/>
+          </a:xfrm>
+        </p:spPr>
+        <p:txBody>
+          <a:bodyPr anchor="b">
+            <a:noAutofit/>
+          </a:bodyPr>
+          <a:lstStyle>
+            <a:lvl1pPr marL="0" indent="0" algn="ctr">
+              <a:lnSpc>
+                <a:spcPct val="100000"/>
+              </a:lnSpc>
+              <a:buNone/>
+              <a:defRPr sz="2000" b="0">
                 <a:solidFill>
-                  <a:schemeClr val="tx1">
-                    <a:tint val="75000"/>
-                  </a:schemeClr>
+                  <a:schemeClr val="tx1"/>
                 </a:solidFill>
               </a:defRPr>
+            </a:lvl1pPr>
+            <a:lvl2pPr marL="457200" indent="0">
+              <a:buNone/>
+              <a:defRPr sz="2000" b="1"/>
             </a:lvl2pPr>
             <a:lvl3pPr marL="914400" indent="0">
               <a:buNone/>
-              <a:defRPr sz="1600">
-                <a:solidFill>
-                  <a:schemeClr val="tx1">
-                    <a:tint val="75000"/>
-                  </a:schemeClr>
-                </a:solidFill>
-              </a:defRPr>
+              <a:defRPr sz="1800" b="1"/>
             </a:lvl3pPr>
             <a:lvl4pPr marL="1371600" indent="0">
               <a:buNone/>
-              <a:defRPr sz="1400">
-                <a:solidFill>
-                  <a:schemeClr val="tx1">
-                    <a:tint val="75000"/>
-                  </a:schemeClr>
-                </a:solidFill>
-              </a:defRPr>
+              <a:defRPr sz="1600" b="1"/>
             </a:lvl4pPr>
             <a:lvl5pPr marL="1828800" indent="0">
               <a:buNone/>
-              <a:defRPr sz="1400">
-                <a:solidFill>
-                  <a:schemeClr val="tx1">
-                    <a:tint val="75000"/>
-                  </a:schemeClr>
-                </a:solidFill>
-              </a:defRPr>
+              <a:defRPr sz="1600" b="1"/>
             </a:lvl5pPr>
             <a:lvl6pPr marL="2286000" indent="0">
               <a:buNone/>
-              <a:defRPr sz="1400">
-                <a:solidFill>
-                  <a:schemeClr val="tx1">
-                    <a:tint val="75000"/>
-                  </a:schemeClr>
-                </a:solidFill>
-              </a:defRPr>
+              <a:defRPr sz="1600" b="1"/>
             </a:lvl6pPr>
             <a:lvl7pPr marL="2743200" indent="0">
               <a:buNone/>
-              <a:defRPr sz="1400">
-                <a:solidFill>
-                  <a:schemeClr val="tx1">
-                    <a:tint val="75000"/>
-                  </a:schemeClr>
-                </a:solidFill>
-              </a:defRPr>
+              <a:defRPr sz="1600" b="1"/>
             </a:lvl7pPr>
             <a:lvl8pPr marL="3200400" indent="0">
               <a:buNone/>
-              <a:defRPr sz="1400">
-                <a:solidFill>
-                  <a:schemeClr val="tx1">
-                    <a:tint val="75000"/>
-                  </a:schemeClr>
-                </a:solidFill>
-              </a:defRPr>
+              <a:defRPr sz="1600" b="1"/>
             </a:lvl8pPr>
             <a:lvl9pPr marL="3657600" indent="0">
               <a:buNone/>
-              <a:defRPr sz="1400">
-                <a:solidFill>
-                  <a:schemeClr val="tx1">
-                    <a:tint val="75000"/>
-                  </a:schemeClr>
-                </a:solidFill>
-              </a:defRPr>
+              <a:defRPr sz="1600" b="1"/>
             </a:lvl9pPr>
           </a:lstStyle>
           <a:p>
@@ -5243,7 +5464,172 @@
       </p:sp>
       <p:sp>
         <p:nvSpPr>
-          <p:cNvPr id="4" name="Date Placeholder 3"/>
+          <p:cNvPr id="26" name="Picture Placeholder 2"/>
+          <p:cNvSpPr>
+            <a:spLocks noGrp="1" noChangeAspect="1"/>
+          </p:cNvSpPr>
+          <p:nvPr>
+            <p:ph type="pic" idx="22"/>
+          </p:nvPr>
+        </p:nvSpPr>
+        <p:spPr>
+          <a:xfrm>
+            <a:off x="8152803" y="2298987"/>
+            <a:ext cx="2932113" cy="1524000"/>
+          </a:xfrm>
+          <a:prstGeom prst="roundRect">
+            <a:avLst>
+              <a:gd name="adj" fmla="val 0"/>
+            </a:avLst>
+          </a:prstGeom>
+          <a:noFill/>
+          <a:ln w="146050" cap="sq">
+            <a:solidFill>
+              <a:srgbClr val="FFFFFF"/>
+            </a:solidFill>
+            <a:miter lim="800000"/>
+          </a:ln>
+          <a:effectLst>
+            <a:outerShdw blurRad="55000" dist="18000" dir="5400000" algn="tl" rotWithShape="0">
+              <a:srgbClr val="000000">
+                <a:alpha val="40000"/>
+              </a:srgbClr>
+            </a:outerShdw>
+          </a:effectLst>
+          <a:scene3d>
+            <a:camera prst="orthographicFront"/>
+            <a:lightRig rig="twoPt" dir="t">
+              <a:rot lat="0" lon="0" rev="7200000"/>
+            </a:lightRig>
+          </a:scene3d>
+          <a:sp3d>
+            <a:bevelT w="25400" h="19050"/>
+            <a:contourClr>
+              <a:srgbClr val="FFFFFF"/>
+            </a:contourClr>
+          </a:sp3d>
+        </p:spPr>
+        <p:txBody>
+          <a:bodyPr anchor="t">
+            <a:normAutofit/>
+          </a:bodyPr>
+          <a:lstStyle>
+            <a:lvl1pPr marL="0" indent="0" algn="ctr">
+              <a:buNone/>
+              <a:defRPr sz="1600"/>
+            </a:lvl1pPr>
+            <a:lvl2pPr marL="457200" indent="0">
+              <a:buNone/>
+              <a:defRPr sz="1600"/>
+            </a:lvl2pPr>
+            <a:lvl3pPr marL="914400" indent="0">
+              <a:buNone/>
+              <a:defRPr sz="1600"/>
+            </a:lvl3pPr>
+            <a:lvl4pPr marL="1371600" indent="0">
+              <a:buNone/>
+              <a:defRPr sz="1600"/>
+            </a:lvl4pPr>
+            <a:lvl5pPr marL="1828800" indent="0">
+              <a:buNone/>
+              <a:defRPr sz="1600"/>
+            </a:lvl5pPr>
+            <a:lvl6pPr marL="2286000" indent="0">
+              <a:buNone/>
+              <a:defRPr sz="1600"/>
+            </a:lvl6pPr>
+            <a:lvl7pPr marL="2743200" indent="0">
+              <a:buNone/>
+              <a:defRPr sz="1600"/>
+            </a:lvl7pPr>
+            <a:lvl8pPr marL="3200400" indent="0">
+              <a:buNone/>
+              <a:defRPr sz="1600"/>
+            </a:lvl8pPr>
+            <a:lvl9pPr marL="3657600" indent="0">
+              <a:buNone/>
+              <a:defRPr sz="1600"/>
+            </a:lvl9pPr>
+          </a:lstStyle>
+          <a:p>
+            <a:r>
+              <a:rPr lang="en-US"/>
+              <a:t>Click icon to add picture</a:t>
+            </a:r>
+            <a:endParaRPr lang="en-US" dirty="0"/>
+          </a:p>
+        </p:txBody>
+      </p:sp>
+      <p:sp>
+        <p:nvSpPr>
+          <p:cNvPr id="27" name="Text Placeholder 3"/>
+          <p:cNvSpPr>
+            <a:spLocks noGrp="1"/>
+          </p:cNvSpPr>
+          <p:nvPr>
+            <p:ph type="body" sz="half" idx="20"/>
+          </p:nvPr>
+        </p:nvSpPr>
+        <p:spPr>
+          <a:xfrm>
+            <a:off x="7973298" y="4772161"/>
+            <a:ext cx="3294258" cy="1019037"/>
+          </a:xfrm>
+        </p:spPr>
+        <p:txBody>
+          <a:bodyPr anchor="t">
+            <a:normAutofit/>
+          </a:bodyPr>
+          <a:lstStyle>
+            <a:lvl1pPr marL="0" indent="0" algn="ctr">
+              <a:buNone/>
+              <a:defRPr sz="1400"/>
+            </a:lvl1pPr>
+            <a:lvl2pPr marL="457200" indent="0">
+              <a:buNone/>
+              <a:defRPr sz="1200"/>
+            </a:lvl2pPr>
+            <a:lvl3pPr marL="914400" indent="0">
+              <a:buNone/>
+              <a:defRPr sz="1000"/>
+            </a:lvl3pPr>
+            <a:lvl4pPr marL="1371600" indent="0">
+              <a:buNone/>
+              <a:defRPr sz="900"/>
+            </a:lvl4pPr>
+            <a:lvl5pPr marL="1828800" indent="0">
+              <a:buNone/>
+              <a:defRPr sz="900"/>
+            </a:lvl5pPr>
+            <a:lvl6pPr marL="2286000" indent="0">
+              <a:buNone/>
+              <a:defRPr sz="900"/>
+            </a:lvl6pPr>
+            <a:lvl7pPr marL="2743200" indent="0">
+              <a:buNone/>
+              <a:defRPr sz="900"/>
+            </a:lvl7pPr>
+            <a:lvl8pPr marL="3200400" indent="0">
+              <a:buNone/>
+              <a:defRPr sz="900"/>
+            </a:lvl8pPr>
+            <a:lvl9pPr marL="3657600" indent="0">
+              <a:buNone/>
+              <a:defRPr sz="900"/>
+            </a:lvl9pPr>
+          </a:lstStyle>
+          <a:p>
+            <a:pPr lvl="0"/>
+            <a:r>
+              <a:rPr lang="en-US"/>
+              <a:t>Edit Master text styles</a:t>
+            </a:r>
+          </a:p>
+        </p:txBody>
+      </p:sp>
+      <p:sp>
+        <p:nvSpPr>
+          <p:cNvPr id="3" name="Date Placeholder 2"/>
           <p:cNvSpPr>
             <a:spLocks noGrp="1"/>
           </p:cNvSpPr>
@@ -5257,9 +5643,9 @@
           <a:lstStyle/>
           <a:p>
             <a:fld id="{B61BEF0D-F0BB-DE4B-95CE-6DB70DBA9567}" type="datetimeFigureOut">
-              <a:rPr lang="en-US" dirty="0"/>
+              <a:rPr lang="en-US" smtClean="0"/>
               <a:pPr/>
-              <a:t>11/18/2018</a:t>
+              <a:t>11/19/2018</a:t>
             </a:fld>
             <a:endParaRPr lang="en-US" dirty="0"/>
           </a:p>
@@ -5267,7 +5653,7 @@
       </p:sp>
       <p:sp>
         <p:nvSpPr>
-          <p:cNvPr id="5" name="Footer Placeholder 4"/>
+          <p:cNvPr id="4" name="Footer Placeholder 3"/>
           <p:cNvSpPr>
             <a:spLocks noGrp="1"/>
           </p:cNvSpPr>
@@ -5286,7 +5672,7 @@
       </p:sp>
       <p:sp>
         <p:nvSpPr>
-          <p:cNvPr id="6" name="Slide Number Placeholder 5"/>
+          <p:cNvPr id="5" name="Slide Number Placeholder 4"/>
           <p:cNvSpPr>
             <a:spLocks noGrp="1"/>
           </p:cNvSpPr>
@@ -5300,7 +5686,7 @@
           <a:lstStyle/>
           <a:p>
             <a:fld id="{D57F1E4F-1CFF-5643-939E-217C01CDF565}" type="slidenum">
-              <a:rPr lang="en-US" dirty="0"/>
+              <a:rPr lang="en-US" smtClean="0"/>
               <a:pPr/>
               <a:t>‹#›</a:t>
             </a:fld>
@@ -5308,38 +5694,12 @@
           </a:p>
         </p:txBody>
       </p:sp>
-      <p:cxnSp>
-        <p:nvCxnSpPr>
-          <p:cNvPr id="15" name="Straight Connector 14"/>
-          <p:cNvCxnSpPr/>
-          <p:nvPr/>
-        </p:nvCxnSpPr>
-        <p:spPr>
-          <a:xfrm>
-            <a:off x="1396169" y="3429000"/>
-            <a:ext cx="9407298" cy="0"/>
-          </a:xfrm>
-          <a:prstGeom prst="line">
-            <a:avLst/>
-          </a:prstGeom>
-          <a:ln w="15875"/>
-        </p:spPr>
-        <p:style>
-          <a:lnRef idx="2">
-            <a:schemeClr val="accent1"/>
-          </a:lnRef>
-          <a:fillRef idx="0">
-            <a:schemeClr val="accent1"/>
-          </a:fillRef>
-          <a:effectRef idx="1">
-            <a:schemeClr val="accent1"/>
-          </a:effectRef>
-          <a:fontRef idx="minor">
-            <a:schemeClr val="tx1"/>
-          </a:fontRef>
-        </p:style>
-      </p:cxnSp>
     </p:spTree>
+    <p:extLst>
+      <p:ext uri="{BB962C8B-B14F-4D97-AF65-F5344CB8AC3E}">
+        <p14:creationId xmlns:p14="http://schemas.microsoft.com/office/powerpoint/2010/main" val="3373040673"/>
+      </p:ext>
+    </p:extLst>
   </p:cSld>
   <p:clrMapOvr>
     <a:masterClrMapping/>
@@ -5377,11 +5737,7 @@
         <p:spPr/>
         <p:txBody>
           <a:bodyPr/>
-          <a:lstStyle>
-            <a:lvl1pPr algn="ctr">
-              <a:defRPr/>
-            </a:lvl1pPr>
-          </a:lstStyle>
+          <a:lstStyle/>
           <a:p>
             <a:r>
               <a:rPr lang="en-US"/>
@@ -5403,7 +5759,7 @@
         </p:nvSpPr>
         <p:spPr/>
         <p:txBody>
-          <a:bodyPr vert="eaVert" anchor="t"/>
+          <a:bodyPr vert="eaVert"/>
           <a:lstStyle/>
           <a:p>
             <a:pPr lvl="0"/>
@@ -5459,9 +5815,9 @@
           <a:lstStyle/>
           <a:p>
             <a:fld id="{B61BEF0D-F0BB-DE4B-95CE-6DB70DBA9567}" type="datetimeFigureOut">
-              <a:rPr lang="en-US" dirty="0"/>
+              <a:rPr lang="en-US" smtClean="0"/>
               <a:pPr/>
-              <a:t>11/18/2018</a:t>
+              <a:t>11/19/2018</a:t>
             </a:fld>
             <a:endParaRPr lang="en-US" dirty="0"/>
           </a:p>
@@ -5502,7 +5858,7 @@
           <a:lstStyle/>
           <a:p>
             <a:fld id="{D57F1E4F-1CFF-5643-939E-217C01CDF565}" type="slidenum">
-              <a:rPr lang="en-US" dirty="0"/>
+              <a:rPr lang="en-US" smtClean="0"/>
               <a:pPr/>
               <a:t>‹#›</a:t>
             </a:fld>
@@ -5510,38 +5866,12 @@
           </a:p>
         </p:txBody>
       </p:sp>
-      <p:cxnSp>
-        <p:nvCxnSpPr>
-          <p:cNvPr id="14" name="Straight Connector 13"/>
-          <p:cNvCxnSpPr/>
-          <p:nvPr/>
-        </p:nvCxnSpPr>
-        <p:spPr>
-          <a:xfrm>
-            <a:off x="1396169" y="2421466"/>
-            <a:ext cx="9407298" cy="0"/>
-          </a:xfrm>
-          <a:prstGeom prst="line">
-            <a:avLst/>
-          </a:prstGeom>
-          <a:ln w="15875"/>
-        </p:spPr>
-        <p:style>
-          <a:lnRef idx="2">
-            <a:schemeClr val="accent1"/>
-          </a:lnRef>
-          <a:fillRef idx="0">
-            <a:schemeClr val="accent1"/>
-          </a:fillRef>
-          <a:effectRef idx="1">
-            <a:schemeClr val="accent1"/>
-          </a:effectRef>
-          <a:fontRef idx="minor">
-            <a:schemeClr val="tx1"/>
-          </a:fontRef>
-        </p:style>
-      </p:cxnSp>
     </p:spTree>
+    <p:extLst>
+      <p:ext uri="{BB962C8B-B14F-4D97-AF65-F5344CB8AC3E}">
+        <p14:creationId xmlns:p14="http://schemas.microsoft.com/office/powerpoint/2010/main" val="85269678"/>
+      </p:ext>
+    </p:extLst>
   </p:cSld>
   <p:clrMapOvr>
     <a:masterClrMapping/>
@@ -5578,13 +5908,17 @@
         </p:nvSpPr>
         <p:spPr>
           <a:xfrm>
-            <a:off x="8999356" y="982131"/>
-            <a:ext cx="1890895" cy="4893735"/>
+            <a:off x="8724900" y="609599"/>
+            <a:ext cx="2542657" cy="5181601"/>
           </a:xfrm>
         </p:spPr>
         <p:txBody>
           <a:bodyPr vert="eaVert"/>
-          <a:lstStyle/>
+          <a:lstStyle>
+            <a:lvl1pPr algn="l">
+              <a:defRPr/>
+            </a:lvl1pPr>
+          </a:lstStyle>
           <a:p>
             <a:r>
               <a:rPr lang="en-US"/>
@@ -5606,12 +5940,12 @@
         </p:nvSpPr>
         <p:spPr>
           <a:xfrm>
-            <a:off x="1295398" y="982132"/>
-            <a:ext cx="7433025" cy="4893734"/>
+            <a:off x="913794" y="609599"/>
+            <a:ext cx="7658705" cy="5181601"/>
           </a:xfrm>
         </p:spPr>
         <p:txBody>
-          <a:bodyPr vert="eaVert" anchor="t"/>
+          <a:bodyPr vert="eaVert"/>
           <a:lstStyle/>
           <a:p>
             <a:pPr lvl="0"/>
@@ -5667,9 +6001,9 @@
           <a:lstStyle/>
           <a:p>
             <a:fld id="{B61BEF0D-F0BB-DE4B-95CE-6DB70DBA9567}" type="datetimeFigureOut">
-              <a:rPr lang="en-US" dirty="0"/>
+              <a:rPr lang="en-US" smtClean="0"/>
               <a:pPr/>
-              <a:t>11/18/2018</a:t>
+              <a:t>11/19/2018</a:t>
             </a:fld>
             <a:endParaRPr lang="en-US" dirty="0"/>
           </a:p>
@@ -5710,7 +6044,7 @@
           <a:lstStyle/>
           <a:p>
             <a:fld id="{D57F1E4F-1CFF-5643-939E-217C01CDF565}" type="slidenum">
-              <a:rPr lang="en-US" dirty="0"/>
+              <a:rPr lang="en-US" smtClean="0"/>
               <a:pPr/>
               <a:t>‹#›</a:t>
             </a:fld>
@@ -5718,38 +6052,12 @@
           </a:p>
         </p:txBody>
       </p:sp>
-      <p:cxnSp>
-        <p:nvCxnSpPr>
-          <p:cNvPr id="14" name="Straight Connector 13"/>
-          <p:cNvCxnSpPr/>
-          <p:nvPr/>
-        </p:nvCxnSpPr>
-        <p:spPr>
-          <a:xfrm>
-            <a:off x="8863890" y="990600"/>
-            <a:ext cx="0" cy="4876800"/>
-          </a:xfrm>
-          <a:prstGeom prst="line">
-            <a:avLst/>
-          </a:prstGeom>
-          <a:ln w="15875"/>
-        </p:spPr>
-        <p:style>
-          <a:lnRef idx="2">
-            <a:schemeClr val="accent1"/>
-          </a:lnRef>
-          <a:fillRef idx="0">
-            <a:schemeClr val="accent1"/>
-          </a:fillRef>
-          <a:effectRef idx="1">
-            <a:schemeClr val="accent1"/>
-          </a:effectRef>
-          <a:fontRef idx="minor">
-            <a:schemeClr val="tx1"/>
-          </a:fontRef>
-        </p:style>
-      </p:cxnSp>
     </p:spTree>
+    <p:extLst>
+      <p:ext uri="{BB962C8B-B14F-4D97-AF65-F5344CB8AC3E}">
+        <p14:creationId xmlns:p14="http://schemas.microsoft.com/office/powerpoint/2010/main" val="413915037"/>
+      </p:ext>
+    </p:extLst>
   </p:cSld>
   <p:clrMapOvr>
     <a:masterClrMapping/>
@@ -5774,36 +6082,6 @@
           <a:chExt cx="0" cy="0"/>
         </a:xfrm>
       </p:grpSpPr>
-      <p:cxnSp>
-        <p:nvCxnSpPr>
-          <p:cNvPr id="7" name="Straight Connector 6"/>
-          <p:cNvCxnSpPr/>
-          <p:nvPr/>
-        </p:nvCxnSpPr>
-        <p:spPr>
-          <a:xfrm>
-            <a:off x="1396169" y="2421466"/>
-            <a:ext cx="9407298" cy="0"/>
-          </a:xfrm>
-          <a:prstGeom prst="line">
-            <a:avLst/>
-          </a:prstGeom>
-        </p:spPr>
-        <p:style>
-          <a:lnRef idx="2">
-            <a:schemeClr val="accent1"/>
-          </a:lnRef>
-          <a:fillRef idx="0">
-            <a:schemeClr val="accent1"/>
-          </a:fillRef>
-          <a:effectRef idx="1">
-            <a:schemeClr val="accent1"/>
-          </a:effectRef>
-          <a:fontRef idx="minor">
-            <a:schemeClr val="tx1"/>
-          </a:fontRef>
-        </p:style>
-      </p:cxnSp>
       <p:sp>
         <p:nvSpPr>
           <p:cNvPr id="2" name="Title 1"/>
@@ -5895,8 +6173,8 @@
           <a:lstStyle/>
           <a:p>
             <a:fld id="{05BFA754-D5C3-4E66-96A6-867B257F58DC}" type="datetimeFigureOut">
-              <a:rPr lang="en-US" dirty="0"/>
-              <a:t>11/18/2018</a:t>
+              <a:rPr lang="en-US" smtClean="0"/>
+              <a:t>11/19/2018</a:t>
             </a:fld>
             <a:endParaRPr lang="en-US" dirty="0"/>
           </a:p>
@@ -5937,7 +6215,7 @@
           <a:lstStyle/>
           <a:p>
             <a:fld id="{5D84065D-F351-4B03-BD91-D8A6B8D4B362}" type="slidenum">
-              <a:rPr lang="en-US" dirty="0"/>
+              <a:rPr lang="en-US" smtClean="0"/>
               <a:t>‹#›</a:t>
             </a:fld>
             <a:endParaRPr lang="en-US" dirty="0"/>
@@ -5945,6 +6223,11 @@
         </p:txBody>
       </p:sp>
     </p:spTree>
+    <p:extLst>
+      <p:ext uri="{BB962C8B-B14F-4D97-AF65-F5344CB8AC3E}">
+        <p14:creationId xmlns:p14="http://schemas.microsoft.com/office/powerpoint/2010/main" val="495295449"/>
+      </p:ext>
+    </p:extLst>
   </p:cSld>
   <p:clrMapOvr>
     <a:masterClrMapping/>
@@ -5981,8 +6264,8 @@
         </p:nvSpPr>
         <p:spPr>
           <a:xfrm>
-            <a:off x="2015069" y="1752606"/>
-            <a:ext cx="8158688" cy="1822514"/>
+            <a:off x="1229244" y="657226"/>
+            <a:ext cx="9733512" cy="2852737"/>
           </a:xfrm>
         </p:spPr>
         <p:txBody>
@@ -5990,8 +6273,8 @@
             <a:normAutofit/>
           </a:bodyPr>
           <a:lstStyle>
-            <a:lvl1pPr algn="ctr">
-              <a:defRPr sz="4400" b="0" cap="none"/>
+            <a:lvl1pPr>
+              <a:defRPr sz="3400"/>
             </a:lvl1pPr>
           </a:lstStyle>
           <a:p>
@@ -6015,26 +6298,26 @@
         </p:nvSpPr>
         <p:spPr>
           <a:xfrm>
-            <a:off x="2015067" y="3846051"/>
-            <a:ext cx="8158690" cy="954547"/>
+            <a:off x="1229244" y="3602038"/>
+            <a:ext cx="9733512" cy="1500187"/>
           </a:xfrm>
         </p:spPr>
         <p:txBody>
-          <a:bodyPr anchor="t">
-            <a:normAutofit/>
-          </a:bodyPr>
+          <a:bodyPr/>
           <a:lstStyle>
             <a:lvl1pPr marL="0" indent="0" algn="ctr">
               <a:buNone/>
               <a:defRPr sz="2400">
                 <a:solidFill>
-                  <a:schemeClr val="tx1"/>
+                  <a:schemeClr val="tx1">
+                    <a:tint val="75000"/>
+                  </a:schemeClr>
                 </a:solidFill>
               </a:defRPr>
             </a:lvl1pPr>
             <a:lvl2pPr marL="457200" indent="0">
               <a:buNone/>
-              <a:defRPr sz="1800">
+              <a:defRPr sz="2000">
                 <a:solidFill>
                   <a:schemeClr val="tx1">
                     <a:tint val="75000"/>
@@ -6044,7 +6327,7 @@
             </a:lvl2pPr>
             <a:lvl3pPr marL="914400" indent="0">
               <a:buNone/>
-              <a:defRPr sz="1600">
+              <a:defRPr sz="1800">
                 <a:solidFill>
                   <a:schemeClr val="tx1">
                     <a:tint val="75000"/>
@@ -6054,7 +6337,7 @@
             </a:lvl3pPr>
             <a:lvl4pPr marL="1371600" indent="0">
               <a:buNone/>
-              <a:defRPr sz="1400">
+              <a:defRPr sz="1600">
                 <a:solidFill>
                   <a:schemeClr val="tx1">
                     <a:tint val="75000"/>
@@ -6064,7 +6347,7 @@
             </a:lvl4pPr>
             <a:lvl5pPr marL="1828800" indent="0">
               <a:buNone/>
-              <a:defRPr sz="1400">
+              <a:defRPr sz="1600">
                 <a:solidFill>
                   <a:schemeClr val="tx1">
                     <a:tint val="75000"/>
@@ -6074,7 +6357,7 @@
             </a:lvl5pPr>
             <a:lvl6pPr marL="2286000" indent="0">
               <a:buNone/>
-              <a:defRPr sz="1400">
+              <a:defRPr sz="1600">
                 <a:solidFill>
                   <a:schemeClr val="tx1">
                     <a:tint val="75000"/>
@@ -6084,7 +6367,7 @@
             </a:lvl6pPr>
             <a:lvl7pPr marL="2743200" indent="0">
               <a:buNone/>
-              <a:defRPr sz="1400">
+              <a:defRPr sz="1600">
                 <a:solidFill>
                   <a:schemeClr val="tx1">
                     <a:tint val="75000"/>
@@ -6094,7 +6377,7 @@
             </a:lvl7pPr>
             <a:lvl8pPr marL="3200400" indent="0">
               <a:buNone/>
-              <a:defRPr sz="1400">
+              <a:defRPr sz="1600">
                 <a:solidFill>
                   <a:schemeClr val="tx1">
                     <a:tint val="75000"/>
@@ -6104,7 +6387,7 @@
             </a:lvl8pPr>
             <a:lvl9pPr marL="3657600" indent="0">
               <a:buNone/>
-              <a:defRPr sz="1400">
+              <a:defRPr sz="1600">
                 <a:solidFill>
                   <a:schemeClr val="tx1">
                     <a:tint val="75000"/>
@@ -6138,9 +6421,9 @@
           <a:lstStyle/>
           <a:p>
             <a:fld id="{B61BEF0D-F0BB-DE4B-95CE-6DB70DBA9567}" type="datetimeFigureOut">
-              <a:rPr lang="en-US" dirty="0"/>
+              <a:rPr lang="en-US" smtClean="0"/>
               <a:pPr/>
-              <a:t>11/18/2018</a:t>
+              <a:t>11/19/2018</a:t>
             </a:fld>
             <a:endParaRPr lang="en-US" dirty="0"/>
           </a:p>
@@ -6181,7 +6464,7 @@
           <a:lstStyle/>
           <a:p>
             <a:fld id="{D57F1E4F-1CFF-5643-939E-217C01CDF565}" type="slidenum">
-              <a:rPr lang="en-US" dirty="0"/>
+              <a:rPr lang="en-US" smtClean="0"/>
               <a:pPr/>
               <a:t>‹#›</a:t>
             </a:fld>
@@ -6189,38 +6472,12 @@
           </a:p>
         </p:txBody>
       </p:sp>
-      <p:cxnSp>
-        <p:nvCxnSpPr>
-          <p:cNvPr id="16" name="Straight Connector 15"/>
-          <p:cNvCxnSpPr/>
-          <p:nvPr/>
-        </p:nvCxnSpPr>
-        <p:spPr>
-          <a:xfrm>
-            <a:off x="2012723" y="3710585"/>
-            <a:ext cx="8163380" cy="0"/>
-          </a:xfrm>
-          <a:prstGeom prst="line">
-            <a:avLst/>
-          </a:prstGeom>
-          <a:ln w="15875"/>
-        </p:spPr>
-        <p:style>
-          <a:lnRef idx="2">
-            <a:schemeClr val="accent1"/>
-          </a:lnRef>
-          <a:fillRef idx="0">
-            <a:schemeClr val="accent1"/>
-          </a:fillRef>
-          <a:effectRef idx="1">
-            <a:schemeClr val="accent1"/>
-          </a:effectRef>
-          <a:fontRef idx="minor">
-            <a:schemeClr val="tx1"/>
-          </a:fontRef>
-        </p:style>
-      </p:cxnSp>
     </p:spTree>
+    <p:extLst>
+      <p:ext uri="{BB962C8B-B14F-4D97-AF65-F5344CB8AC3E}">
+        <p14:creationId xmlns:p14="http://schemas.microsoft.com/office/powerpoint/2010/main" val="1440374457"/>
+      </p:ext>
+    </p:extLst>
   </p:cSld>
   <p:clrMapOvr>
     <a:masterClrMapping/>
@@ -6245,48 +6502,22 @@
           <a:chExt cx="0" cy="0"/>
         </a:xfrm>
       </p:grpSpPr>
-      <p:cxnSp>
-        <p:nvCxnSpPr>
-          <p:cNvPr id="8" name="Straight Connector 7"/>
-          <p:cNvCxnSpPr/>
-          <p:nvPr/>
-        </p:nvCxnSpPr>
+      <p:sp>
+        <p:nvSpPr>
+          <p:cNvPr id="2" name="Title 1"/>
+          <p:cNvSpPr>
+            <a:spLocks noGrp="1"/>
+          </p:cNvSpPr>
+          <p:nvPr>
+            <p:ph type="title"/>
+          </p:nvPr>
+        </p:nvSpPr>
         <p:spPr>
           <a:xfrm>
-            <a:off x="1396169" y="2421466"/>
-            <a:ext cx="9407298" cy="0"/>
+            <a:off x="913795" y="609600"/>
+            <a:ext cx="10353761" cy="1326321"/>
           </a:xfrm>
-          <a:prstGeom prst="line">
-            <a:avLst/>
-          </a:prstGeom>
-          <a:ln w="15875"/>
         </p:spPr>
-        <p:style>
-          <a:lnRef idx="2">
-            <a:schemeClr val="accent1"/>
-          </a:lnRef>
-          <a:fillRef idx="0">
-            <a:schemeClr val="accent1"/>
-          </a:fillRef>
-          <a:effectRef idx="1">
-            <a:schemeClr val="accent1"/>
-          </a:effectRef>
-          <a:fontRef idx="minor">
-            <a:schemeClr val="tx1"/>
-          </a:fontRef>
-        </p:style>
-      </p:cxnSp>
-      <p:sp>
-        <p:nvSpPr>
-          <p:cNvPr id="2" name="Title 1"/>
-          <p:cNvSpPr>
-            <a:spLocks noGrp="1"/>
-          </p:cNvSpPr>
-          <p:nvPr>
-            <p:ph type="title"/>
-          </p:nvPr>
-        </p:nvSpPr>
-        <p:spPr/>
         <p:txBody>
           <a:bodyPr/>
           <a:lstStyle/>
@@ -6311,14 +6542,12 @@
         </p:nvSpPr>
         <p:spPr>
           <a:xfrm>
-            <a:off x="1298448" y="2560320"/>
-            <a:ext cx="4718304" cy="3310128"/>
+            <a:off x="913795" y="2088319"/>
+            <a:ext cx="5106004" cy="3702881"/>
           </a:xfrm>
         </p:spPr>
         <p:txBody>
-          <a:bodyPr>
-            <a:normAutofit/>
-          </a:bodyPr>
+          <a:bodyPr/>
           <a:lstStyle/>
           <a:p>
             <a:pPr lvl="0"/>
@@ -6370,14 +6599,12 @@
         </p:nvSpPr>
         <p:spPr>
           <a:xfrm>
-            <a:off x="6181344" y="2560320"/>
-            <a:ext cx="4718304" cy="3310128"/>
+            <a:off x="6173403" y="2088319"/>
+            <a:ext cx="5094154" cy="3702881"/>
           </a:xfrm>
         </p:spPr>
         <p:txBody>
-          <a:bodyPr>
-            <a:normAutofit/>
-          </a:bodyPr>
+          <a:bodyPr/>
           <a:lstStyle/>
           <a:p>
             <a:pPr lvl="0"/>
@@ -6433,8 +6660,8 @@
           <a:lstStyle/>
           <a:p>
             <a:fld id="{05BFA754-D5C3-4E66-96A6-867B257F58DC}" type="datetimeFigureOut">
-              <a:rPr lang="en-US" dirty="0"/>
-              <a:t>11/18/2018</a:t>
+              <a:rPr lang="en-US" smtClean="0"/>
+              <a:t>11/19/2018</a:t>
             </a:fld>
             <a:endParaRPr lang="en-US" dirty="0"/>
           </a:p>
@@ -6475,7 +6702,7 @@
           <a:lstStyle/>
           <a:p>
             <a:fld id="{5D84065D-F351-4B03-BD91-D8A6B8D4B362}" type="slidenum">
-              <a:rPr lang="en-US" dirty="0"/>
+              <a:rPr lang="en-US" smtClean="0"/>
               <a:t>‹#›</a:t>
             </a:fld>
             <a:endParaRPr lang="en-US" dirty="0"/>
@@ -6483,6 +6710,11 @@
         </p:txBody>
       </p:sp>
     </p:spTree>
+    <p:extLst>
+      <p:ext uri="{BB962C8B-B14F-4D97-AF65-F5344CB8AC3E}">
+        <p14:creationId xmlns:p14="http://schemas.microsoft.com/office/powerpoint/2010/main" val="3935102154"/>
+      </p:ext>
+    </p:extLst>
   </p:cSld>
   <p:clrMapOvr>
     <a:masterClrMapping/>
@@ -6517,14 +6749,15 @@
             <p:ph type="title"/>
           </p:nvPr>
         </p:nvSpPr>
-        <p:spPr/>
+        <p:spPr>
+          <a:xfrm>
+            <a:off x="913795" y="609600"/>
+            <a:ext cx="10353761" cy="1325563"/>
+          </a:xfrm>
+        </p:spPr>
         <p:txBody>
           <a:bodyPr/>
-          <a:lstStyle>
-            <a:lvl1pPr>
-              <a:defRPr/>
-            </a:lvl1pPr>
-          </a:lstStyle>
+          <a:lstStyle/>
           <a:p>
             <a:r>
               <a:rPr lang="en-US"/>
@@ -6546,22 +6779,19 @@
         </p:nvSpPr>
         <p:spPr>
           <a:xfrm>
-            <a:off x="1295400" y="2658533"/>
-            <a:ext cx="4718304" cy="576262"/>
+            <a:off x="1141804" y="2088320"/>
+            <a:ext cx="4879199" cy="823912"/>
           </a:xfrm>
         </p:spPr>
         <p:txBody>
-          <a:bodyPr anchor="b">
-            <a:noAutofit/>
-          </a:bodyPr>
+          <a:bodyPr anchor="b"/>
           <a:lstStyle>
             <a:lvl1pPr marL="0" indent="0">
-              <a:buNone/>
-              <a:defRPr sz="2800" b="0">
-                <a:solidFill>
-                  <a:schemeClr val="accent1"/>
-                </a:solidFill>
-              </a:defRPr>
+              <a:lnSpc>
+                <a:spcPct val="100000"/>
+              </a:lnSpc>
+              <a:buNone/>
+              <a:defRPr sz="2400" b="1"/>
             </a:lvl1pPr>
             <a:lvl2pPr marL="457200" indent="0">
               <a:buNone/>
@@ -6617,14 +6847,12 @@
         </p:nvSpPr>
         <p:spPr>
           <a:xfrm>
-            <a:off x="1295400" y="3243262"/>
-            <a:ext cx="4718304" cy="2632605"/>
+            <a:off x="913795" y="2912232"/>
+            <a:ext cx="5107208" cy="2878968"/>
           </a:xfrm>
         </p:spPr>
         <p:txBody>
-          <a:bodyPr anchor="t">
-            <a:normAutofit/>
-          </a:bodyPr>
+          <a:bodyPr/>
           <a:lstStyle/>
           <a:p>
             <a:pPr lvl="0"/>
@@ -6676,22 +6904,19 @@
         </p:nvSpPr>
         <p:spPr>
           <a:xfrm>
-            <a:off x="6180671" y="2658533"/>
-            <a:ext cx="4718304" cy="576262"/>
+            <a:off x="6402003" y="2088320"/>
+            <a:ext cx="4865554" cy="823912"/>
           </a:xfrm>
         </p:spPr>
         <p:txBody>
-          <a:bodyPr anchor="b">
-            <a:noAutofit/>
-          </a:bodyPr>
+          <a:bodyPr anchor="b"/>
           <a:lstStyle>
             <a:lvl1pPr marL="0" indent="0">
-              <a:buNone/>
-              <a:defRPr sz="2800" b="0">
-                <a:solidFill>
-                  <a:schemeClr val="accent1"/>
-                </a:solidFill>
-              </a:defRPr>
+              <a:lnSpc>
+                <a:spcPct val="100000"/>
+              </a:lnSpc>
+              <a:buNone/>
+              <a:defRPr sz="2400" b="1"/>
             </a:lvl1pPr>
             <a:lvl2pPr marL="457200" indent="0">
               <a:buNone/>
@@ -6747,14 +6972,12 @@
         </p:nvSpPr>
         <p:spPr>
           <a:xfrm>
-            <a:off x="6180671" y="3243262"/>
-            <a:ext cx="4718304" cy="2632605"/>
+            <a:off x="6172200" y="2912232"/>
+            <a:ext cx="5095357" cy="2878968"/>
           </a:xfrm>
         </p:spPr>
         <p:txBody>
-          <a:bodyPr anchor="t">
-            <a:normAutofit/>
-          </a:bodyPr>
+          <a:bodyPr/>
           <a:lstStyle/>
           <a:p>
             <a:pPr lvl="0"/>
@@ -6810,9 +7033,9 @@
           <a:lstStyle/>
           <a:p>
             <a:fld id="{B61BEF0D-F0BB-DE4B-95CE-6DB70DBA9567}" type="datetimeFigureOut">
-              <a:rPr lang="en-US" dirty="0"/>
+              <a:rPr lang="en-US" smtClean="0"/>
               <a:pPr/>
-              <a:t>11/18/2018</a:t>
+              <a:t>11/19/2018</a:t>
             </a:fld>
             <a:endParaRPr lang="en-US" dirty="0"/>
           </a:p>
@@ -6853,7 +7076,7 @@
           <a:lstStyle/>
           <a:p>
             <a:fld id="{D57F1E4F-1CFF-5643-939E-217C01CDF565}" type="slidenum">
-              <a:rPr lang="en-US" dirty="0"/>
+              <a:rPr lang="en-US" smtClean="0"/>
               <a:pPr/>
               <a:t>‹#›</a:t>
             </a:fld>
@@ -6861,38 +7084,12 @@
           </a:p>
         </p:txBody>
       </p:sp>
-      <p:cxnSp>
-        <p:nvCxnSpPr>
-          <p:cNvPr id="18" name="Straight Connector 17"/>
-          <p:cNvCxnSpPr/>
-          <p:nvPr/>
-        </p:nvCxnSpPr>
-        <p:spPr>
-          <a:xfrm>
-            <a:off x="1396169" y="2421466"/>
-            <a:ext cx="9407298" cy="0"/>
-          </a:xfrm>
-          <a:prstGeom prst="line">
-            <a:avLst/>
-          </a:prstGeom>
-          <a:ln w="15875"/>
-        </p:spPr>
-        <p:style>
-          <a:lnRef idx="2">
-            <a:schemeClr val="accent1"/>
-          </a:lnRef>
-          <a:fillRef idx="0">
-            <a:schemeClr val="accent1"/>
-          </a:fillRef>
-          <a:effectRef idx="1">
-            <a:schemeClr val="accent1"/>
-          </a:effectRef>
-          <a:fontRef idx="minor">
-            <a:schemeClr val="tx1"/>
-          </a:fontRef>
-        </p:style>
-      </p:cxnSp>
     </p:spTree>
+    <p:extLst>
+      <p:ext uri="{BB962C8B-B14F-4D97-AF65-F5344CB8AC3E}">
+        <p14:creationId xmlns:p14="http://schemas.microsoft.com/office/powerpoint/2010/main" val="2671831096"/>
+      </p:ext>
+    </p:extLst>
   </p:cSld>
   <p:clrMapOvr>
     <a:masterClrMapping/>
@@ -6956,9 +7153,9 @@
           <a:lstStyle/>
           <a:p>
             <a:fld id="{B61BEF0D-F0BB-DE4B-95CE-6DB70DBA9567}" type="datetimeFigureOut">
-              <a:rPr lang="en-US" dirty="0"/>
+              <a:rPr lang="en-US" smtClean="0"/>
               <a:pPr/>
-              <a:t>11/18/2018</a:t>
+              <a:t>11/19/2018</a:t>
             </a:fld>
             <a:endParaRPr lang="en-US" dirty="0"/>
           </a:p>
@@ -6999,7 +7196,7 @@
           <a:lstStyle/>
           <a:p>
             <a:fld id="{D57F1E4F-1CFF-5643-939E-217C01CDF565}" type="slidenum">
-              <a:rPr lang="en-US" dirty="0"/>
+              <a:rPr lang="en-US" smtClean="0"/>
               <a:pPr/>
               <a:t>‹#›</a:t>
             </a:fld>
@@ -7007,38 +7204,12 @@
           </a:p>
         </p:txBody>
       </p:sp>
-      <p:cxnSp>
-        <p:nvCxnSpPr>
-          <p:cNvPr id="14" name="Straight Connector 13"/>
-          <p:cNvCxnSpPr/>
-          <p:nvPr/>
-        </p:nvCxnSpPr>
-        <p:spPr>
-          <a:xfrm>
-            <a:off x="1396169" y="2421466"/>
-            <a:ext cx="9407298" cy="0"/>
-          </a:xfrm>
-          <a:prstGeom prst="line">
-            <a:avLst/>
-          </a:prstGeom>
-          <a:ln w="15875"/>
-        </p:spPr>
-        <p:style>
-          <a:lnRef idx="2">
-            <a:schemeClr val="accent1"/>
-          </a:lnRef>
-          <a:fillRef idx="0">
-            <a:schemeClr val="accent1"/>
-          </a:fillRef>
-          <a:effectRef idx="1">
-            <a:schemeClr val="accent1"/>
-          </a:effectRef>
-          <a:fontRef idx="minor">
-            <a:schemeClr val="tx1"/>
-          </a:fontRef>
-        </p:style>
-      </p:cxnSp>
     </p:spTree>
+    <p:extLst>
+      <p:ext uri="{BB962C8B-B14F-4D97-AF65-F5344CB8AC3E}">
+        <p14:creationId xmlns:p14="http://schemas.microsoft.com/office/powerpoint/2010/main" val="3042419442"/>
+      </p:ext>
+    </p:extLst>
   </p:cSld>
   <p:clrMapOvr>
     <a:masterClrMapping/>
@@ -7079,9 +7250,9 @@
           <a:lstStyle/>
           <a:p>
             <a:fld id="{B61BEF0D-F0BB-DE4B-95CE-6DB70DBA9567}" type="datetimeFigureOut">
-              <a:rPr lang="en-US" dirty="0"/>
+              <a:rPr lang="en-US" smtClean="0"/>
               <a:pPr/>
-              <a:t>11/18/2018</a:t>
+              <a:t>11/19/2018</a:t>
             </a:fld>
             <a:endParaRPr lang="en-US" dirty="0"/>
           </a:p>
@@ -7122,7 +7293,7 @@
           <a:lstStyle/>
           <a:p>
             <a:fld id="{D57F1E4F-1CFF-5643-939E-217C01CDF565}" type="slidenum">
-              <a:rPr lang="en-US" dirty="0"/>
+              <a:rPr lang="en-US" smtClean="0"/>
               <a:pPr/>
               <a:t>‹#›</a:t>
             </a:fld>
@@ -7131,6 +7302,11 @@
         </p:txBody>
       </p:sp>
     </p:spTree>
+    <p:extLst>
+      <p:ext uri="{BB962C8B-B14F-4D97-AF65-F5344CB8AC3E}">
+        <p14:creationId xmlns:p14="http://schemas.microsoft.com/office/powerpoint/2010/main" val="1029959167"/>
+      </p:ext>
+    </p:extLst>
   </p:cSld>
   <p:clrMapOvr>
     <a:masterClrMapping/>
@@ -7167,8 +7343,8 @@
         </p:nvSpPr>
         <p:spPr>
           <a:xfrm>
-            <a:off x="1293811" y="1388534"/>
-            <a:ext cx="3718455" cy="1371600"/>
+            <a:off x="917228" y="609600"/>
+            <a:ext cx="3932237" cy="2362200"/>
           </a:xfrm>
         </p:spPr>
         <p:txBody>
@@ -7176,8 +7352,8 @@
             <a:normAutofit/>
           </a:bodyPr>
           <a:lstStyle>
-            <a:lvl1pPr algn="ctr">
-              <a:defRPr sz="2400" b="0"/>
+            <a:lvl1pPr>
+              <a:defRPr sz="2800"/>
             </a:lvl1pPr>
           </a:lstStyle>
           <a:p>
@@ -7201,14 +7377,12 @@
         </p:nvSpPr>
         <p:spPr>
           <a:xfrm>
-            <a:off x="5418668" y="982131"/>
-            <a:ext cx="5469466" cy="4893735"/>
+            <a:off x="5078064" y="609600"/>
+            <a:ext cx="6189492" cy="5181600"/>
           </a:xfrm>
         </p:spPr>
         <p:txBody>
-          <a:bodyPr anchor="ctr">
-            <a:normAutofit/>
-          </a:bodyPr>
+          <a:bodyPr anchor="ctr"/>
           <a:lstStyle/>
           <a:p>
             <a:pPr lvl="0"/>
@@ -7260,14 +7434,12 @@
         </p:nvSpPr>
         <p:spPr>
           <a:xfrm>
-            <a:off x="1293811" y="3031065"/>
-            <a:ext cx="3718455" cy="2438404"/>
+            <a:off x="917228" y="2971800"/>
+            <a:ext cx="3932237" cy="2819399"/>
           </a:xfrm>
         </p:spPr>
         <p:txBody>
-          <a:bodyPr anchor="t">
-            <a:normAutofit/>
-          </a:bodyPr>
+          <a:bodyPr/>
           <a:lstStyle>
             <a:lvl1pPr marL="0" indent="0" algn="ctr">
               <a:buNone/>
@@ -7275,35 +7447,35 @@
             </a:lvl1pPr>
             <a:lvl2pPr marL="457200" indent="0">
               <a:buNone/>
-              <a:defRPr sz="1200"/>
+              <a:defRPr sz="1400"/>
             </a:lvl2pPr>
             <a:lvl3pPr marL="914400" indent="0">
               <a:buNone/>
-              <a:defRPr sz="1000"/>
+              <a:defRPr sz="1200"/>
             </a:lvl3pPr>
             <a:lvl4pPr marL="1371600" indent="0">
               <a:buNone/>
-              <a:defRPr sz="900"/>
+              <a:defRPr sz="1000"/>
             </a:lvl4pPr>
             <a:lvl5pPr marL="1828800" indent="0">
               <a:buNone/>
-              <a:defRPr sz="900"/>
+              <a:defRPr sz="1000"/>
             </a:lvl5pPr>
             <a:lvl6pPr marL="2286000" indent="0">
               <a:buNone/>
-              <a:defRPr sz="900"/>
+              <a:defRPr sz="1000"/>
             </a:lvl6pPr>
             <a:lvl7pPr marL="2743200" indent="0">
               <a:buNone/>
-              <a:defRPr sz="900"/>
+              <a:defRPr sz="1000"/>
             </a:lvl7pPr>
             <a:lvl8pPr marL="3200400" indent="0">
               <a:buNone/>
-              <a:defRPr sz="900"/>
+              <a:defRPr sz="1000"/>
             </a:lvl8pPr>
             <a:lvl9pPr marL="3657600" indent="0">
               <a:buNone/>
-              <a:defRPr sz="900"/>
+              <a:defRPr sz="1000"/>
             </a:lvl9pPr>
           </a:lstStyle>
           <a:p>
@@ -7331,9 +7503,9 @@
           <a:lstStyle/>
           <a:p>
             <a:fld id="{B61BEF0D-F0BB-DE4B-95CE-6DB70DBA9567}" type="datetimeFigureOut">
-              <a:rPr lang="en-US" dirty="0"/>
+              <a:rPr lang="en-US" smtClean="0"/>
               <a:pPr/>
-              <a:t>11/18/2018</a:t>
+              <a:t>11/19/2018</a:t>
             </a:fld>
             <a:endParaRPr lang="en-US" dirty="0"/>
           </a:p>
@@ -7374,7 +7546,7 @@
           <a:lstStyle/>
           <a:p>
             <a:fld id="{D57F1E4F-1CFF-5643-939E-217C01CDF565}" type="slidenum">
-              <a:rPr lang="en-US" dirty="0"/>
+              <a:rPr lang="en-US" smtClean="0"/>
               <a:pPr/>
               <a:t>‹#›</a:t>
             </a:fld>
@@ -7382,38 +7554,12 @@
           </a:p>
         </p:txBody>
       </p:sp>
-      <p:cxnSp>
-        <p:nvCxnSpPr>
-          <p:cNvPr id="16" name="Straight Connector 15"/>
-          <p:cNvCxnSpPr/>
-          <p:nvPr/>
-        </p:nvCxnSpPr>
-        <p:spPr>
-          <a:xfrm>
-            <a:off x="1396169" y="2912533"/>
-            <a:ext cx="3514498" cy="0"/>
-          </a:xfrm>
-          <a:prstGeom prst="line">
-            <a:avLst/>
-          </a:prstGeom>
-          <a:ln w="15875"/>
-        </p:spPr>
-        <p:style>
-          <a:lnRef idx="2">
-            <a:schemeClr val="accent1"/>
-          </a:lnRef>
-          <a:fillRef idx="0">
-            <a:schemeClr val="accent1"/>
-          </a:fillRef>
-          <a:effectRef idx="1">
-            <a:schemeClr val="accent1"/>
-          </a:effectRef>
-          <a:fontRef idx="minor">
-            <a:schemeClr val="tx1"/>
-          </a:fontRef>
-        </p:style>
-      </p:cxnSp>
     </p:spTree>
+    <p:extLst>
+      <p:ext uri="{BB962C8B-B14F-4D97-AF65-F5344CB8AC3E}">
+        <p14:creationId xmlns:p14="http://schemas.microsoft.com/office/powerpoint/2010/main" val="3292815757"/>
+      </p:ext>
+    </p:extLst>
   </p:cSld>
   <p:clrMapOvr>
     <a:masterClrMapping/>
@@ -7450,8 +7596,8 @@
         </p:nvSpPr>
         <p:spPr>
           <a:xfrm>
-            <a:off x="1295399" y="1883832"/>
-            <a:ext cx="6241816" cy="1371600"/>
+            <a:off x="917227" y="609600"/>
+            <a:ext cx="5929773" cy="2362200"/>
           </a:xfrm>
         </p:spPr>
         <p:txBody>
@@ -7459,8 +7605,8 @@
             <a:normAutofit/>
           </a:bodyPr>
           <a:lstStyle>
-            <a:lvl1pPr algn="ctr">
-              <a:defRPr sz="2800" b="0"/>
+            <a:lvl1pPr>
+              <a:defRPr sz="3200"/>
             </a:lvl1pPr>
           </a:lstStyle>
           <a:p>
@@ -7474,7 +7620,7 @@
       </p:sp>
       <p:sp>
         <p:nvSpPr>
-          <p:cNvPr id="17" name="Picture Placeholder 2"/>
+          <p:cNvPr id="3" name="Picture Placeholder 2"/>
           <p:cNvSpPr>
             <a:spLocks noGrp="1" noChangeAspect="1"/>
           </p:cNvSpPr>
@@ -7484,138 +7630,141 @@
         </p:nvSpPr>
         <p:spPr>
           <a:xfrm>
-            <a:off x="8094831" y="1041400"/>
-            <a:ext cx="3063347" cy="4775200"/>
+            <a:off x="7424804" y="758881"/>
+            <a:ext cx="3255356" cy="4883038"/>
           </a:xfrm>
-          <a:prstGeom prst="roundRect">
-            <a:avLst>
-              <a:gd name="adj" fmla="val 0"/>
-            </a:avLst>
-          </a:prstGeom>
-          <a:ln w="57150" cmpd="thickThin">
+          <a:noFill/>
+          <a:ln w="190500" cap="sq">
             <a:solidFill>
-              <a:schemeClr val="tx1">
-                <a:lumMod val="50000"/>
-                <a:lumOff val="50000"/>
-              </a:schemeClr>
+              <a:srgbClr val="FFFFFF"/>
             </a:solidFill>
             <a:miter lim="800000"/>
           </a:ln>
           <a:effectLst>
-            <a:innerShdw blurRad="57150" dist="38100" dir="14460000">
+            <a:outerShdw blurRad="55000" dist="18000" dir="5400000" algn="tl" rotWithShape="0">
               <a:srgbClr val="000000">
-                <a:alpha val="70000"/>
+                <a:alpha val="40000"/>
               </a:srgbClr>
-            </a:innerShdw>
+            </a:outerShdw>
           </a:effectLst>
+          <a:scene3d>
+            <a:camera prst="orthographicFront"/>
+            <a:lightRig rig="twoPt" dir="t">
+              <a:rot lat="0" lon="0" rev="7200000"/>
+            </a:lightRig>
+          </a:scene3d>
+          <a:sp3d>
+            <a:bevelT w="25400" h="19050"/>
+            <a:contourClr>
+              <a:srgbClr val="FFFFFF"/>
+            </a:contourClr>
+          </a:sp3d>
         </p:spPr>
         <p:txBody>
-          <a:bodyPr anchor="t">
+          <a:bodyPr anchor="t"/>
+          <a:lstStyle>
+            <a:lvl1pPr marL="0" indent="0" algn="ctr">
+              <a:buNone/>
+              <a:defRPr sz="3200"/>
+            </a:lvl1pPr>
+            <a:lvl2pPr marL="457200" indent="0">
+              <a:buNone/>
+              <a:defRPr sz="2800"/>
+            </a:lvl2pPr>
+            <a:lvl3pPr marL="914400" indent="0">
+              <a:buNone/>
+              <a:defRPr sz="2400"/>
+            </a:lvl3pPr>
+            <a:lvl4pPr marL="1371600" indent="0">
+              <a:buNone/>
+              <a:defRPr sz="2000"/>
+            </a:lvl4pPr>
+            <a:lvl5pPr marL="1828800" indent="0">
+              <a:buNone/>
+              <a:defRPr sz="2000"/>
+            </a:lvl5pPr>
+            <a:lvl6pPr marL="2286000" indent="0">
+              <a:buNone/>
+              <a:defRPr sz="2000"/>
+            </a:lvl6pPr>
+            <a:lvl7pPr marL="2743200" indent="0">
+              <a:buNone/>
+              <a:defRPr sz="2000"/>
+            </a:lvl7pPr>
+            <a:lvl8pPr marL="3200400" indent="0">
+              <a:buNone/>
+              <a:defRPr sz="2000"/>
+            </a:lvl8pPr>
+            <a:lvl9pPr marL="3657600" indent="0">
+              <a:buNone/>
+              <a:defRPr sz="2000"/>
+            </a:lvl9pPr>
+          </a:lstStyle>
+          <a:p>
+            <a:r>
+              <a:rPr lang="en-US"/>
+              <a:t>Click icon to add picture</a:t>
+            </a:r>
+            <a:endParaRPr lang="en-US" dirty="0"/>
+          </a:p>
+        </p:txBody>
+      </p:sp>
+      <p:sp>
+        <p:nvSpPr>
+          <p:cNvPr id="4" name="Text Placeholder 3"/>
+          <p:cNvSpPr>
+            <a:spLocks noGrp="1"/>
+          </p:cNvSpPr>
+          <p:nvPr>
+            <p:ph type="body" sz="half" idx="2"/>
+          </p:nvPr>
+        </p:nvSpPr>
+        <p:spPr>
+          <a:xfrm>
+            <a:off x="913794" y="2971800"/>
+            <a:ext cx="5934950" cy="2819400"/>
+          </a:xfrm>
+        </p:spPr>
+        <p:txBody>
+          <a:bodyPr>
             <a:normAutofit/>
           </a:bodyPr>
           <a:lstStyle>
             <a:lvl1pPr marL="0" indent="0" algn="ctr">
               <a:buNone/>
-              <a:defRPr sz="1600"/>
-            </a:lvl1pPr>
-            <a:lvl2pPr marL="457200" indent="0">
-              <a:buNone/>
-              <a:defRPr sz="1600"/>
-            </a:lvl2pPr>
-            <a:lvl3pPr marL="914400" indent="0">
-              <a:buNone/>
-              <a:defRPr sz="1600"/>
-            </a:lvl3pPr>
-            <a:lvl4pPr marL="1371600" indent="0">
-              <a:buNone/>
-              <a:defRPr sz="1600"/>
-            </a:lvl4pPr>
-            <a:lvl5pPr marL="1828800" indent="0">
-              <a:buNone/>
-              <a:defRPr sz="1600"/>
-            </a:lvl5pPr>
-            <a:lvl6pPr marL="2286000" indent="0">
-              <a:buNone/>
-              <a:defRPr sz="1600"/>
-            </a:lvl6pPr>
-            <a:lvl7pPr marL="2743200" indent="0">
-              <a:buNone/>
-              <a:defRPr sz="1600"/>
-            </a:lvl7pPr>
-            <a:lvl8pPr marL="3200400" indent="0">
-              <a:buNone/>
-              <a:defRPr sz="1600"/>
-            </a:lvl8pPr>
-            <a:lvl9pPr marL="3657600" indent="0">
-              <a:buNone/>
-              <a:defRPr sz="1600"/>
-            </a:lvl9pPr>
-          </a:lstStyle>
-          <a:p>
-            <a:r>
-              <a:rPr lang="en-US"/>
-              <a:t>Click icon to add picture</a:t>
-            </a:r>
-            <a:endParaRPr lang="en-US" dirty="0"/>
-          </a:p>
-        </p:txBody>
-      </p:sp>
-      <p:sp>
-        <p:nvSpPr>
-          <p:cNvPr id="4" name="Text Placeholder 3"/>
-          <p:cNvSpPr>
-            <a:spLocks noGrp="1"/>
-          </p:cNvSpPr>
-          <p:nvPr>
-            <p:ph type="body" sz="half" idx="2"/>
-          </p:nvPr>
-        </p:nvSpPr>
-        <p:spPr>
-          <a:xfrm>
-            <a:off x="1295399" y="3255432"/>
-            <a:ext cx="6241816" cy="1828800"/>
-          </a:xfrm>
-        </p:spPr>
-        <p:txBody>
-          <a:bodyPr anchor="t">
-            <a:normAutofit/>
-          </a:bodyPr>
-          <a:lstStyle>
-            <a:lvl1pPr marL="0" indent="0" algn="ctr">
-              <a:buNone/>
               <a:defRPr sz="1800"/>
             </a:lvl1pPr>
             <a:lvl2pPr marL="457200" indent="0">
               <a:buNone/>
-              <a:defRPr sz="1200"/>
+              <a:defRPr sz="1400"/>
             </a:lvl2pPr>
             <a:lvl3pPr marL="914400" indent="0">
               <a:buNone/>
-              <a:defRPr sz="1000"/>
+              <a:defRPr sz="1200"/>
             </a:lvl3pPr>
             <a:lvl4pPr marL="1371600" indent="0">
               <a:buNone/>
-              <a:defRPr sz="900"/>
+              <a:defRPr sz="1000"/>
             </a:lvl4pPr>
             <a:lvl5pPr marL="1828800" indent="0">
               <a:buNone/>
-              <a:defRPr sz="900"/>
+              <a:defRPr sz="1000"/>
             </a:lvl5pPr>
             <a:lvl6pPr marL="2286000" indent="0">
               <a:buNone/>
-              <a:defRPr sz="900"/>
+              <a:defRPr sz="1000"/>
             </a:lvl6pPr>
             <a:lvl7pPr marL="2743200" indent="0">
               <a:buNone/>
-              <a:defRPr sz="900"/>
+              <a:defRPr sz="1000"/>
             </a:lvl7pPr>
             <a:lvl8pPr marL="3200400" indent="0">
               <a:buNone/>
-              <a:defRPr sz="900"/>
+              <a:defRPr sz="1000"/>
             </a:lvl8pPr>
             <a:lvl9pPr marL="3657600" indent="0">
               <a:buNone/>
-              <a:defRPr sz="900"/>
+              <a:defRPr sz="1000"/>
             </a:lvl9pPr>
           </a:lstStyle>
           <a:p>
@@ -7643,9 +7792,9 @@
           <a:lstStyle/>
           <a:p>
             <a:fld id="{B61BEF0D-F0BB-DE4B-95CE-6DB70DBA9567}" type="datetimeFigureOut">
-              <a:rPr lang="en-US" dirty="0"/>
+              <a:rPr lang="en-US" smtClean="0"/>
               <a:pPr/>
-              <a:t>11/18/2018</a:t>
+              <a:t>11/19/2018</a:t>
             </a:fld>
             <a:endParaRPr lang="en-US" dirty="0"/>
           </a:p>
@@ -7686,7 +7835,7 @@
           <a:lstStyle/>
           <a:p>
             <a:fld id="{D57F1E4F-1CFF-5643-939E-217C01CDF565}" type="slidenum">
-              <a:rPr lang="en-US" dirty="0"/>
+              <a:rPr lang="en-US" smtClean="0"/>
               <a:pPr/>
               <a:t>‹#›</a:t>
             </a:fld>
@@ -7695,6 +7844,11 @@
         </p:txBody>
       </p:sp>
     </p:spTree>
+    <p:extLst>
+      <p:ext uri="{BB962C8B-B14F-4D97-AF65-F5344CB8AC3E}">
+        <p14:creationId xmlns:p14="http://schemas.microsoft.com/office/powerpoint/2010/main" val="1416989230"/>
+      </p:ext>
+    </p:extLst>
   </p:cSld>
   <p:clrMapOvr>
     <a:masterClrMapping/>
@@ -7707,7 +7861,7 @@
   <p:cSld>
     <p:bg>
       <p:bgRef idx="1003">
-        <a:schemeClr val="bg1"/>
+        <a:schemeClr val="bg2"/>
       </p:bgRef>
     </p:bg>
     <p:spTree>
@@ -7724,56 +7878,25 @@
           <a:chExt cx="0" cy="0"/>
         </a:xfrm>
       </p:grpSpPr>
-      <p:pic>
-        <p:nvPicPr>
-          <p:cNvPr id="7" name="Picture 6" descr="HD-PanelContent-GrommetsCombined.png"/>
-          <p:cNvPicPr>
-            <a:picLocks noChangeAspect="1"/>
-          </p:cNvPicPr>
-          <p:nvPr/>
-        </p:nvPicPr>
-        <p:blipFill>
-          <a:blip r:embed="rId19">
-            <a:extLst>
-              <a:ext uri="{28A0092B-C50C-407E-A947-70E740481C1C}">
-                <a14:useLocalDpi xmlns:a14="http://schemas.microsoft.com/office/drawing/2010/main" val="0"/>
-              </a:ext>
-            </a:extLst>
-          </a:blip>
-          <a:stretch>
-            <a:fillRect/>
-          </a:stretch>
-        </p:blipFill>
+      <p:sp>
+        <p:nvSpPr>
+          <p:cNvPr id="2" name="Title Placeholder 1"/>
+          <p:cNvSpPr>
+            <a:spLocks noGrp="1"/>
+          </p:cNvSpPr>
+          <p:nvPr>
+            <p:ph type="title"/>
+          </p:nvPr>
+        </p:nvSpPr>
         <p:spPr>
           <a:xfrm>
-            <a:off x="0" y="0"/>
-            <a:ext cx="12188825" cy="6856214"/>
+            <a:off x="913795" y="609600"/>
+            <a:ext cx="10353761" cy="1326321"/>
           </a:xfrm>
           <a:prstGeom prst="rect">
             <a:avLst/>
           </a:prstGeom>
         </p:spPr>
-      </p:pic>
-      <p:sp>
-        <p:nvSpPr>
-          <p:cNvPr id="2" name="Title Placeholder 1"/>
-          <p:cNvSpPr>
-            <a:spLocks noGrp="1"/>
-          </p:cNvSpPr>
-          <p:nvPr>
-            <p:ph type="title"/>
-          </p:nvPr>
-        </p:nvSpPr>
-        <p:spPr>
-          <a:xfrm>
-            <a:off x="1295402" y="982132"/>
-            <a:ext cx="9601196" cy="1303867"/>
-          </a:xfrm>
-          <a:prstGeom prst="rect">
-            <a:avLst/>
-          </a:prstGeom>
-          <a:effectLst/>
-        </p:spPr>
         <p:txBody>
           <a:bodyPr vert="horz" lIns="91440" tIns="45720" rIns="91440" bIns="45720" rtlCol="0" anchor="ctr">
             <a:normAutofit/>
@@ -7800,15 +7923,15 @@
         </p:nvSpPr>
         <p:spPr>
           <a:xfrm>
-            <a:off x="1295401" y="2556932"/>
-            <a:ext cx="9601196" cy="3318936"/>
+            <a:off x="913795" y="2096064"/>
+            <a:ext cx="10353762" cy="3695136"/>
           </a:xfrm>
           <a:prstGeom prst="rect">
             <a:avLst/>
           </a:prstGeom>
         </p:spPr>
         <p:txBody>
-          <a:bodyPr vert="horz" lIns="91440" tIns="45720" rIns="91440" bIns="45720" rtlCol="0" anchor="t">
+          <a:bodyPr vert="horz" lIns="91440" tIns="45720" rIns="91440" bIns="45720" rtlCol="0">
             <a:normAutofit/>
           </a:bodyPr>
           <a:lstStyle/>
@@ -7862,8 +7985,8 @@
         </p:nvSpPr>
         <p:spPr>
           <a:xfrm>
-            <a:off x="8677501" y="5969000"/>
-            <a:ext cx="1600200" cy="279400"/>
+            <a:off x="7678736" y="5883275"/>
+            <a:ext cx="2743200" cy="365125"/>
           </a:xfrm>
           <a:prstGeom prst="rect">
             <a:avLst/>
@@ -7873,20 +7996,20 @@
           <a:bodyPr vert="horz" lIns="91440" tIns="45720" rIns="91440" bIns="45720" rtlCol="0" anchor="ctr"/>
           <a:lstStyle>
             <a:lvl1pPr algn="r">
-              <a:defRPr sz="1000" b="0" i="0">
+              <a:defRPr sz="1000">
                 <a:solidFill>
-                  <a:schemeClr val="tx1"/>
+                  <a:schemeClr val="tx1">
+                    <a:tint val="75000"/>
+                  </a:schemeClr>
                 </a:solidFill>
-                <a:effectLst/>
-                <a:latin typeface="+mn-lt"/>
               </a:defRPr>
             </a:lvl1pPr>
           </a:lstStyle>
           <a:p>
             <a:fld id="{B61BEF0D-F0BB-DE4B-95CE-6DB70DBA9567}" type="datetimeFigureOut">
-              <a:rPr lang="en-US" dirty="0"/>
+              <a:rPr lang="en-US" smtClean="0"/>
               <a:pPr/>
-              <a:t>11/18/2018</a:t>
+              <a:t>11/19/2018</a:t>
             </a:fld>
             <a:endParaRPr lang="en-US" dirty="0"/>
           </a:p>
@@ -7904,8 +8027,8 @@
         </p:nvSpPr>
         <p:spPr>
           <a:xfrm>
-            <a:off x="1295401" y="5969000"/>
-            <a:ext cx="7305900" cy="279400"/>
+            <a:off x="913794" y="5883275"/>
+            <a:ext cx="6672865" cy="365125"/>
           </a:xfrm>
           <a:prstGeom prst="rect">
             <a:avLst/>
@@ -7915,12 +8038,12 @@
           <a:bodyPr vert="horz" lIns="91440" tIns="45720" rIns="91440" bIns="45720" rtlCol="0" anchor="ctr"/>
           <a:lstStyle>
             <a:lvl1pPr algn="l">
-              <a:defRPr sz="1000" b="0" i="0">
+              <a:defRPr sz="1000">
                 <a:solidFill>
-                  <a:schemeClr val="tx1"/>
+                  <a:schemeClr val="tx1">
+                    <a:tint val="75000"/>
+                  </a:schemeClr>
                 </a:solidFill>
-                <a:effectLst/>
-                <a:latin typeface="+mn-lt"/>
               </a:defRPr>
             </a:lvl1pPr>
           </a:lstStyle>
@@ -7941,8 +8064,8 @@
         </p:nvSpPr>
         <p:spPr>
           <a:xfrm>
-            <a:off x="10353901" y="5969000"/>
-            <a:ext cx="542697" cy="279400"/>
+            <a:off x="10514011" y="5883275"/>
+            <a:ext cx="753545" cy="365125"/>
           </a:xfrm>
           <a:prstGeom prst="rect">
             <a:avLst/>
@@ -7952,18 +8075,18 @@
           <a:bodyPr vert="horz" lIns="91440" tIns="45720" rIns="91440" bIns="45720" rtlCol="0" anchor="ctr"/>
           <a:lstStyle>
             <a:lvl1pPr algn="r">
-              <a:defRPr sz="1000" b="0" i="0">
+              <a:defRPr sz="1000">
                 <a:solidFill>
-                  <a:schemeClr val="tx1"/>
+                  <a:schemeClr val="tx1">
+                    <a:tint val="75000"/>
+                  </a:schemeClr>
                 </a:solidFill>
-                <a:effectLst/>
-                <a:latin typeface="+mn-lt"/>
               </a:defRPr>
             </a:lvl1pPr>
           </a:lstStyle>
           <a:p>
             <a:fld id="{D57F1E4F-1CFF-5643-939E-217C01CDF565}" type="slidenum">
-              <a:rPr lang="en-US" dirty="0"/>
+              <a:rPr lang="en-US" smtClean="0"/>
               <a:pPr/>
               <a:t>‹#›</a:t>
             </a:fld>
@@ -7972,337 +8095,280 @@
         </p:txBody>
       </p:sp>
     </p:spTree>
+    <p:extLst>
+      <p:ext uri="{BB962C8B-B14F-4D97-AF65-F5344CB8AC3E}">
+        <p14:creationId xmlns:p14="http://schemas.microsoft.com/office/powerpoint/2010/main" val="4020221282"/>
+      </p:ext>
+    </p:extLst>
   </p:cSld>
-  <p:clrMap bg1="lt1" tx1="dk1" bg2="lt2" tx2="dk2" accent1="accent1" accent2="accent2" accent3="accent3" accent4="accent4" accent5="accent5" accent6="accent6" hlink="hlink" folHlink="folHlink"/>
+  <p:clrMap bg1="dk1" tx1="lt1" bg2="dk2" tx2="lt2" accent1="accent1" accent2="accent2" accent3="accent3" accent4="accent4" accent5="accent5" accent6="accent6" hlink="hlink" folHlink="folHlink"/>
   <p:sldLayoutIdLst>
-    <p:sldLayoutId id="2147483649" r:id="rId1"/>
-    <p:sldLayoutId id="2147483668" r:id="rId2"/>
-    <p:sldLayoutId id="2147483651" r:id="rId3"/>
-    <p:sldLayoutId id="2147483669" r:id="rId4"/>
-    <p:sldLayoutId id="2147483653" r:id="rId5"/>
-    <p:sldLayoutId id="2147483654" r:id="rId6"/>
-    <p:sldLayoutId id="2147483655" r:id="rId7"/>
-    <p:sldLayoutId id="2147483656" r:id="rId8"/>
-    <p:sldLayoutId id="2147483660" r:id="rId9"/>
-    <p:sldLayoutId id="2147483657" r:id="rId10"/>
-    <p:sldLayoutId id="2147483663" r:id="rId11"/>
-    <p:sldLayoutId id="2147483664" r:id="rId12"/>
-    <p:sldLayoutId id="2147483665" r:id="rId13"/>
-    <p:sldLayoutId id="2147483666" r:id="rId14"/>
-    <p:sldLayoutId id="2147483667" r:id="rId15"/>
-    <p:sldLayoutId id="2147483658" r:id="rId16"/>
-    <p:sldLayoutId id="2147483659" r:id="rId17"/>
+    <p:sldLayoutId id="2147483671" r:id="rId1"/>
+    <p:sldLayoutId id="2147483672" r:id="rId2"/>
+    <p:sldLayoutId id="2147483673" r:id="rId3"/>
+    <p:sldLayoutId id="2147483674" r:id="rId4"/>
+    <p:sldLayoutId id="2147483675" r:id="rId5"/>
+    <p:sldLayoutId id="2147483676" r:id="rId6"/>
+    <p:sldLayoutId id="2147483677" r:id="rId7"/>
+    <p:sldLayoutId id="2147483678" r:id="rId8"/>
+    <p:sldLayoutId id="2147483679" r:id="rId9"/>
+    <p:sldLayoutId id="2147483680" r:id="rId10"/>
+    <p:sldLayoutId id="2147483681" r:id="rId11"/>
+    <p:sldLayoutId id="2147483682" r:id="rId12"/>
+    <p:sldLayoutId id="2147483683" r:id="rId13"/>
+    <p:sldLayoutId id="2147483684" r:id="rId14"/>
+    <p:sldLayoutId id="2147483685" r:id="rId15"/>
+    <p:sldLayoutId id="2147483686" r:id="rId16"/>
+    <p:sldLayoutId id="2147483687" r:id="rId17"/>
   </p:sldLayoutIdLst>
   <p:txStyles>
     <p:titleStyle>
-      <a:lvl1pPr algn="ctr" defTabSz="457200" rtl="0" eaLnBrk="1" latinLnBrk="0" hangingPunct="1">
+      <a:lvl1pPr algn="ctr" defTabSz="914400" rtl="0" eaLnBrk="1" latinLnBrk="0" hangingPunct="1">
+        <a:lnSpc>
+          <a:spcPct val="90000"/>
+        </a:lnSpc>
         <a:spcBef>
           <a:spcPct val="0"/>
         </a:spcBef>
         <a:buNone/>
-        <a:defRPr sz="4400" kern="1200" cap="none">
-          <a:ln w="3175" cmpd="sng">
-            <a:noFill/>
-          </a:ln>
+        <a:defRPr sz="3400" b="1" i="0" kern="1200" cap="all">
           <a:solidFill>
-            <a:schemeClr val="tx1">
-              <a:lumMod val="85000"/>
-              <a:lumOff val="15000"/>
-            </a:schemeClr>
+            <a:schemeClr val="tx1"/>
           </a:solidFill>
-          <a:effectLst/>
+          <a:effectLst>
+            <a:outerShdw blurRad="50800" dist="63500" dir="2700000" algn="tl" rotWithShape="0">
+              <a:srgbClr val="000000">
+                <a:alpha val="48000"/>
+              </a:srgbClr>
+            </a:outerShdw>
+          </a:effectLst>
           <a:latin typeface="+mj-lt"/>
           <a:ea typeface="+mj-ea"/>
           <a:cs typeface="+mj-cs"/>
         </a:defRPr>
       </a:lvl1pPr>
-      <a:lvl2pPr eaLnBrk="1" hangingPunct="1">
-        <a:defRPr>
-          <a:solidFill>
-            <a:schemeClr val="tx2"/>
-          </a:solidFill>
-        </a:defRPr>
-      </a:lvl2pPr>
-      <a:lvl3pPr eaLnBrk="1" hangingPunct="1">
-        <a:defRPr>
-          <a:solidFill>
-            <a:schemeClr val="tx2"/>
-          </a:solidFill>
-        </a:defRPr>
-      </a:lvl3pPr>
-      <a:lvl4pPr eaLnBrk="1" hangingPunct="1">
-        <a:defRPr>
-          <a:solidFill>
-            <a:schemeClr val="tx2"/>
-          </a:solidFill>
-        </a:defRPr>
-      </a:lvl4pPr>
-      <a:lvl5pPr eaLnBrk="1" hangingPunct="1">
-        <a:defRPr>
-          <a:solidFill>
-            <a:schemeClr val="tx2"/>
-          </a:solidFill>
-        </a:defRPr>
-      </a:lvl5pPr>
-      <a:lvl6pPr eaLnBrk="1" hangingPunct="1">
-        <a:defRPr>
-          <a:solidFill>
-            <a:schemeClr val="tx2"/>
-          </a:solidFill>
-        </a:defRPr>
-      </a:lvl6pPr>
-      <a:lvl7pPr eaLnBrk="1" hangingPunct="1">
-        <a:defRPr>
-          <a:solidFill>
-            <a:schemeClr val="tx2"/>
-          </a:solidFill>
-        </a:defRPr>
-      </a:lvl7pPr>
-      <a:lvl8pPr eaLnBrk="1" hangingPunct="1">
-        <a:defRPr>
-          <a:solidFill>
-            <a:schemeClr val="tx2"/>
-          </a:solidFill>
-        </a:defRPr>
-      </a:lvl8pPr>
-      <a:lvl9pPr eaLnBrk="1" hangingPunct="1">
-        <a:defRPr>
-          <a:solidFill>
-            <a:schemeClr val="tx2"/>
-          </a:solidFill>
-        </a:defRPr>
-      </a:lvl9pPr>
     </p:titleStyle>
     <p:bodyStyle>
-      <a:lvl1pPr marL="285750" indent="-285750" algn="l" defTabSz="457200" rtl="0" eaLnBrk="1" latinLnBrk="0" hangingPunct="1">
+      <a:lvl1pPr marL="228600" indent="-228600" algn="l" defTabSz="914400" rtl="0" eaLnBrk="1" latinLnBrk="0" hangingPunct="1">
+        <a:lnSpc>
+          <a:spcPct val="120000"/>
+        </a:lnSpc>
         <a:spcBef>
-          <a:spcPct val="20000"/>
+          <a:spcPts val="1000"/>
         </a:spcBef>
-        <a:spcAft>
-          <a:spcPts val="600"/>
-        </a:spcAft>
-        <a:buClr>
-          <a:schemeClr val="accent1"/>
-        </a:buClr>
-        <a:buSzPct val="115000"/>
-        <a:buFont typeface="Arial"/>
+        <a:buFont typeface="Arial" panose="020B0604020202020204" pitchFamily="34" charset="0"/>
         <a:buChar char="•"/>
-        <a:defRPr sz="2400" kern="1200" cap="none">
+        <a:defRPr sz="2000" kern="1200">
           <a:solidFill>
-            <a:schemeClr val="tx1">
-              <a:lumMod val="85000"/>
-              <a:lumOff val="15000"/>
-            </a:schemeClr>
+            <a:schemeClr val="tx1"/>
           </a:solidFill>
-          <a:effectLst/>
+          <a:effectLst>
+            <a:outerShdw blurRad="50800" dist="38100" dir="2700000" algn="tl" rotWithShape="0">
+              <a:srgbClr val="000000">
+                <a:alpha val="48000"/>
+              </a:srgbClr>
+            </a:outerShdw>
+          </a:effectLst>
           <a:latin typeface="+mn-lt"/>
           <a:ea typeface="+mn-ea"/>
           <a:cs typeface="+mn-cs"/>
         </a:defRPr>
       </a:lvl1pPr>
-      <a:lvl2pPr marL="742950" indent="-285750" algn="l" defTabSz="457200" rtl="0" eaLnBrk="1" latinLnBrk="0" hangingPunct="1">
+      <a:lvl2pPr marL="685800" indent="-228600" algn="l" defTabSz="914400" rtl="0" eaLnBrk="1" latinLnBrk="0" hangingPunct="1">
+        <a:lnSpc>
+          <a:spcPct val="120000"/>
+        </a:lnSpc>
         <a:spcBef>
-          <a:spcPct val="20000"/>
+          <a:spcPts val="500"/>
         </a:spcBef>
-        <a:spcAft>
-          <a:spcPts val="600"/>
-        </a:spcAft>
-        <a:buClr>
-          <a:schemeClr val="accent1"/>
-        </a:buClr>
-        <a:buSzPct val="115000"/>
-        <a:buFont typeface="Arial"/>
+        <a:buFont typeface="Arial" panose="020B0604020202020204" pitchFamily="34" charset="0"/>
         <a:buChar char="•"/>
-        <a:defRPr sz="2000" kern="1200" cap="none">
+        <a:defRPr sz="1800" kern="1200">
           <a:solidFill>
-            <a:schemeClr val="tx1">
-              <a:lumMod val="85000"/>
-              <a:lumOff val="15000"/>
-            </a:schemeClr>
+            <a:schemeClr val="tx1"/>
           </a:solidFill>
-          <a:effectLst/>
+          <a:effectLst>
+            <a:outerShdw blurRad="50800" dist="38100" dir="2700000" algn="tl" rotWithShape="0">
+              <a:srgbClr val="000000">
+                <a:alpha val="48000"/>
+              </a:srgbClr>
+            </a:outerShdw>
+          </a:effectLst>
           <a:latin typeface="+mn-lt"/>
           <a:ea typeface="+mn-ea"/>
           <a:cs typeface="+mn-cs"/>
         </a:defRPr>
       </a:lvl2pPr>
-      <a:lvl3pPr marL="1200150" indent="-285750" algn="l" defTabSz="457200" rtl="0" eaLnBrk="1" latinLnBrk="0" hangingPunct="1">
+      <a:lvl3pPr marL="1143000" indent="-228600" algn="l" defTabSz="914400" rtl="0" eaLnBrk="1" latinLnBrk="0" hangingPunct="1">
+        <a:lnSpc>
+          <a:spcPct val="120000"/>
+        </a:lnSpc>
         <a:spcBef>
-          <a:spcPct val="20000"/>
+          <a:spcPts val="500"/>
         </a:spcBef>
-        <a:spcAft>
-          <a:spcPts val="600"/>
-        </a:spcAft>
-        <a:buClr>
-          <a:schemeClr val="accent1"/>
-        </a:buClr>
-        <a:buSzPct val="115000"/>
-        <a:buFont typeface="Arial"/>
+        <a:buFont typeface="Arial" panose="020B0604020202020204" pitchFamily="34" charset="0"/>
         <a:buChar char="•"/>
-        <a:defRPr sz="1800" kern="1200" cap="none">
+        <a:defRPr sz="1600" kern="1200">
           <a:solidFill>
-            <a:schemeClr val="tx1">
-              <a:lumMod val="85000"/>
-              <a:lumOff val="15000"/>
-            </a:schemeClr>
+            <a:schemeClr val="tx1"/>
           </a:solidFill>
-          <a:effectLst/>
+          <a:effectLst>
+            <a:outerShdw blurRad="50800" dist="38100" dir="2700000" algn="tl" rotWithShape="0">
+              <a:srgbClr val="000000">
+                <a:alpha val="48000"/>
+              </a:srgbClr>
+            </a:outerShdw>
+          </a:effectLst>
           <a:latin typeface="+mn-lt"/>
           <a:ea typeface="+mn-ea"/>
           <a:cs typeface="+mn-cs"/>
         </a:defRPr>
       </a:lvl3pPr>
-      <a:lvl4pPr marL="1543050" indent="-171450" algn="l" defTabSz="457200" rtl="0" eaLnBrk="1" latinLnBrk="0" hangingPunct="1">
+      <a:lvl4pPr marL="1600200" indent="-228600" algn="l" defTabSz="914400" rtl="0" eaLnBrk="1" latinLnBrk="0" hangingPunct="1">
+        <a:lnSpc>
+          <a:spcPct val="120000"/>
+        </a:lnSpc>
         <a:spcBef>
-          <a:spcPct val="20000"/>
+          <a:spcPts val="500"/>
         </a:spcBef>
-        <a:spcAft>
-          <a:spcPts val="600"/>
-        </a:spcAft>
-        <a:buClr>
-          <a:schemeClr val="accent1"/>
-        </a:buClr>
-        <a:buSzPct val="115000"/>
-        <a:buFont typeface="Arial"/>
+        <a:buFont typeface="Arial" panose="020B0604020202020204" pitchFamily="34" charset="0"/>
         <a:buChar char="•"/>
-        <a:defRPr sz="1600" kern="1200" cap="none">
+        <a:defRPr sz="1400" kern="1200">
           <a:solidFill>
-            <a:schemeClr val="tx1">
-              <a:lumMod val="85000"/>
-              <a:lumOff val="15000"/>
-            </a:schemeClr>
+            <a:schemeClr val="tx1"/>
           </a:solidFill>
-          <a:effectLst/>
+          <a:effectLst>
+            <a:outerShdw blurRad="50800" dist="38100" dir="2700000" algn="tl" rotWithShape="0">
+              <a:srgbClr val="000000">
+                <a:alpha val="48000"/>
+              </a:srgbClr>
+            </a:outerShdw>
+          </a:effectLst>
           <a:latin typeface="+mn-lt"/>
           <a:ea typeface="+mn-ea"/>
           <a:cs typeface="+mn-cs"/>
         </a:defRPr>
       </a:lvl4pPr>
-      <a:lvl5pPr marL="2000250" indent="-171450" algn="l" defTabSz="457200" rtl="0" eaLnBrk="1" latinLnBrk="0" hangingPunct="1">
+      <a:lvl5pPr marL="2057400" indent="-228600" algn="l" defTabSz="914400" rtl="0" eaLnBrk="1" latinLnBrk="0" hangingPunct="1">
+        <a:lnSpc>
+          <a:spcPct val="120000"/>
+        </a:lnSpc>
         <a:spcBef>
-          <a:spcPct val="20000"/>
+          <a:spcPts val="500"/>
         </a:spcBef>
-        <a:spcAft>
-          <a:spcPts val="600"/>
-        </a:spcAft>
-        <a:buClr>
-          <a:schemeClr val="accent1"/>
-        </a:buClr>
-        <a:buSzPct val="115000"/>
-        <a:buFont typeface="Arial"/>
+        <a:buFont typeface="Arial" panose="020B0604020202020204" pitchFamily="34" charset="0"/>
         <a:buChar char="•"/>
-        <a:defRPr sz="1400" kern="1200" cap="none">
+        <a:defRPr sz="1200" kern="1200">
           <a:solidFill>
-            <a:schemeClr val="tx1">
-              <a:lumMod val="85000"/>
-              <a:lumOff val="15000"/>
-            </a:schemeClr>
+            <a:schemeClr val="tx1"/>
           </a:solidFill>
-          <a:effectLst/>
+          <a:effectLst>
+            <a:outerShdw blurRad="50800" dist="38100" dir="2700000" algn="tl" rotWithShape="0">
+              <a:srgbClr val="000000">
+                <a:alpha val="48000"/>
+              </a:srgbClr>
+            </a:outerShdw>
+          </a:effectLst>
           <a:latin typeface="+mn-lt"/>
           <a:ea typeface="+mn-ea"/>
           <a:cs typeface="+mn-cs"/>
         </a:defRPr>
       </a:lvl5pPr>
-      <a:lvl6pPr marL="2514600" indent="-228600" algn="l" defTabSz="457200" rtl="0" eaLnBrk="1" latinLnBrk="0" hangingPunct="1">
+      <a:lvl6pPr marL="2514600" indent="-228600" algn="l" defTabSz="914400" rtl="0" eaLnBrk="1" latinLnBrk="0" hangingPunct="1">
+        <a:lnSpc>
+          <a:spcPct val="120000"/>
+        </a:lnSpc>
         <a:spcBef>
-          <a:spcPct val="20000"/>
+          <a:spcPts val="500"/>
         </a:spcBef>
-        <a:spcAft>
-          <a:spcPts val="600"/>
-        </a:spcAft>
-        <a:buClr>
-          <a:schemeClr val="accent1"/>
-        </a:buClr>
-        <a:buSzPct val="115000"/>
-        <a:buFont typeface="Arial"/>
+        <a:buFont typeface="Arial" panose="020B0604020202020204" pitchFamily="34" charset="0"/>
         <a:buChar char="•"/>
-        <a:defRPr sz="1400" kern="1200" cap="none">
+        <a:defRPr sz="1200" kern="1200">
           <a:solidFill>
-            <a:schemeClr val="tx1">
-              <a:lumMod val="85000"/>
-              <a:lumOff val="15000"/>
-            </a:schemeClr>
+            <a:schemeClr val="tx1"/>
           </a:solidFill>
-          <a:effectLst/>
+          <a:effectLst>
+            <a:outerShdw blurRad="50800" dist="38100" dir="2700000" algn="tl" rotWithShape="0">
+              <a:srgbClr val="000000">
+                <a:alpha val="48000"/>
+              </a:srgbClr>
+            </a:outerShdw>
+          </a:effectLst>
           <a:latin typeface="+mn-lt"/>
           <a:ea typeface="+mn-ea"/>
           <a:cs typeface="+mn-cs"/>
         </a:defRPr>
       </a:lvl6pPr>
-      <a:lvl7pPr marL="2971800" indent="-228600" algn="l" defTabSz="457200" rtl="0" eaLnBrk="1" latinLnBrk="0" hangingPunct="1">
+      <a:lvl7pPr marL="2971800" indent="-228600" algn="l" defTabSz="914400" rtl="0" eaLnBrk="1" latinLnBrk="0" hangingPunct="1">
+        <a:lnSpc>
+          <a:spcPct val="120000"/>
+        </a:lnSpc>
         <a:spcBef>
-          <a:spcPct val="20000"/>
+          <a:spcPts val="500"/>
         </a:spcBef>
-        <a:spcAft>
-          <a:spcPts val="600"/>
-        </a:spcAft>
-        <a:buClr>
-          <a:schemeClr val="accent1"/>
-        </a:buClr>
-        <a:buSzPct val="115000"/>
-        <a:buFont typeface="Arial"/>
+        <a:buFont typeface="Arial" panose="020B0604020202020204" pitchFamily="34" charset="0"/>
         <a:buChar char="•"/>
-        <a:defRPr sz="1400" kern="1200" cap="none">
+        <a:defRPr sz="1200" kern="1200">
           <a:solidFill>
-            <a:schemeClr val="tx1">
-              <a:lumMod val="85000"/>
-              <a:lumOff val="15000"/>
-            </a:schemeClr>
+            <a:schemeClr val="tx1"/>
           </a:solidFill>
-          <a:effectLst/>
+          <a:effectLst>
+            <a:outerShdw blurRad="50800" dist="38100" dir="2700000" algn="tl" rotWithShape="0">
+              <a:srgbClr val="000000">
+                <a:alpha val="48000"/>
+              </a:srgbClr>
+            </a:outerShdw>
+          </a:effectLst>
           <a:latin typeface="+mn-lt"/>
           <a:ea typeface="+mn-ea"/>
           <a:cs typeface="+mn-cs"/>
         </a:defRPr>
       </a:lvl7pPr>
-      <a:lvl8pPr marL="3429000" indent="-228600" algn="l" defTabSz="457200" rtl="0" eaLnBrk="1" latinLnBrk="0" hangingPunct="1">
+      <a:lvl8pPr marL="3429000" indent="-228600" algn="l" defTabSz="914400" rtl="0" eaLnBrk="1" latinLnBrk="0" hangingPunct="1">
+        <a:lnSpc>
+          <a:spcPct val="120000"/>
+        </a:lnSpc>
         <a:spcBef>
-          <a:spcPct val="20000"/>
+          <a:spcPts val="500"/>
         </a:spcBef>
-        <a:spcAft>
-          <a:spcPts val="600"/>
-        </a:spcAft>
-        <a:buClr>
-          <a:schemeClr val="accent1"/>
-        </a:buClr>
-        <a:buSzPct val="115000"/>
-        <a:buFont typeface="Arial"/>
+        <a:buFont typeface="Arial" panose="020B0604020202020204" pitchFamily="34" charset="0"/>
         <a:buChar char="•"/>
-        <a:defRPr sz="1400" kern="1200" cap="none">
+        <a:defRPr sz="1200" kern="1200">
           <a:solidFill>
-            <a:schemeClr val="tx1">
-              <a:lumMod val="85000"/>
-              <a:lumOff val="15000"/>
-            </a:schemeClr>
+            <a:schemeClr val="tx1"/>
           </a:solidFill>
-          <a:effectLst/>
+          <a:effectLst>
+            <a:outerShdw blurRad="50800" dist="38100" dir="2700000" algn="tl" rotWithShape="0">
+              <a:srgbClr val="000000">
+                <a:alpha val="48000"/>
+              </a:srgbClr>
+            </a:outerShdw>
+          </a:effectLst>
           <a:latin typeface="+mn-lt"/>
           <a:ea typeface="+mn-ea"/>
           <a:cs typeface="+mn-cs"/>
         </a:defRPr>
       </a:lvl8pPr>
-      <a:lvl9pPr marL="3886200" indent="-228600" algn="l" defTabSz="457200" rtl="0" eaLnBrk="1" latinLnBrk="0" hangingPunct="1">
+      <a:lvl9pPr marL="3886200" indent="-228600" algn="l" defTabSz="914400" rtl="0" eaLnBrk="1" latinLnBrk="0" hangingPunct="1">
+        <a:lnSpc>
+          <a:spcPct val="120000"/>
+        </a:lnSpc>
         <a:spcBef>
-          <a:spcPct val="20000"/>
+          <a:spcPts val="500"/>
         </a:spcBef>
-        <a:spcAft>
-          <a:spcPts val="600"/>
-        </a:spcAft>
-        <a:buClr>
-          <a:schemeClr val="accent1"/>
-        </a:buClr>
-        <a:buSzPct val="115000"/>
-        <a:buFont typeface="Arial"/>
+        <a:buFont typeface="Arial" panose="020B0604020202020204" pitchFamily="34" charset="0"/>
         <a:buChar char="•"/>
-        <a:defRPr sz="1400" kern="1200" cap="none">
+        <a:defRPr sz="1200" kern="1200">
           <a:solidFill>
-            <a:schemeClr val="tx1">
-              <a:lumMod val="85000"/>
-              <a:lumOff val="15000"/>
-            </a:schemeClr>
+            <a:schemeClr val="tx1"/>
           </a:solidFill>
-          <a:effectLst/>
+          <a:effectLst>
+            <a:outerShdw blurRad="50800" dist="38100" dir="2700000" algn="tl" rotWithShape="0">
+              <a:srgbClr val="000000">
+                <a:alpha val="48000"/>
+              </a:srgbClr>
+            </a:outerShdw>
+          </a:effectLst>
           <a:latin typeface="+mn-lt"/>
           <a:ea typeface="+mn-ea"/>
           <a:cs typeface="+mn-cs"/>
@@ -8313,7 +8379,7 @@
       <a:defPPr>
         <a:defRPr lang="en-US"/>
       </a:defPPr>
-      <a:lvl1pPr marL="0" algn="l" defTabSz="457200" rtl="0" eaLnBrk="1" latinLnBrk="0" hangingPunct="1">
+      <a:lvl1pPr marL="0" algn="l" defTabSz="914400" rtl="0" eaLnBrk="1" latinLnBrk="0" hangingPunct="1">
         <a:defRPr sz="1800" kern="1200">
           <a:solidFill>
             <a:schemeClr val="tx1"/>
@@ -8323,7 +8389,7 @@
           <a:cs typeface="+mn-cs"/>
         </a:defRPr>
       </a:lvl1pPr>
-      <a:lvl2pPr marL="457200" algn="l" defTabSz="457200" rtl="0" eaLnBrk="1" latinLnBrk="0" hangingPunct="1">
+      <a:lvl2pPr marL="457200" algn="l" defTabSz="914400" rtl="0" eaLnBrk="1" latinLnBrk="0" hangingPunct="1">
         <a:defRPr sz="1800" kern="1200">
           <a:solidFill>
             <a:schemeClr val="tx1"/>
@@ -8333,7 +8399,7 @@
           <a:cs typeface="+mn-cs"/>
         </a:defRPr>
       </a:lvl2pPr>
-      <a:lvl3pPr marL="914400" algn="l" defTabSz="457200" rtl="0" eaLnBrk="1" latinLnBrk="0" hangingPunct="1">
+      <a:lvl3pPr marL="914400" algn="l" defTabSz="914400" rtl="0" eaLnBrk="1" latinLnBrk="0" hangingPunct="1">
         <a:defRPr sz="1800" kern="1200">
           <a:solidFill>
             <a:schemeClr val="tx1"/>
@@ -8343,7 +8409,7 @@
           <a:cs typeface="+mn-cs"/>
         </a:defRPr>
       </a:lvl3pPr>
-      <a:lvl4pPr marL="1371600" algn="l" defTabSz="457200" rtl="0" eaLnBrk="1" latinLnBrk="0" hangingPunct="1">
+      <a:lvl4pPr marL="1371600" algn="l" defTabSz="914400" rtl="0" eaLnBrk="1" latinLnBrk="0" hangingPunct="1">
         <a:defRPr sz="1800" kern="1200">
           <a:solidFill>
             <a:schemeClr val="tx1"/>
@@ -8353,7 +8419,7 @@
           <a:cs typeface="+mn-cs"/>
         </a:defRPr>
       </a:lvl4pPr>
-      <a:lvl5pPr marL="1828800" algn="l" defTabSz="457200" rtl="0" eaLnBrk="1" latinLnBrk="0" hangingPunct="1">
+      <a:lvl5pPr marL="1828800" algn="l" defTabSz="914400" rtl="0" eaLnBrk="1" latinLnBrk="0" hangingPunct="1">
         <a:defRPr sz="1800" kern="1200">
           <a:solidFill>
             <a:schemeClr val="tx1"/>
@@ -8363,7 +8429,7 @@
           <a:cs typeface="+mn-cs"/>
         </a:defRPr>
       </a:lvl5pPr>
-      <a:lvl6pPr marL="2286000" algn="l" defTabSz="457200" rtl="0" eaLnBrk="1" latinLnBrk="0" hangingPunct="1">
+      <a:lvl6pPr marL="2286000" algn="l" defTabSz="914400" rtl="0" eaLnBrk="1" latinLnBrk="0" hangingPunct="1">
         <a:defRPr sz="1800" kern="1200">
           <a:solidFill>
             <a:schemeClr val="tx1"/>
@@ -8373,7 +8439,7 @@
           <a:cs typeface="+mn-cs"/>
         </a:defRPr>
       </a:lvl6pPr>
-      <a:lvl7pPr marL="2743200" algn="l" defTabSz="457200" rtl="0" eaLnBrk="1" latinLnBrk="0" hangingPunct="1">
+      <a:lvl7pPr marL="2743200" algn="l" defTabSz="914400" rtl="0" eaLnBrk="1" latinLnBrk="0" hangingPunct="1">
         <a:defRPr sz="1800" kern="1200">
           <a:solidFill>
             <a:schemeClr val="tx1"/>
@@ -8383,7 +8449,7 @@
           <a:cs typeface="+mn-cs"/>
         </a:defRPr>
       </a:lvl7pPr>
-      <a:lvl8pPr marL="3200400" algn="l" defTabSz="457200" rtl="0" eaLnBrk="1" latinLnBrk="0" hangingPunct="1">
+      <a:lvl8pPr marL="3200400" algn="l" defTabSz="914400" rtl="0" eaLnBrk="1" latinLnBrk="0" hangingPunct="1">
         <a:defRPr sz="1800" kern="1200">
           <a:solidFill>
             <a:schemeClr val="tx1"/>
@@ -8393,7 +8459,7 @@
           <a:cs typeface="+mn-cs"/>
         </a:defRPr>
       </a:lvl8pPr>
-      <a:lvl9pPr marL="3657600" algn="l" defTabSz="457200" rtl="0" eaLnBrk="1" latinLnBrk="0" hangingPunct="1">
+      <a:lvl9pPr marL="3657600" algn="l" defTabSz="914400" rtl="0" eaLnBrk="1" latinLnBrk="0" hangingPunct="1">
         <a:defRPr sz="1800" kern="1200">
           <a:solidFill>
             <a:schemeClr val="tx1"/>
@@ -8441,7 +8507,12 @@
             <p:ph type="ctrTitle"/>
           </p:nvPr>
         </p:nvSpPr>
-        <p:spPr/>
+        <p:spPr>
+          <a:xfrm>
+            <a:off x="1578335" y="165629"/>
+            <a:ext cx="9001462" cy="2387600"/>
+          </a:xfrm>
+        </p:spPr>
         <p:txBody>
           <a:bodyPr/>
           <a:lstStyle/>
@@ -8470,7 +8541,12 @@
             <p:ph type="subTitle" idx="1"/>
           </p:nvPr>
         </p:nvSpPr>
-        <p:spPr/>
+        <p:spPr>
+          <a:xfrm>
+            <a:off x="1595269" y="3602038"/>
+            <a:ext cx="9001462" cy="1655762"/>
+          </a:xfrm>
+        </p:spPr>
         <p:txBody>
           <a:bodyPr/>
           <a:lstStyle/>
@@ -8481,16 +8557,15 @@
             </a:pPr>
             <a:r>
               <a:rPr lang="en-US" dirty="0"/>
-              <a:t>forecasting energy prices by market and region </a:t>
-            </a:r>
-            <a:r>
-              <a:rPr lang="en-US"/>
-              <a:t>one day </a:t>
-            </a:r>
-            <a:r>
-              <a:rPr lang="en-US" dirty="0"/>
-              <a:t>ahead and comparing to real-time pricing to make a purchasing decision at a certain point in time</a:t>
-            </a:r>
+              <a:t>forecasting energy Real Time prices by market and region one day ahead and comparing to Day Ahead pricing to make a purchasing decision at a certain point in time</a:t>
+            </a:r>
+          </a:p>
+          <a:p>
+            <a:pPr marL="342900" indent="-342900" algn="just">
+              <a:buFont typeface="Arial" panose="020B0604020202020204" pitchFamily="34" charset="0"/>
+              <a:buChar char="•"/>
+            </a:pPr>
+            <a:endParaRPr lang="en-US" dirty="0"/>
           </a:p>
         </p:txBody>
       </p:sp>
@@ -8529,6 +8604,122 @@
           <p:cNvPr id="2" name="Title 1">
             <a:extLst>
               <a:ext uri="{FF2B5EF4-FFF2-40B4-BE49-F238E27FC236}">
+                <a16:creationId xmlns:a16="http://schemas.microsoft.com/office/drawing/2014/main" id="{B2751884-B382-4051-8784-542B0B1ABA64}"/>
+              </a:ext>
+            </a:extLst>
+          </p:cNvPr>
+          <p:cNvSpPr>
+            <a:spLocks noGrp="1"/>
+          </p:cNvSpPr>
+          <p:nvPr>
+            <p:ph type="title"/>
+          </p:nvPr>
+        </p:nvSpPr>
+        <p:spPr/>
+        <p:txBody>
+          <a:bodyPr/>
+          <a:lstStyle/>
+          <a:p>
+            <a:r>
+              <a:rPr lang="en-US" dirty="0"/>
+              <a:t>Factors that Affect Real Time Pricing</a:t>
+            </a:r>
+          </a:p>
+        </p:txBody>
+      </p:sp>
+      <p:sp>
+        <p:nvSpPr>
+          <p:cNvPr id="3" name="Content Placeholder 2">
+            <a:extLst>
+              <a:ext uri="{FF2B5EF4-FFF2-40B4-BE49-F238E27FC236}">
+                <a16:creationId xmlns:a16="http://schemas.microsoft.com/office/drawing/2014/main" id="{CB8E4DEB-28FD-46EA-93C3-53F0A8288EFD}"/>
+              </a:ext>
+            </a:extLst>
+          </p:cNvPr>
+          <p:cNvSpPr>
+            <a:spLocks noGrp="1"/>
+          </p:cNvSpPr>
+          <p:nvPr>
+            <p:ph idx="1"/>
+          </p:nvPr>
+        </p:nvSpPr>
+        <p:spPr/>
+        <p:txBody>
+          <a:bodyPr/>
+          <a:lstStyle/>
+          <a:p>
+            <a:r>
+              <a:rPr lang="en-US" dirty="0"/>
+              <a:t>Energy load demand</a:t>
+            </a:r>
+          </a:p>
+          <a:p>
+            <a:r>
+              <a:rPr lang="en-US" dirty="0"/>
+              <a:t>Temperature</a:t>
+            </a:r>
+          </a:p>
+          <a:p>
+            <a:r>
+              <a:rPr lang="en-US" dirty="0"/>
+              <a:t>Precipitation</a:t>
+            </a:r>
+          </a:p>
+          <a:p>
+            <a:r>
+              <a:rPr lang="en-US" dirty="0"/>
+              <a:t>Humidity </a:t>
+            </a:r>
+          </a:p>
+          <a:p>
+            <a:r>
+              <a:rPr lang="en-US" dirty="0"/>
+              <a:t>Time during the day</a:t>
+            </a:r>
+          </a:p>
+          <a:p>
+            <a:endParaRPr lang="en-US" dirty="0"/>
+          </a:p>
+          <a:p>
+            <a:endParaRPr lang="en-US" dirty="0"/>
+          </a:p>
+        </p:txBody>
+      </p:sp>
+    </p:spTree>
+    <p:extLst>
+      <p:ext uri="{BB962C8B-B14F-4D97-AF65-F5344CB8AC3E}">
+        <p14:creationId xmlns:p14="http://schemas.microsoft.com/office/powerpoint/2010/main" val="4236915877"/>
+      </p:ext>
+    </p:extLst>
+  </p:cSld>
+  <p:clrMapOvr>
+    <a:masterClrMapping/>
+  </p:clrMapOvr>
+</p:sld>
+</file>
+
+<file path=ppt/slides/slide11.xml><?xml version="1.0" encoding="utf-8"?>
+<p:sld xmlns:a="http://schemas.openxmlformats.org/drawingml/2006/main" xmlns:r="http://schemas.openxmlformats.org/officeDocument/2006/relationships" xmlns:p="http://schemas.openxmlformats.org/presentationml/2006/main">
+  <p:cSld>
+    <p:spTree>
+      <p:nvGrpSpPr>
+        <p:cNvPr id="1" name=""/>
+        <p:cNvGrpSpPr/>
+        <p:nvPr/>
+      </p:nvGrpSpPr>
+      <p:grpSpPr>
+        <a:xfrm>
+          <a:off x="0" y="0"/>
+          <a:ext cx="0" cy="0"/>
+          <a:chOff x="0" y="0"/>
+          <a:chExt cx="0" cy="0"/>
+        </a:xfrm>
+      </p:grpSpPr>
+      <p:sp>
+        <p:nvSpPr>
+          <p:cNvPr id="2" name="Title 1">
+            <a:extLst>
+              <a:ext uri="{FF2B5EF4-FFF2-40B4-BE49-F238E27FC236}">
                 <a16:creationId xmlns:a16="http://schemas.microsoft.com/office/drawing/2014/main" id="{F3871C14-EDB1-4CBA-B56F-3F4C137CEE08}"/>
               </a:ext>
             </a:extLst>
@@ -8574,8 +8765,8 @@
         </p:blipFill>
         <p:spPr>
           <a:xfrm>
-            <a:off x="514080" y="2446249"/>
-            <a:ext cx="5377673" cy="3585115"/>
+            <a:off x="125236" y="2187019"/>
+            <a:ext cx="5766518" cy="3844345"/>
           </a:xfrm>
           <a:prstGeom prst="rect">
             <a:avLst/>
@@ -8604,8 +8795,8 @@
         </p:blipFill>
         <p:spPr>
           <a:xfrm>
-            <a:off x="6218549" y="2521666"/>
-            <a:ext cx="5311569" cy="3541046"/>
+            <a:off x="6218549" y="2187019"/>
+            <a:ext cx="5813540" cy="3875693"/>
           </a:xfrm>
           <a:prstGeom prst="rect">
             <a:avLst/>
@@ -8625,7 +8816,7 @@
 </p:sld>
 </file>
 
-<file path=ppt/slides/slide11.xml><?xml version="1.0" encoding="utf-8"?>
+<file path=ppt/slides/slide12.xml><?xml version="1.0" encoding="utf-8"?>
 <p:sld xmlns:a="http://schemas.openxmlformats.org/drawingml/2006/main" xmlns:r="http://schemas.openxmlformats.org/officeDocument/2006/relationships" xmlns:p="http://schemas.openxmlformats.org/presentationml/2006/main">
   <p:cSld>
     <p:spTree>
@@ -8705,8 +8896,8 @@
         </p:blipFill>
         <p:spPr>
           <a:xfrm>
-            <a:off x="6096000" y="2285999"/>
-            <a:ext cx="5487650" cy="3658433"/>
+            <a:off x="6335278" y="2285998"/>
+            <a:ext cx="5785704" cy="3857135"/>
           </a:xfrm>
           <a:prstGeom prst="rect">
             <a:avLst/>
@@ -8735,8 +8926,8 @@
         </p:blipFill>
         <p:spPr>
           <a:xfrm>
-            <a:off x="608350" y="2285999"/>
-            <a:ext cx="5487650" cy="3658433"/>
+            <a:off x="80448" y="2285999"/>
+            <a:ext cx="5776276" cy="3850850"/>
           </a:xfrm>
           <a:prstGeom prst="rect">
             <a:avLst/>
@@ -8747,112 +8938,6 @@
     <p:extLst>
       <p:ext uri="{BB962C8B-B14F-4D97-AF65-F5344CB8AC3E}">
         <p14:creationId xmlns:p14="http://schemas.microsoft.com/office/powerpoint/2010/main" val="534836937"/>
-      </p:ext>
-    </p:extLst>
-  </p:cSld>
-  <p:clrMapOvr>
-    <a:masterClrMapping/>
-  </p:clrMapOvr>
-</p:sld>
-</file>
-
-<file path=ppt/slides/slide12.xml><?xml version="1.0" encoding="utf-8"?>
-<p:sld xmlns:a="http://schemas.openxmlformats.org/drawingml/2006/main" xmlns:r="http://schemas.openxmlformats.org/officeDocument/2006/relationships" xmlns:p="http://schemas.openxmlformats.org/presentationml/2006/main">
-  <p:cSld>
-    <p:spTree>
-      <p:nvGrpSpPr>
-        <p:cNvPr id="1" name=""/>
-        <p:cNvGrpSpPr/>
-        <p:nvPr/>
-      </p:nvGrpSpPr>
-      <p:grpSpPr>
-        <a:xfrm>
-          <a:off x="0" y="0"/>
-          <a:ext cx="0" cy="0"/>
-          <a:chOff x="0" y="0"/>
-          <a:chExt cx="0" cy="0"/>
-        </a:xfrm>
-      </p:grpSpPr>
-      <p:sp>
-        <p:nvSpPr>
-          <p:cNvPr id="2" name="Title 1">
-            <a:extLst>
-              <a:ext uri="{FF2B5EF4-FFF2-40B4-BE49-F238E27FC236}">
-                <a16:creationId xmlns:a16="http://schemas.microsoft.com/office/drawing/2014/main" id="{4A131675-B2EC-40D0-B6D2-23AEBA564AE0}"/>
-              </a:ext>
-            </a:extLst>
-          </p:cNvPr>
-          <p:cNvSpPr>
-            <a:spLocks noGrp="1"/>
-          </p:cNvSpPr>
-          <p:nvPr>
-            <p:ph type="title"/>
-          </p:nvPr>
-        </p:nvSpPr>
-        <p:spPr/>
-        <p:txBody>
-          <a:bodyPr/>
-          <a:lstStyle/>
-          <a:p>
-            <a:r>
-              <a:rPr lang="en-US" dirty="0"/>
-              <a:t>Data Sources</a:t>
-            </a:r>
-          </a:p>
-        </p:txBody>
-      </p:sp>
-      <p:sp>
-        <p:nvSpPr>
-          <p:cNvPr id="3" name="Content Placeholder 2">
-            <a:extLst>
-              <a:ext uri="{FF2B5EF4-FFF2-40B4-BE49-F238E27FC236}">
-                <a16:creationId xmlns:a16="http://schemas.microsoft.com/office/drawing/2014/main" id="{57012406-AEF4-4E33-8DDC-B21EB712AE33}"/>
-              </a:ext>
-            </a:extLst>
-          </p:cNvPr>
-          <p:cNvSpPr>
-            <a:spLocks noGrp="1"/>
-          </p:cNvSpPr>
-          <p:nvPr>
-            <p:ph idx="1"/>
-          </p:nvPr>
-        </p:nvSpPr>
-        <p:spPr/>
-        <p:txBody>
-          <a:bodyPr/>
-          <a:lstStyle/>
-          <a:p>
-            <a:r>
-              <a:rPr lang="en-US" dirty="0"/>
-              <a:t>PJM historical hourly pricing data</a:t>
-            </a:r>
-          </a:p>
-          <a:p>
-            <a:r>
-              <a:rPr lang="en-US" dirty="0"/>
-              <a:t>Weather data (World Weather API @ https://www.apixu.com/api.aspx)</a:t>
-            </a:r>
-          </a:p>
-          <a:p>
-            <a:pPr lvl="1"/>
-            <a:r>
-              <a:rPr lang="en-US" dirty="0"/>
-              <a:t>Historical</a:t>
-            </a:r>
-          </a:p>
-          <a:p>
-            <a:pPr lvl="1"/>
-            <a:r>
-              <a:rPr lang="en-US" dirty="0"/>
-              <a:t>1 day ahead forecasted</a:t>
-            </a:r>
-          </a:p>
-        </p:txBody>
-      </p:sp>
-    </p:spTree>
-    <p:extLst>
-      <p:ext uri="{BB962C8B-B14F-4D97-AF65-F5344CB8AC3E}">
-        <p14:creationId xmlns:p14="http://schemas.microsoft.com/office/powerpoint/2010/main" val="1141256643"/>
       </p:ext>
     </p:extLst>
   </p:cSld>
@@ -8884,129 +8969,6 @@
           <p:cNvPr id="2" name="Title 1">
             <a:extLst>
               <a:ext uri="{FF2B5EF4-FFF2-40B4-BE49-F238E27FC236}">
-                <a16:creationId xmlns:a16="http://schemas.microsoft.com/office/drawing/2014/main" id="{F39FA0D0-4306-46C2-8B19-F587F2761C40}"/>
-              </a:ext>
-            </a:extLst>
-          </p:cNvPr>
-          <p:cNvSpPr>
-            <a:spLocks noGrp="1"/>
-          </p:cNvSpPr>
-          <p:nvPr>
-            <p:ph type="title"/>
-          </p:nvPr>
-        </p:nvSpPr>
-        <p:spPr>
-          <a:xfrm>
-            <a:off x="1295402" y="982132"/>
-            <a:ext cx="9601196" cy="1303867"/>
-          </a:xfrm>
-        </p:spPr>
-        <p:txBody>
-          <a:bodyPr/>
-          <a:lstStyle/>
-          <a:p>
-            <a:r>
-              <a:rPr lang="en-US" dirty="0"/>
-              <a:t>Approach</a:t>
-            </a:r>
-          </a:p>
-        </p:txBody>
-      </p:sp>
-      <p:sp>
-        <p:nvSpPr>
-          <p:cNvPr id="3" name="Content Placeholder 2">
-            <a:extLst>
-              <a:ext uri="{FF2B5EF4-FFF2-40B4-BE49-F238E27FC236}">
-                <a16:creationId xmlns:a16="http://schemas.microsoft.com/office/drawing/2014/main" id="{3CBA9FF9-854B-439C-A28D-65BC6D95FEB8}"/>
-              </a:ext>
-            </a:extLst>
-          </p:cNvPr>
-          <p:cNvSpPr>
-            <a:spLocks noGrp="1"/>
-          </p:cNvSpPr>
-          <p:nvPr>
-            <p:ph idx="1"/>
-          </p:nvPr>
-        </p:nvSpPr>
-        <p:spPr/>
-        <p:txBody>
-          <a:bodyPr>
-            <a:normAutofit lnSpcReduction="10000"/>
-          </a:bodyPr>
-          <a:lstStyle/>
-          <a:p>
-            <a:r>
-              <a:rPr lang="en-US" dirty="0"/>
-              <a:t>Obtain and combine historical pricing, load forecast and weather data </a:t>
-            </a:r>
-          </a:p>
-          <a:p>
-            <a:r>
-              <a:rPr lang="en-US" dirty="0"/>
-              <a:t>Step wise regression in Minitab</a:t>
-            </a:r>
-          </a:p>
-          <a:p>
-            <a:r>
-              <a:rPr lang="en-US" dirty="0"/>
-              <a:t>Store regression weights in a data frame</a:t>
-            </a:r>
-          </a:p>
-          <a:p>
-            <a:r>
-              <a:rPr lang="en-US" dirty="0"/>
-              <a:t>Get request for tomorrow’s forecasted weather</a:t>
-            </a:r>
-          </a:p>
-          <a:p>
-            <a:r>
-              <a:rPr lang="en-US" dirty="0"/>
-              <a:t>Forecast tomorrow’s hourly real time pricing and compare to day ahead market pricing</a:t>
-            </a:r>
-          </a:p>
-          <a:p>
-            <a:r>
-              <a:rPr lang="en-US" dirty="0"/>
-              <a:t>Make a buy recommendation each hour </a:t>
-            </a:r>
-          </a:p>
-        </p:txBody>
-      </p:sp>
-    </p:spTree>
-    <p:extLst>
-      <p:ext uri="{BB962C8B-B14F-4D97-AF65-F5344CB8AC3E}">
-        <p14:creationId xmlns:p14="http://schemas.microsoft.com/office/powerpoint/2010/main" val="615951625"/>
-      </p:ext>
-    </p:extLst>
-  </p:cSld>
-  <p:clrMapOvr>
-    <a:masterClrMapping/>
-  </p:clrMapOvr>
-</p:sld>
-</file>
-
-<file path=ppt/slides/slide14.xml><?xml version="1.0" encoding="utf-8"?>
-<p:sld xmlns:a="http://schemas.openxmlformats.org/drawingml/2006/main" xmlns:r="http://schemas.openxmlformats.org/officeDocument/2006/relationships" xmlns:p="http://schemas.openxmlformats.org/presentationml/2006/main">
-  <p:cSld>
-    <p:spTree>
-      <p:nvGrpSpPr>
-        <p:cNvPr id="1" name=""/>
-        <p:cNvGrpSpPr/>
-        <p:nvPr/>
-      </p:nvGrpSpPr>
-      <p:grpSpPr>
-        <a:xfrm>
-          <a:off x="0" y="0"/>
-          <a:ext cx="0" cy="0"/>
-          <a:chOff x="0" y="0"/>
-          <a:chExt cx="0" cy="0"/>
-        </a:xfrm>
-      </p:grpSpPr>
-      <p:sp>
-        <p:nvSpPr>
-          <p:cNvPr id="2" name="Title 1">
-            <a:extLst>
-              <a:ext uri="{FF2B5EF4-FFF2-40B4-BE49-F238E27FC236}">
                 <a16:creationId xmlns:a16="http://schemas.microsoft.com/office/drawing/2014/main" id="{4041EBDB-2732-4F2B-A0E8-8135530CE457}"/>
               </a:ext>
             </a:extLst>
@@ -9096,7 +9058,7 @@
             <a:pPr lvl="1"/>
             <a:r>
               <a:rPr lang="en-US" dirty="0"/>
-              <a:t>Hour of the Day\</a:t>
+              <a:t>Hour of the Day</a:t>
             </a:r>
           </a:p>
         </p:txBody>
@@ -9144,6 +9106,130 @@
 </p:sld>
 </file>
 
+<file path=ppt/slides/slide14.xml><?xml version="1.0" encoding="utf-8"?>
+<p:sld xmlns:a="http://schemas.openxmlformats.org/drawingml/2006/main" xmlns:r="http://schemas.openxmlformats.org/officeDocument/2006/relationships" xmlns:p="http://schemas.openxmlformats.org/presentationml/2006/main">
+  <p:cSld>
+    <p:spTree>
+      <p:nvGrpSpPr>
+        <p:cNvPr id="1" name=""/>
+        <p:cNvGrpSpPr/>
+        <p:nvPr/>
+      </p:nvGrpSpPr>
+      <p:grpSpPr>
+        <a:xfrm>
+          <a:off x="0" y="0"/>
+          <a:ext cx="0" cy="0"/>
+          <a:chOff x="0" y="0"/>
+          <a:chExt cx="0" cy="0"/>
+        </a:xfrm>
+      </p:grpSpPr>
+      <p:sp>
+        <p:nvSpPr>
+          <p:cNvPr id="2" name="Title 1">
+            <a:extLst>
+              <a:ext uri="{FF2B5EF4-FFF2-40B4-BE49-F238E27FC236}">
+                <a16:creationId xmlns:a16="http://schemas.microsoft.com/office/drawing/2014/main" id="{9BEFE763-4E25-4B92-954E-40726CE6EBF9}"/>
+              </a:ext>
+            </a:extLst>
+          </p:cNvPr>
+          <p:cNvSpPr>
+            <a:spLocks noGrp="1"/>
+          </p:cNvSpPr>
+          <p:nvPr>
+            <p:ph type="title"/>
+          </p:nvPr>
+        </p:nvSpPr>
+        <p:spPr>
+          <a:xfrm>
+            <a:off x="1295402" y="982133"/>
+            <a:ext cx="9601196" cy="676985"/>
+          </a:xfrm>
+        </p:spPr>
+        <p:txBody>
+          <a:bodyPr>
+            <a:normAutofit fontScale="90000"/>
+          </a:bodyPr>
+          <a:lstStyle/>
+          <a:p>
+            <a:r>
+              <a:rPr lang="en-US" dirty="0"/>
+              <a:t>Forecasted Hourly Real Time Price 11/14/18 </a:t>
+            </a:r>
+          </a:p>
+        </p:txBody>
+      </p:sp>
+      <p:pic>
+        <p:nvPicPr>
+          <p:cNvPr id="11" name="Content Placeholder 10">
+            <a:extLst>
+              <a:ext uri="{FF2B5EF4-FFF2-40B4-BE49-F238E27FC236}">
+                <a16:creationId xmlns:a16="http://schemas.microsoft.com/office/drawing/2014/main" id="{50E8C177-A8E1-46BF-961A-FC517DEA123B}"/>
+              </a:ext>
+            </a:extLst>
+          </p:cNvPr>
+          <p:cNvPicPr>
+            <a:picLocks noGrp="1" noChangeAspect="1"/>
+          </p:cNvPicPr>
+          <p:nvPr>
+            <p:ph idx="1"/>
+          </p:nvPr>
+        </p:nvPicPr>
+        <p:blipFill>
+          <a:blip r:embed="rId2"/>
+          <a:stretch>
+            <a:fillRect/>
+          </a:stretch>
+        </p:blipFill>
+        <p:spPr>
+          <a:xfrm>
+            <a:off x="5927916" y="2099733"/>
+            <a:ext cx="5739059" cy="3945883"/>
+          </a:xfrm>
+        </p:spPr>
+      </p:pic>
+      <p:pic>
+        <p:nvPicPr>
+          <p:cNvPr id="5" name="Content Placeholder 4" descr="A close up of text on a white background&#10;&#10;Description generated with high confidence">
+            <a:extLst>
+              <a:ext uri="{FF2B5EF4-FFF2-40B4-BE49-F238E27FC236}">
+                <a16:creationId xmlns:a16="http://schemas.microsoft.com/office/drawing/2014/main" id="{0AB6FB17-6857-4AC0-9733-0525B3373DAE}"/>
+              </a:ext>
+            </a:extLst>
+          </p:cNvPr>
+          <p:cNvPicPr>
+            <a:picLocks noGrp="1" noChangeAspect="1"/>
+          </p:cNvPicPr>
+          <p:nvPr/>
+        </p:nvPicPr>
+        <p:blipFill>
+          <a:blip r:embed="rId3"/>
+          <a:stretch>
+            <a:fillRect/>
+          </a:stretch>
+        </p:blipFill>
+        <p:spPr>
+          <a:xfrm>
+            <a:off x="251884" y="2056227"/>
+            <a:ext cx="5319184" cy="3989389"/>
+          </a:xfrm>
+          <a:prstGeom prst="rect">
+            <a:avLst/>
+          </a:prstGeom>
+        </p:spPr>
+      </p:pic>
+    </p:spTree>
+    <p:extLst>
+      <p:ext uri="{BB962C8B-B14F-4D97-AF65-F5344CB8AC3E}">
+        <p14:creationId xmlns:p14="http://schemas.microsoft.com/office/powerpoint/2010/main" val="3328872971"/>
+      </p:ext>
+    </p:extLst>
+  </p:cSld>
+  <p:clrMapOvr>
+    <a:masterClrMapping/>
+  </p:clrMapOvr>
+</p:sld>
+</file>
+
 <file path=ppt/slides/slide15.xml><?xml version="1.0" encoding="utf-8"?>
 <p:sld xmlns:a="http://schemas.openxmlformats.org/drawingml/2006/main" xmlns:r="http://schemas.openxmlformats.org/officeDocument/2006/relationships" xmlns:p="http://schemas.openxmlformats.org/presentationml/2006/main">
   <p:cSld>
@@ -9166,7 +9252,7 @@
           <p:cNvPr id="2" name="Title 1">
             <a:extLst>
               <a:ext uri="{FF2B5EF4-FFF2-40B4-BE49-F238E27FC236}">
-                <a16:creationId xmlns:a16="http://schemas.microsoft.com/office/drawing/2014/main" id="{9BEFE763-4E25-4B92-954E-40726CE6EBF9}"/>
+                <a16:creationId xmlns:a16="http://schemas.microsoft.com/office/drawing/2014/main" id="{203067B6-72FC-481A-A251-6DB04135B58E}"/>
               </a:ext>
             </a:extLst>
           </p:cNvPr>
@@ -9177,31 +9263,26 @@
             <p:ph type="title"/>
           </p:nvPr>
         </p:nvSpPr>
-        <p:spPr>
-          <a:xfrm>
-            <a:off x="1295402" y="982133"/>
-            <a:ext cx="9601196" cy="676985"/>
-          </a:xfrm>
-        </p:spPr>
+        <p:spPr/>
         <p:txBody>
           <a:bodyPr>
-            <a:normAutofit fontScale="90000"/>
+            <a:normAutofit/>
           </a:bodyPr>
           <a:lstStyle/>
           <a:p>
             <a:r>
               <a:rPr lang="en-US" dirty="0"/>
-              <a:t>Forecasted Hourly Real Time Price 11/20/18 </a:t>
+              <a:t>Forecasted Real Time Market Price vs Next Day Market Price</a:t>
             </a:r>
           </a:p>
         </p:txBody>
       </p:sp>
       <p:pic>
         <p:nvPicPr>
-          <p:cNvPr id="11" name="Content Placeholder 10">
+          <p:cNvPr id="17" name="Content Placeholder 16" descr="A picture containing text&#10;&#10;Description generated with very high confidence">
             <a:extLst>
               <a:ext uri="{FF2B5EF4-FFF2-40B4-BE49-F238E27FC236}">
-                <a16:creationId xmlns:a16="http://schemas.microsoft.com/office/drawing/2014/main" id="{50E8C177-A8E1-46BF-961A-FC517DEA123B}"/>
+                <a16:creationId xmlns:a16="http://schemas.microsoft.com/office/drawing/2014/main" id="{A8F7B01A-C978-458D-8F65-A1FC65912587}"/>
               </a:ext>
             </a:extLst>
           </p:cNvPr>
@@ -9220,45 +9301,15 @@
         </p:blipFill>
         <p:spPr>
           <a:xfrm>
-            <a:off x="6096000" y="2215299"/>
-            <a:ext cx="5570975" cy="3830317"/>
+            <a:off x="3347412" y="2114133"/>
+            <a:ext cx="5487650" cy="3658433"/>
           </a:xfrm>
-        </p:spPr>
-      </p:pic>
-      <p:pic>
-        <p:nvPicPr>
-          <p:cNvPr id="13" name="Picture 12">
-            <a:extLst>
-              <a:ext uri="{FF2B5EF4-FFF2-40B4-BE49-F238E27FC236}">
-                <a16:creationId xmlns:a16="http://schemas.microsoft.com/office/drawing/2014/main" id="{D33DED09-C32A-4DD6-AA96-221A526E21A2}"/>
-              </a:ext>
-            </a:extLst>
-          </p:cNvPr>
-          <p:cNvPicPr>
-            <a:picLocks noChangeAspect="1"/>
-          </p:cNvPicPr>
-          <p:nvPr/>
-        </p:nvPicPr>
-        <p:blipFill>
-          <a:blip r:embed="rId3"/>
-          <a:stretch>
-            <a:fillRect/>
-          </a:stretch>
-        </p:blipFill>
-        <p:spPr>
-          <a:xfrm>
-            <a:off x="514704" y="2215299"/>
-            <a:ext cx="5581295" cy="3830317"/>
-          </a:xfrm>
-          <a:prstGeom prst="rect">
-            <a:avLst/>
-          </a:prstGeom>
         </p:spPr>
       </p:pic>
     </p:spTree>
     <p:extLst>
       <p:ext uri="{BB962C8B-B14F-4D97-AF65-F5344CB8AC3E}">
-        <p14:creationId xmlns:p14="http://schemas.microsoft.com/office/powerpoint/2010/main" val="3328872971"/>
+        <p14:creationId xmlns:p14="http://schemas.microsoft.com/office/powerpoint/2010/main" val="466597928"/>
       </p:ext>
     </p:extLst>
   </p:cSld>
@@ -9290,95 +9341,6 @@
           <p:cNvPr id="2" name="Title 1">
             <a:extLst>
               <a:ext uri="{FF2B5EF4-FFF2-40B4-BE49-F238E27FC236}">
-                <a16:creationId xmlns:a16="http://schemas.microsoft.com/office/drawing/2014/main" id="{203067B6-72FC-481A-A251-6DB04135B58E}"/>
-              </a:ext>
-            </a:extLst>
-          </p:cNvPr>
-          <p:cNvSpPr>
-            <a:spLocks noGrp="1"/>
-          </p:cNvSpPr>
-          <p:nvPr>
-            <p:ph type="title"/>
-          </p:nvPr>
-        </p:nvSpPr>
-        <p:spPr/>
-        <p:txBody>
-          <a:bodyPr>
-            <a:normAutofit fontScale="90000"/>
-          </a:bodyPr>
-          <a:lstStyle/>
-          <a:p>
-            <a:r>
-              <a:rPr lang="en-US" dirty="0"/>
-              <a:t>Forecasted Real Time Market Price vs Next Day Market Price</a:t>
-            </a:r>
-          </a:p>
-        </p:txBody>
-      </p:sp>
-      <p:pic>
-        <p:nvPicPr>
-          <p:cNvPr id="17" name="Content Placeholder 16" descr="A picture containing text&#10;&#10;Description generated with very high confidence">
-            <a:extLst>
-              <a:ext uri="{FF2B5EF4-FFF2-40B4-BE49-F238E27FC236}">
-                <a16:creationId xmlns:a16="http://schemas.microsoft.com/office/drawing/2014/main" id="{A8F7B01A-C978-458D-8F65-A1FC65912587}"/>
-              </a:ext>
-            </a:extLst>
-          </p:cNvPr>
-          <p:cNvPicPr>
-            <a:picLocks noGrp="1" noChangeAspect="1"/>
-          </p:cNvPicPr>
-          <p:nvPr>
-            <p:ph idx="1"/>
-          </p:nvPr>
-        </p:nvPicPr>
-        <p:blipFill>
-          <a:blip r:embed="rId2"/>
-          <a:stretch>
-            <a:fillRect/>
-          </a:stretch>
-        </p:blipFill>
-        <p:spPr>
-          <a:xfrm>
-            <a:off x="3607594" y="2557463"/>
-            <a:ext cx="4976812" cy="3317875"/>
-          </a:xfrm>
-        </p:spPr>
-      </p:pic>
-    </p:spTree>
-    <p:extLst>
-      <p:ext uri="{BB962C8B-B14F-4D97-AF65-F5344CB8AC3E}">
-        <p14:creationId xmlns:p14="http://schemas.microsoft.com/office/powerpoint/2010/main" val="466597928"/>
-      </p:ext>
-    </p:extLst>
-  </p:cSld>
-  <p:clrMapOvr>
-    <a:masterClrMapping/>
-  </p:clrMapOvr>
-</p:sld>
-</file>
-
-<file path=ppt/slides/slide17.xml><?xml version="1.0" encoding="utf-8"?>
-<p:sld xmlns:a="http://schemas.openxmlformats.org/drawingml/2006/main" xmlns:r="http://schemas.openxmlformats.org/officeDocument/2006/relationships" xmlns:p="http://schemas.openxmlformats.org/presentationml/2006/main">
-  <p:cSld>
-    <p:spTree>
-      <p:nvGrpSpPr>
-        <p:cNvPr id="1" name=""/>
-        <p:cNvGrpSpPr/>
-        <p:nvPr/>
-      </p:nvGrpSpPr>
-      <p:grpSpPr>
-        <a:xfrm>
-          <a:off x="0" y="0"/>
-          <a:ext cx="0" cy="0"/>
-          <a:chOff x="0" y="0"/>
-          <a:chExt cx="0" cy="0"/>
-        </a:xfrm>
-      </p:grpSpPr>
-      <p:sp>
-        <p:nvSpPr>
-          <p:cNvPr id="2" name="Title 1">
-            <a:extLst>
-              <a:ext uri="{FF2B5EF4-FFF2-40B4-BE49-F238E27FC236}">
                 <a16:creationId xmlns:a16="http://schemas.microsoft.com/office/drawing/2014/main" id="{2A7F6AB8-6627-4563-B4F3-CB9B1707CB50}"/>
               </a:ext>
             </a:extLst>
@@ -9446,11 +9408,15 @@
             <a:graphicFrameLocks noGrp="1"/>
           </p:cNvGraphicFramePr>
           <p:nvPr>
-            <p:extLst/>
+            <p:extLst>
+              <p:ext uri="{D42A27DB-BD31-4B8C-83A1-F6EECF244321}">
+                <p14:modId xmlns:p14="http://schemas.microsoft.com/office/powerpoint/2010/main" val="2550175784"/>
+              </p:ext>
+            </p:extLst>
           </p:nvPr>
         </p:nvGraphicFramePr>
         <p:xfrm>
-          <a:off x="1280160" y="4211321"/>
+          <a:off x="1280160" y="3504309"/>
           <a:ext cx="9601200" cy="1935480"/>
         </p:xfrm>
         <a:graphic>
@@ -9558,9 +9524,9 @@
                     <a:p>
                       <a:pPr algn="r" fontAlgn="b"/>
                       <a:r>
-                        <a:rPr lang="en-US" sz="1600" b="0" i="0" u="none" strike="noStrike">
+                        <a:rPr lang="en-US" sz="1600" b="0" i="0" u="none" strike="noStrike" baseline="0">
                           <a:solidFill>
-                            <a:srgbClr val="000000"/>
+                            <a:schemeClr val="tx1"/>
                           </a:solidFill>
                           <a:effectLst/>
                           <a:latin typeface="Calibri" panose="020F0502020204030204" pitchFamily="34" charset="0"/>
@@ -9591,9 +9557,9 @@
                     <a:p>
                       <a:pPr algn="ctr" fontAlgn="b"/>
                       <a:r>
-                        <a:rPr lang="en-US" sz="1600" b="0" i="0" u="none" strike="noStrike">
+                        <a:rPr lang="en-US" sz="1600" b="0" i="0" u="none" strike="noStrike" baseline="0">
                           <a:solidFill>
-                            <a:srgbClr val="000000"/>
+                            <a:schemeClr val="tx1"/>
                           </a:solidFill>
                           <a:effectLst/>
                           <a:latin typeface="Calibri" panose="020F0502020204030204" pitchFamily="34" charset="0"/>
@@ -9624,9 +9590,9 @@
                     <a:p>
                       <a:pPr algn="ctr" fontAlgn="b"/>
                       <a:r>
-                        <a:rPr lang="en-US" sz="1600" b="0" i="0" u="none" strike="noStrike">
+                        <a:rPr lang="en-US" sz="1600" b="0" i="0" u="none" strike="noStrike" baseline="0">
                           <a:solidFill>
-                            <a:srgbClr val="000000"/>
+                            <a:schemeClr val="tx1"/>
                           </a:solidFill>
                           <a:effectLst/>
                           <a:latin typeface="Calibri" panose="020F0502020204030204" pitchFamily="34" charset="0"/>
@@ -9657,9 +9623,9 @@
                     <a:p>
                       <a:pPr algn="ctr" fontAlgn="b"/>
                       <a:r>
-                        <a:rPr lang="en-US" sz="1600" b="0" i="0" u="none" strike="noStrike">
+                        <a:rPr lang="en-US" sz="1600" b="0" i="0" u="none" strike="noStrike" baseline="0" dirty="0">
                           <a:solidFill>
-                            <a:srgbClr val="000000"/>
+                            <a:schemeClr val="tx1"/>
                           </a:solidFill>
                           <a:effectLst/>
                           <a:latin typeface="Calibri" panose="020F0502020204030204" pitchFamily="34" charset="0"/>
@@ -9690,9 +9656,9 @@
                     <a:p>
                       <a:pPr algn="ctr" fontAlgn="b"/>
                       <a:r>
-                        <a:rPr lang="en-US" sz="1600" b="0" i="0" u="none" strike="noStrike">
+                        <a:rPr lang="en-US" sz="1600" b="0" i="0" u="none" strike="noStrike" baseline="0">
                           <a:solidFill>
-                            <a:srgbClr val="000000"/>
+                            <a:schemeClr val="tx1"/>
                           </a:solidFill>
                           <a:effectLst/>
                           <a:latin typeface="Calibri" panose="020F0502020204030204" pitchFamily="34" charset="0"/>
@@ -9723,9 +9689,9 @@
                     <a:p>
                       <a:pPr algn="ctr" fontAlgn="b"/>
                       <a:r>
-                        <a:rPr lang="en-US" sz="1600" b="0" i="0" u="none" strike="noStrike">
+                        <a:rPr lang="en-US" sz="1600" b="0" i="0" u="none" strike="noStrike" baseline="0">
                           <a:solidFill>
-                            <a:srgbClr val="000000"/>
+                            <a:schemeClr val="tx1"/>
                           </a:solidFill>
                           <a:effectLst/>
                           <a:latin typeface="Calibri" panose="020F0502020204030204" pitchFamily="34" charset="0"/>
@@ -9756,9 +9722,9 @@
                     <a:p>
                       <a:pPr algn="ctr" fontAlgn="b"/>
                       <a:r>
-                        <a:rPr lang="en-US" sz="1600" b="0" i="0" u="none" strike="noStrike">
+                        <a:rPr lang="en-US" sz="1600" b="0" i="0" u="none" strike="noStrike" baseline="0">
                           <a:solidFill>
-                            <a:srgbClr val="000000"/>
+                            <a:schemeClr val="tx1"/>
                           </a:solidFill>
                           <a:effectLst/>
                           <a:latin typeface="Calibri" panose="020F0502020204030204" pitchFamily="34" charset="0"/>
@@ -9789,9 +9755,9 @@
                     <a:p>
                       <a:pPr algn="ctr" fontAlgn="b"/>
                       <a:r>
-                        <a:rPr lang="en-US" sz="1600" b="0" i="0" u="none" strike="noStrike">
+                        <a:rPr lang="en-US" sz="1600" b="0" i="0" u="none" strike="noStrike" baseline="0">
                           <a:solidFill>
-                            <a:srgbClr val="000000"/>
+                            <a:schemeClr val="tx1"/>
                           </a:solidFill>
                           <a:effectLst/>
                           <a:latin typeface="Calibri" panose="020F0502020204030204" pitchFamily="34" charset="0"/>
@@ -9822,9 +9788,9 @@
                     <a:p>
                       <a:pPr algn="ctr" fontAlgn="b"/>
                       <a:r>
-                        <a:rPr lang="en-US" sz="1600" b="0" i="0" u="none" strike="noStrike">
+                        <a:rPr lang="en-US" sz="1600" b="0" i="0" u="none" strike="noStrike" baseline="0">
                           <a:solidFill>
-                            <a:srgbClr val="000000"/>
+                            <a:schemeClr val="tx1"/>
                           </a:solidFill>
                           <a:effectLst/>
                           <a:latin typeface="Calibri" panose="020F0502020204030204" pitchFamily="34" charset="0"/>
@@ -9855,9 +9821,9 @@
                     <a:p>
                       <a:pPr algn="ctr" fontAlgn="b"/>
                       <a:r>
-                        <a:rPr lang="en-US" sz="1600" b="0" i="0" u="none" strike="noStrike">
+                        <a:rPr lang="en-US" sz="1600" b="0" i="0" u="none" strike="noStrike" baseline="0">
                           <a:solidFill>
-                            <a:srgbClr val="000000"/>
+                            <a:schemeClr val="tx1"/>
                           </a:solidFill>
                           <a:effectLst/>
                           <a:latin typeface="Calibri" panose="020F0502020204030204" pitchFamily="34" charset="0"/>
@@ -9888,9 +9854,9 @@
                     <a:p>
                       <a:pPr algn="ctr" fontAlgn="b"/>
                       <a:r>
-                        <a:rPr lang="en-US" sz="1600" b="0" i="0" u="none" strike="noStrike">
+                        <a:rPr lang="en-US" sz="1600" b="0" i="0" u="none" strike="noStrike" baseline="0">
                           <a:solidFill>
-                            <a:srgbClr val="000000"/>
+                            <a:schemeClr val="tx1"/>
                           </a:solidFill>
                           <a:effectLst/>
                           <a:latin typeface="Calibri" panose="020F0502020204030204" pitchFamily="34" charset="0"/>
@@ -9921,9 +9887,9 @@
                     <a:p>
                       <a:pPr algn="ctr" fontAlgn="b"/>
                       <a:r>
-                        <a:rPr lang="en-US" sz="1600" b="0" i="0" u="none" strike="noStrike">
+                        <a:rPr lang="en-US" sz="1600" b="0" i="0" u="none" strike="noStrike" baseline="0">
                           <a:solidFill>
-                            <a:srgbClr val="000000"/>
+                            <a:schemeClr val="tx1"/>
                           </a:solidFill>
                           <a:effectLst/>
                           <a:latin typeface="Calibri" panose="020F0502020204030204" pitchFamily="34" charset="0"/>
@@ -9954,9 +9920,9 @@
                     <a:p>
                       <a:pPr algn="ctr" fontAlgn="b"/>
                       <a:r>
-                        <a:rPr lang="en-US" sz="1600" b="0" i="0" u="none" strike="noStrike">
+                        <a:rPr lang="en-US" sz="1600" b="0" i="0" u="none" strike="noStrike" baseline="0">
                           <a:solidFill>
-                            <a:srgbClr val="000000"/>
+                            <a:schemeClr val="tx1"/>
                           </a:solidFill>
                           <a:effectLst/>
                           <a:latin typeface="Calibri" panose="020F0502020204030204" pitchFamily="34" charset="0"/>
@@ -9994,9 +9960,9 @@
                     <a:p>
                       <a:pPr algn="r" fontAlgn="b"/>
                       <a:r>
-                        <a:rPr lang="en-US" sz="1600" b="0" i="0" u="none" strike="noStrike">
+                        <a:rPr lang="en-US" sz="1600" b="0" i="0" u="none" strike="noStrike" baseline="0">
                           <a:solidFill>
-                            <a:srgbClr val="000000"/>
+                            <a:schemeClr val="tx1"/>
                           </a:solidFill>
                           <a:effectLst/>
                           <a:latin typeface="Calibri" panose="020F0502020204030204" pitchFamily="34" charset="0"/>
@@ -10027,9 +9993,9 @@
                     <a:p>
                       <a:pPr algn="ctr" fontAlgn="b"/>
                       <a:r>
-                        <a:rPr lang="en-US" sz="1600" b="0" i="0" u="none" strike="noStrike">
+                        <a:rPr lang="en-US" sz="1600" b="0" i="0" u="none" strike="noStrike" baseline="0">
                           <a:solidFill>
-                            <a:srgbClr val="000000"/>
+                            <a:schemeClr val="tx1"/>
                           </a:solidFill>
                           <a:effectLst/>
                           <a:latin typeface="Calibri" panose="020F0502020204030204" pitchFamily="34" charset="0"/>
@@ -10060,9 +10026,9 @@
                     <a:p>
                       <a:pPr algn="ctr" fontAlgn="b"/>
                       <a:r>
-                        <a:rPr lang="en-US" sz="1600" b="0" i="0" u="none" strike="noStrike">
+                        <a:rPr lang="en-US" sz="1600" b="0" i="0" u="none" strike="noStrike" baseline="0">
                           <a:solidFill>
-                            <a:srgbClr val="000000"/>
+                            <a:schemeClr val="tx1"/>
                           </a:solidFill>
                           <a:effectLst/>
                           <a:latin typeface="Calibri" panose="020F0502020204030204" pitchFamily="34" charset="0"/>
@@ -10093,9 +10059,9 @@
                     <a:p>
                       <a:pPr algn="ctr" fontAlgn="b"/>
                       <a:r>
-                        <a:rPr lang="en-US" sz="1600" b="0" i="0" u="none" strike="noStrike">
+                        <a:rPr lang="en-US" sz="1600" b="0" i="0" u="none" strike="noStrike" baseline="0">
                           <a:solidFill>
-                            <a:srgbClr val="000000"/>
+                            <a:schemeClr val="tx1"/>
                           </a:solidFill>
                           <a:effectLst/>
                           <a:latin typeface="Calibri" panose="020F0502020204030204" pitchFamily="34" charset="0"/>
@@ -10126,9 +10092,9 @@
                     <a:p>
                       <a:pPr algn="ctr" fontAlgn="b"/>
                       <a:r>
-                        <a:rPr lang="en-US" sz="1600" b="0" i="0" u="none" strike="noStrike">
+                        <a:rPr lang="en-US" sz="1600" b="0" i="0" u="none" strike="noStrike" baseline="0">
                           <a:solidFill>
-                            <a:srgbClr val="000000"/>
+                            <a:schemeClr val="tx1"/>
                           </a:solidFill>
                           <a:effectLst/>
                           <a:latin typeface="Calibri" panose="020F0502020204030204" pitchFamily="34" charset="0"/>
@@ -10159,9 +10125,9 @@
                     <a:p>
                       <a:pPr algn="ctr" fontAlgn="b"/>
                       <a:r>
-                        <a:rPr lang="en-US" sz="1600" b="0" i="0" u="none" strike="noStrike">
+                        <a:rPr lang="en-US" sz="1600" b="0" i="0" u="none" strike="noStrike" baseline="0">
                           <a:solidFill>
-                            <a:srgbClr val="000000"/>
+                            <a:schemeClr val="tx1"/>
                           </a:solidFill>
                           <a:effectLst/>
                           <a:latin typeface="Calibri" panose="020F0502020204030204" pitchFamily="34" charset="0"/>
@@ -10192,9 +10158,9 @@
                     <a:p>
                       <a:pPr algn="ctr" fontAlgn="b"/>
                       <a:r>
-                        <a:rPr lang="en-US" sz="1600" b="0" i="0" u="none" strike="noStrike">
+                        <a:rPr lang="en-US" sz="1600" b="0" i="0" u="none" strike="noStrike" baseline="0">
                           <a:solidFill>
-                            <a:srgbClr val="000000"/>
+                            <a:schemeClr val="tx1"/>
                           </a:solidFill>
                           <a:effectLst/>
                           <a:latin typeface="Calibri" panose="020F0502020204030204" pitchFamily="34" charset="0"/>
@@ -10225,9 +10191,9 @@
                     <a:p>
                       <a:pPr algn="ctr" fontAlgn="b"/>
                       <a:r>
-                        <a:rPr lang="en-US" sz="1600" b="0" i="0" u="none" strike="noStrike" dirty="0">
+                        <a:rPr lang="en-US" sz="1600" b="0" i="0" u="none" strike="noStrike" baseline="0" dirty="0">
                           <a:solidFill>
-                            <a:srgbClr val="000000"/>
+                            <a:schemeClr val="tx1"/>
                           </a:solidFill>
                           <a:effectLst/>
                           <a:latin typeface="Calibri" panose="020F0502020204030204" pitchFamily="34" charset="0"/>
@@ -10258,9 +10224,9 @@
                     <a:p>
                       <a:pPr algn="ctr" fontAlgn="b"/>
                       <a:r>
-                        <a:rPr lang="en-US" sz="1600" b="0" i="0" u="none" strike="noStrike" dirty="0">
+                        <a:rPr lang="en-US" sz="1600" b="0" i="0" u="none" strike="noStrike" baseline="0" dirty="0">
                           <a:solidFill>
-                            <a:srgbClr val="000000"/>
+                            <a:schemeClr val="tx1"/>
                           </a:solidFill>
                           <a:effectLst/>
                           <a:latin typeface="Calibri" panose="020F0502020204030204" pitchFamily="34" charset="0"/>
@@ -10291,9 +10257,9 @@
                     <a:p>
                       <a:pPr algn="ctr" fontAlgn="b"/>
                       <a:r>
-                        <a:rPr lang="en-US" sz="1600" b="0" i="0" u="none" strike="noStrike">
+                        <a:rPr lang="en-US" sz="1600" b="0" i="0" u="none" strike="noStrike" baseline="0">
                           <a:solidFill>
-                            <a:srgbClr val="000000"/>
+                            <a:schemeClr val="tx1"/>
                           </a:solidFill>
                           <a:effectLst/>
                           <a:latin typeface="Calibri" panose="020F0502020204030204" pitchFamily="34" charset="0"/>
@@ -10324,9 +10290,9 @@
                     <a:p>
                       <a:pPr algn="ctr" fontAlgn="b"/>
                       <a:r>
-                        <a:rPr lang="en-US" sz="1600" b="0" i="0" u="none" strike="noStrike">
+                        <a:rPr lang="en-US" sz="1600" b="0" i="0" u="none" strike="noStrike" baseline="0">
                           <a:solidFill>
-                            <a:srgbClr val="000000"/>
+                            <a:schemeClr val="tx1"/>
                           </a:solidFill>
                           <a:effectLst/>
                           <a:latin typeface="Calibri" panose="020F0502020204030204" pitchFamily="34" charset="0"/>
@@ -10357,9 +10323,9 @@
                     <a:p>
                       <a:pPr algn="ctr" fontAlgn="b"/>
                       <a:r>
-                        <a:rPr lang="en-US" sz="1600" b="0" i="0" u="none" strike="noStrike">
+                        <a:rPr lang="en-US" sz="1600" b="0" i="0" u="none" strike="noStrike" baseline="0">
                           <a:solidFill>
-                            <a:srgbClr val="000000"/>
+                            <a:schemeClr val="tx1"/>
                           </a:solidFill>
                           <a:effectLst/>
                           <a:latin typeface="Calibri" panose="020F0502020204030204" pitchFamily="34" charset="0"/>
@@ -10390,9 +10356,9 @@
                     <a:p>
                       <a:pPr algn="ctr" fontAlgn="b"/>
                       <a:r>
-                        <a:rPr lang="en-US" sz="1600" b="0" i="0" u="none" strike="noStrike">
+                        <a:rPr lang="en-US" sz="1600" b="0" i="0" u="none" strike="noStrike" baseline="0">
                           <a:solidFill>
-                            <a:srgbClr val="000000"/>
+                            <a:schemeClr val="tx1"/>
                           </a:solidFill>
                           <a:effectLst/>
                           <a:latin typeface="Calibri" panose="020F0502020204030204" pitchFamily="34" charset="0"/>
@@ -10429,9 +10395,9 @@
                     <a:lstStyle/>
                     <a:p>
                       <a:pPr algn="r" fontAlgn="b"/>
-                      <a:endParaRPr lang="en-US" sz="1600" b="0" i="0" u="none" strike="noStrike">
+                      <a:endParaRPr lang="en-US" sz="1600" b="0" i="0" u="none" strike="noStrike" baseline="0">
                         <a:solidFill>
-                          <a:srgbClr val="000000"/>
+                          <a:schemeClr val="tx1"/>
                         </a:solidFill>
                         <a:effectLst/>
                         <a:latin typeface="Calibri" panose="020F0502020204030204" pitchFamily="34" charset="0"/>
@@ -10459,9 +10425,9 @@
                     <a:lstStyle/>
                     <a:p>
                       <a:pPr algn="l" fontAlgn="b"/>
-                      <a:endParaRPr lang="en-US" sz="1600" b="0" i="0" u="none" strike="noStrike">
+                      <a:endParaRPr lang="en-US" sz="1600" b="0" i="0" u="none" strike="noStrike" baseline="0">
                         <a:solidFill>
-                          <a:srgbClr val="000000"/>
+                          <a:schemeClr val="tx1"/>
                         </a:solidFill>
                         <a:effectLst/>
                         <a:latin typeface="Calibri" panose="020F0502020204030204" pitchFamily="34" charset="0"/>
@@ -10489,9 +10455,9 @@
                     <a:lstStyle/>
                     <a:p>
                       <a:pPr algn="l" fontAlgn="b"/>
-                      <a:endParaRPr lang="en-US" sz="1600" b="0" i="0" u="none" strike="noStrike">
+                      <a:endParaRPr lang="en-US" sz="1600" b="0" i="0" u="none" strike="noStrike" baseline="0">
                         <a:solidFill>
-                          <a:srgbClr val="000000"/>
+                          <a:schemeClr val="tx1"/>
                         </a:solidFill>
                         <a:effectLst/>
                         <a:latin typeface="Calibri" panose="020F0502020204030204" pitchFamily="34" charset="0"/>
@@ -10519,9 +10485,9 @@
                     <a:lstStyle/>
                     <a:p>
                       <a:pPr algn="l" fontAlgn="b"/>
-                      <a:endParaRPr lang="en-US" sz="1600" b="0" i="0" u="none" strike="noStrike">
+                      <a:endParaRPr lang="en-US" sz="1600" b="0" i="0" u="none" strike="noStrike" baseline="0">
                         <a:solidFill>
-                          <a:srgbClr val="000000"/>
+                          <a:schemeClr val="tx1"/>
                         </a:solidFill>
                         <a:effectLst/>
                         <a:latin typeface="Calibri" panose="020F0502020204030204" pitchFamily="34" charset="0"/>
@@ -10549,9 +10515,9 @@
                     <a:lstStyle/>
                     <a:p>
                       <a:pPr algn="l" fontAlgn="b"/>
-                      <a:endParaRPr lang="en-US" sz="1600" b="0" i="0" u="none" strike="noStrike">
+                      <a:endParaRPr lang="en-US" sz="1600" b="0" i="0" u="none" strike="noStrike" baseline="0">
                         <a:solidFill>
-                          <a:srgbClr val="000000"/>
+                          <a:schemeClr val="tx1"/>
                         </a:solidFill>
                         <a:effectLst/>
                         <a:latin typeface="Calibri" panose="020F0502020204030204" pitchFamily="34" charset="0"/>
@@ -10579,9 +10545,9 @@
                     <a:lstStyle/>
                     <a:p>
                       <a:pPr algn="l" fontAlgn="b"/>
-                      <a:endParaRPr lang="en-US" sz="1600" b="0" i="0" u="none" strike="noStrike">
+                      <a:endParaRPr lang="en-US" sz="1600" b="0" i="0" u="none" strike="noStrike" baseline="0">
                         <a:solidFill>
-                          <a:srgbClr val="000000"/>
+                          <a:schemeClr val="tx1"/>
                         </a:solidFill>
                         <a:effectLst/>
                         <a:latin typeface="Calibri" panose="020F0502020204030204" pitchFamily="34" charset="0"/>
@@ -10609,9 +10575,9 @@
                     <a:lstStyle/>
                     <a:p>
                       <a:pPr algn="l" fontAlgn="b"/>
-                      <a:endParaRPr lang="en-US" sz="1600" b="0" i="0" u="none" strike="noStrike">
+                      <a:endParaRPr lang="en-US" sz="1600" b="0" i="0" u="none" strike="noStrike" baseline="0">
                         <a:solidFill>
-                          <a:srgbClr val="000000"/>
+                          <a:schemeClr val="tx1"/>
                         </a:solidFill>
                         <a:effectLst/>
                         <a:latin typeface="Calibri" panose="020F0502020204030204" pitchFamily="34" charset="0"/>
@@ -10639,9 +10605,9 @@
                     <a:lstStyle/>
                     <a:p>
                       <a:pPr algn="l" fontAlgn="b"/>
-                      <a:endParaRPr lang="en-US" sz="1600" b="0" i="0" u="none" strike="noStrike">
+                      <a:endParaRPr lang="en-US" sz="1600" b="0" i="0" u="none" strike="noStrike" baseline="0">
                         <a:solidFill>
-                          <a:srgbClr val="000000"/>
+                          <a:schemeClr val="tx1"/>
                         </a:solidFill>
                         <a:effectLst/>
                         <a:latin typeface="Calibri" panose="020F0502020204030204" pitchFamily="34" charset="0"/>
@@ -10669,9 +10635,9 @@
                     <a:lstStyle/>
                     <a:p>
                       <a:pPr algn="l" fontAlgn="b"/>
-                      <a:endParaRPr lang="en-US" sz="1600" b="0" i="0" u="none" strike="noStrike">
+                      <a:endParaRPr lang="en-US" sz="1600" b="0" i="0" u="none" strike="noStrike" baseline="0">
                         <a:solidFill>
-                          <a:srgbClr val="000000"/>
+                          <a:schemeClr val="tx1"/>
                         </a:solidFill>
                         <a:effectLst/>
                         <a:latin typeface="Calibri" panose="020F0502020204030204" pitchFamily="34" charset="0"/>
@@ -10699,9 +10665,9 @@
                     <a:lstStyle/>
                     <a:p>
                       <a:pPr algn="l" fontAlgn="b"/>
-                      <a:endParaRPr lang="en-US" sz="1600" b="0" i="0" u="none" strike="noStrike" dirty="0">
+                      <a:endParaRPr lang="en-US" sz="1600" b="0" i="0" u="none" strike="noStrike" baseline="0" dirty="0">
                         <a:solidFill>
-                          <a:srgbClr val="000000"/>
+                          <a:schemeClr val="tx1"/>
                         </a:solidFill>
                         <a:effectLst/>
                         <a:latin typeface="Calibri" panose="020F0502020204030204" pitchFamily="34" charset="0"/>
@@ -10729,9 +10695,9 @@
                     <a:lstStyle/>
                     <a:p>
                       <a:pPr algn="l" fontAlgn="b"/>
-                      <a:endParaRPr lang="en-US" sz="1600" b="0" i="0" u="none" strike="noStrike">
+                      <a:endParaRPr lang="en-US" sz="1600" b="0" i="0" u="none" strike="noStrike" baseline="0">
                         <a:solidFill>
-                          <a:srgbClr val="000000"/>
+                          <a:schemeClr val="tx1"/>
                         </a:solidFill>
                         <a:effectLst/>
                         <a:latin typeface="Calibri" panose="020F0502020204030204" pitchFamily="34" charset="0"/>
@@ -10759,9 +10725,9 @@
                     <a:lstStyle/>
                     <a:p>
                       <a:pPr algn="l" fontAlgn="b"/>
-                      <a:endParaRPr lang="en-US" sz="1600" b="0" i="0" u="none" strike="noStrike">
+                      <a:endParaRPr lang="en-US" sz="1600" b="0" i="0" u="none" strike="noStrike" baseline="0">
                         <a:solidFill>
-                          <a:srgbClr val="000000"/>
+                          <a:schemeClr val="tx1"/>
                         </a:solidFill>
                         <a:effectLst/>
                         <a:latin typeface="Calibri" panose="020F0502020204030204" pitchFamily="34" charset="0"/>
@@ -10789,9 +10755,9 @@
                     <a:lstStyle/>
                     <a:p>
                       <a:pPr algn="l" fontAlgn="b"/>
-                      <a:endParaRPr lang="en-US" sz="1600" b="0" i="0" u="none" strike="noStrike">
+                      <a:endParaRPr lang="en-US" sz="1600" b="0" i="0" u="none" strike="noStrike" baseline="0">
                         <a:solidFill>
-                          <a:srgbClr val="000000"/>
+                          <a:schemeClr val="tx1"/>
                         </a:solidFill>
                         <a:effectLst/>
                         <a:latin typeface="Calibri" panose="020F0502020204030204" pitchFamily="34" charset="0"/>
@@ -10827,9 +10793,9 @@
                     <a:p>
                       <a:pPr algn="r" fontAlgn="b"/>
                       <a:r>
-                        <a:rPr lang="en-US" sz="1600" b="0" i="0" u="none" strike="noStrike">
+                        <a:rPr lang="en-US" sz="1600" b="0" i="0" u="none" strike="noStrike" baseline="0">
                           <a:solidFill>
-                            <a:srgbClr val="000000"/>
+                            <a:schemeClr val="tx1"/>
                           </a:solidFill>
                           <a:effectLst/>
                           <a:latin typeface="Calibri" panose="020F0502020204030204" pitchFamily="34" charset="0"/>
@@ -10860,9 +10826,9 @@
                     <a:p>
                       <a:pPr algn="ctr" fontAlgn="b"/>
                       <a:r>
-                        <a:rPr lang="en-US" sz="1600" b="0" i="0" u="none" strike="noStrike">
+                        <a:rPr lang="en-US" sz="1600" b="0" i="0" u="none" strike="noStrike" baseline="0">
                           <a:solidFill>
-                            <a:srgbClr val="000000"/>
+                            <a:schemeClr val="tx1"/>
                           </a:solidFill>
                           <a:effectLst/>
                           <a:latin typeface="Calibri" panose="020F0502020204030204" pitchFamily="34" charset="0"/>
@@ -10893,9 +10859,9 @@
                     <a:p>
                       <a:pPr algn="ctr" fontAlgn="b"/>
                       <a:r>
-                        <a:rPr lang="en-US" sz="1600" b="0" i="0" u="none" strike="noStrike">
+                        <a:rPr lang="en-US" sz="1600" b="0" i="0" u="none" strike="noStrike" baseline="0">
                           <a:solidFill>
-                            <a:srgbClr val="000000"/>
+                            <a:schemeClr val="tx1"/>
                           </a:solidFill>
                           <a:effectLst/>
                           <a:latin typeface="Calibri" panose="020F0502020204030204" pitchFamily="34" charset="0"/>
@@ -10926,9 +10892,9 @@
                     <a:p>
                       <a:pPr algn="ctr" fontAlgn="b"/>
                       <a:r>
-                        <a:rPr lang="en-US" sz="1600" b="0" i="0" u="none" strike="noStrike">
+                        <a:rPr lang="en-US" sz="1600" b="0" i="0" u="none" strike="noStrike" baseline="0">
                           <a:solidFill>
-                            <a:srgbClr val="000000"/>
+                            <a:schemeClr val="tx1"/>
                           </a:solidFill>
                           <a:effectLst/>
                           <a:latin typeface="Calibri" panose="020F0502020204030204" pitchFamily="34" charset="0"/>
@@ -10959,9 +10925,9 @@
                     <a:p>
                       <a:pPr algn="ctr" fontAlgn="b"/>
                       <a:r>
-                        <a:rPr lang="en-US" sz="1600" b="0" i="0" u="none" strike="noStrike">
+                        <a:rPr lang="en-US" sz="1600" b="0" i="0" u="none" strike="noStrike" baseline="0">
                           <a:solidFill>
-                            <a:srgbClr val="000000"/>
+                            <a:schemeClr val="tx1"/>
                           </a:solidFill>
                           <a:effectLst/>
                           <a:latin typeface="Calibri" panose="020F0502020204030204" pitchFamily="34" charset="0"/>
@@ -10992,9 +10958,9 @@
                     <a:p>
                       <a:pPr algn="ctr" fontAlgn="b"/>
                       <a:r>
-                        <a:rPr lang="en-US" sz="1600" b="0" i="0" u="none" strike="noStrike">
+                        <a:rPr lang="en-US" sz="1600" b="0" i="0" u="none" strike="noStrike" baseline="0">
                           <a:solidFill>
-                            <a:srgbClr val="000000"/>
+                            <a:schemeClr val="tx1"/>
                           </a:solidFill>
                           <a:effectLst/>
                           <a:latin typeface="Calibri" panose="020F0502020204030204" pitchFamily="34" charset="0"/>
@@ -11025,9 +10991,9 @@
                     <a:p>
                       <a:pPr algn="ctr" fontAlgn="b"/>
                       <a:r>
-                        <a:rPr lang="en-US" sz="1600" b="0" i="0" u="none" strike="noStrike">
+                        <a:rPr lang="en-US" sz="1600" b="0" i="0" u="none" strike="noStrike" baseline="0">
                           <a:solidFill>
-                            <a:srgbClr val="000000"/>
+                            <a:schemeClr val="tx1"/>
                           </a:solidFill>
                           <a:effectLst/>
                           <a:latin typeface="Calibri" panose="020F0502020204030204" pitchFamily="34" charset="0"/>
@@ -11058,9 +11024,9 @@
                     <a:p>
                       <a:pPr algn="ctr" fontAlgn="b"/>
                       <a:r>
-                        <a:rPr lang="en-US" sz="1600" b="0" i="0" u="none" strike="noStrike">
+                        <a:rPr lang="en-US" sz="1600" b="0" i="0" u="none" strike="noStrike" baseline="0">
                           <a:solidFill>
-                            <a:srgbClr val="000000"/>
+                            <a:schemeClr val="tx1"/>
                           </a:solidFill>
                           <a:effectLst/>
                           <a:latin typeface="Calibri" panose="020F0502020204030204" pitchFamily="34" charset="0"/>
@@ -11091,9 +11057,9 @@
                     <a:p>
                       <a:pPr algn="ctr" fontAlgn="b"/>
                       <a:r>
-                        <a:rPr lang="en-US" sz="1600" b="0" i="0" u="none" strike="noStrike">
+                        <a:rPr lang="en-US" sz="1600" b="0" i="0" u="none" strike="noStrike" baseline="0">
                           <a:solidFill>
-                            <a:srgbClr val="000000"/>
+                            <a:schemeClr val="tx1"/>
                           </a:solidFill>
                           <a:effectLst/>
                           <a:latin typeface="Calibri" panose="020F0502020204030204" pitchFamily="34" charset="0"/>
@@ -11124,9 +11090,9 @@
                     <a:p>
                       <a:pPr algn="ctr" fontAlgn="b"/>
                       <a:r>
-                        <a:rPr lang="en-US" sz="1600" b="0" i="0" u="none" strike="noStrike">
+                        <a:rPr lang="en-US" sz="1600" b="0" i="0" u="none" strike="noStrike" baseline="0">
                           <a:solidFill>
-                            <a:srgbClr val="000000"/>
+                            <a:schemeClr val="tx1"/>
                           </a:solidFill>
                           <a:effectLst/>
                           <a:latin typeface="Calibri" panose="020F0502020204030204" pitchFamily="34" charset="0"/>
@@ -11157,9 +11123,9 @@
                     <a:p>
                       <a:pPr algn="ctr" fontAlgn="b"/>
                       <a:r>
-                        <a:rPr lang="en-US" sz="1600" b="0" i="0" u="none" strike="noStrike">
+                        <a:rPr lang="en-US" sz="1600" b="0" i="0" u="none" strike="noStrike" baseline="0">
                           <a:solidFill>
-                            <a:srgbClr val="000000"/>
+                            <a:schemeClr val="tx1"/>
                           </a:solidFill>
                           <a:effectLst/>
                           <a:latin typeface="Calibri" panose="020F0502020204030204" pitchFamily="34" charset="0"/>
@@ -11190,9 +11156,9 @@
                     <a:p>
                       <a:pPr algn="ctr" fontAlgn="b"/>
                       <a:r>
-                        <a:rPr lang="en-US" sz="1600" b="0" i="0" u="none" strike="noStrike">
+                        <a:rPr lang="en-US" sz="1600" b="0" i="0" u="none" strike="noStrike" baseline="0">
                           <a:solidFill>
-                            <a:srgbClr val="000000"/>
+                            <a:schemeClr val="tx1"/>
                           </a:solidFill>
                           <a:effectLst/>
                           <a:latin typeface="Calibri" panose="020F0502020204030204" pitchFamily="34" charset="0"/>
@@ -11223,9 +11189,9 @@
                     <a:p>
                       <a:pPr algn="ctr" fontAlgn="b"/>
                       <a:r>
-                        <a:rPr lang="en-US" sz="1600" b="0" i="0" u="none" strike="noStrike">
+                        <a:rPr lang="en-US" sz="1600" b="0" i="0" u="none" strike="noStrike" baseline="0">
                           <a:solidFill>
-                            <a:srgbClr val="000000"/>
+                            <a:schemeClr val="tx1"/>
                           </a:solidFill>
                           <a:effectLst/>
                           <a:latin typeface="Calibri" panose="020F0502020204030204" pitchFamily="34" charset="0"/>
@@ -11263,9 +11229,9 @@
                     <a:p>
                       <a:pPr algn="r" fontAlgn="b"/>
                       <a:r>
-                        <a:rPr lang="en-US" sz="1600" b="0" i="0" u="none" strike="noStrike">
+                        <a:rPr lang="en-US" sz="1600" b="0" i="0" u="none" strike="noStrike" baseline="0">
                           <a:solidFill>
-                            <a:srgbClr val="000000"/>
+                            <a:schemeClr val="tx1"/>
                           </a:solidFill>
                           <a:effectLst/>
                           <a:latin typeface="Calibri" panose="020F0502020204030204" pitchFamily="34" charset="0"/>
@@ -11296,9 +11262,9 @@
                     <a:p>
                       <a:pPr algn="ctr" fontAlgn="b"/>
                       <a:r>
-                        <a:rPr lang="en-US" sz="1600" b="0" i="0" u="none" strike="noStrike">
+                        <a:rPr lang="en-US" sz="1600" b="0" i="0" u="none" strike="noStrike" baseline="0">
                           <a:solidFill>
-                            <a:srgbClr val="000000"/>
+                            <a:schemeClr val="tx1"/>
                           </a:solidFill>
                           <a:effectLst/>
                           <a:latin typeface="Calibri" panose="020F0502020204030204" pitchFamily="34" charset="0"/>
@@ -11329,9 +11295,9 @@
                     <a:p>
                       <a:pPr algn="ctr" fontAlgn="b"/>
                       <a:r>
-                        <a:rPr lang="en-US" sz="1600" b="0" i="0" u="none" strike="noStrike">
+                        <a:rPr lang="en-US" sz="1600" b="0" i="0" u="none" strike="noStrike" baseline="0">
                           <a:solidFill>
-                            <a:srgbClr val="000000"/>
+                            <a:schemeClr val="tx1"/>
                           </a:solidFill>
                           <a:effectLst/>
                           <a:latin typeface="Calibri" panose="020F0502020204030204" pitchFamily="34" charset="0"/>
@@ -11362,9 +11328,9 @@
                     <a:p>
                       <a:pPr algn="ctr" fontAlgn="b"/>
                       <a:r>
-                        <a:rPr lang="en-US" sz="1600" b="0" i="0" u="none" strike="noStrike">
+                        <a:rPr lang="en-US" sz="1600" b="0" i="0" u="none" strike="noStrike" baseline="0">
                           <a:solidFill>
-                            <a:srgbClr val="000000"/>
+                            <a:schemeClr val="tx1"/>
                           </a:solidFill>
                           <a:effectLst/>
                           <a:latin typeface="Calibri" panose="020F0502020204030204" pitchFamily="34" charset="0"/>
@@ -11395,9 +11361,9 @@
                     <a:p>
                       <a:pPr algn="ctr" fontAlgn="b"/>
                       <a:r>
-                        <a:rPr lang="en-US" sz="1600" b="0" i="0" u="none" strike="noStrike">
+                        <a:rPr lang="en-US" sz="1600" b="0" i="0" u="none" strike="noStrike" baseline="0">
                           <a:solidFill>
-                            <a:srgbClr val="000000"/>
+                            <a:schemeClr val="tx1"/>
                           </a:solidFill>
                           <a:effectLst/>
                           <a:latin typeface="Calibri" panose="020F0502020204030204" pitchFamily="34" charset="0"/>
@@ -11428,9 +11394,9 @@
                     <a:p>
                       <a:pPr algn="ctr" fontAlgn="b"/>
                       <a:r>
-                        <a:rPr lang="en-US" sz="1600" b="0" i="0" u="none" strike="noStrike">
+                        <a:rPr lang="en-US" sz="1600" b="0" i="0" u="none" strike="noStrike" baseline="0">
                           <a:solidFill>
-                            <a:srgbClr val="000000"/>
+                            <a:schemeClr val="tx1"/>
                           </a:solidFill>
                           <a:effectLst/>
                           <a:latin typeface="Calibri" panose="020F0502020204030204" pitchFamily="34" charset="0"/>
@@ -11461,9 +11427,9 @@
                     <a:p>
                       <a:pPr algn="ctr" fontAlgn="b"/>
                       <a:r>
-                        <a:rPr lang="en-US" sz="1600" b="0" i="0" u="none" strike="noStrike">
+                        <a:rPr lang="en-US" sz="1600" b="0" i="0" u="none" strike="noStrike" baseline="0">
                           <a:solidFill>
-                            <a:srgbClr val="000000"/>
+                            <a:schemeClr val="tx1"/>
                           </a:solidFill>
                           <a:effectLst/>
                           <a:latin typeface="Calibri" panose="020F0502020204030204" pitchFamily="34" charset="0"/>
@@ -11494,9 +11460,9 @@
                     <a:p>
                       <a:pPr algn="ctr" fontAlgn="b"/>
                       <a:r>
-                        <a:rPr lang="en-US" sz="1600" b="0" i="0" u="none" strike="noStrike">
+                        <a:rPr lang="en-US" sz="1600" b="0" i="0" u="none" strike="noStrike" baseline="0">
                           <a:solidFill>
-                            <a:srgbClr val="000000"/>
+                            <a:schemeClr val="tx1"/>
                           </a:solidFill>
                           <a:effectLst/>
                           <a:latin typeface="Calibri" panose="020F0502020204030204" pitchFamily="34" charset="0"/>
@@ -11527,9 +11493,9 @@
                     <a:p>
                       <a:pPr algn="ctr" fontAlgn="b"/>
                       <a:r>
-                        <a:rPr lang="en-US" sz="1600" b="0" i="0" u="none" strike="noStrike">
+                        <a:rPr lang="en-US" sz="1600" b="0" i="0" u="none" strike="noStrike" baseline="0">
                           <a:solidFill>
-                            <a:srgbClr val="000000"/>
+                            <a:schemeClr val="tx1"/>
                           </a:solidFill>
                           <a:effectLst/>
                           <a:latin typeface="Calibri" panose="020F0502020204030204" pitchFamily="34" charset="0"/>
@@ -11560,9 +11526,9 @@
                     <a:p>
                       <a:pPr algn="ctr" fontAlgn="b"/>
                       <a:r>
-                        <a:rPr lang="en-US" sz="1600" b="0" i="0" u="none" strike="noStrike">
+                        <a:rPr lang="en-US" sz="1600" b="0" i="0" u="none" strike="noStrike" baseline="0">
                           <a:solidFill>
-                            <a:srgbClr val="000000"/>
+                            <a:schemeClr val="tx1"/>
                           </a:solidFill>
                           <a:effectLst/>
                           <a:latin typeface="Calibri" panose="020F0502020204030204" pitchFamily="34" charset="0"/>
@@ -11593,9 +11559,9 @@
                     <a:p>
                       <a:pPr algn="ctr" fontAlgn="b"/>
                       <a:r>
-                        <a:rPr lang="en-US" sz="1600" b="0" i="0" u="none" strike="noStrike">
+                        <a:rPr lang="en-US" sz="1600" b="0" i="0" u="none" strike="noStrike" baseline="0">
                           <a:solidFill>
-                            <a:srgbClr val="000000"/>
+                            <a:schemeClr val="tx1"/>
                           </a:solidFill>
                           <a:effectLst/>
                           <a:latin typeface="Calibri" panose="020F0502020204030204" pitchFamily="34" charset="0"/>
@@ -11626,9 +11592,9 @@
                     <a:p>
                       <a:pPr algn="ctr" fontAlgn="b"/>
                       <a:r>
-                        <a:rPr lang="en-US" sz="1600" b="0" i="0" u="none" strike="noStrike">
+                        <a:rPr lang="en-US" sz="1600" b="0" i="0" u="none" strike="noStrike" baseline="0">
                           <a:solidFill>
-                            <a:srgbClr val="000000"/>
+                            <a:schemeClr val="tx1"/>
                           </a:solidFill>
                           <a:effectLst/>
                           <a:latin typeface="Calibri" panose="020F0502020204030204" pitchFamily="34" charset="0"/>
@@ -11659,9 +11625,9 @@
                     <a:p>
                       <a:pPr algn="ctr" fontAlgn="b"/>
                       <a:r>
-                        <a:rPr lang="en-US" sz="1600" b="0" i="0" u="none" strike="noStrike" dirty="0">
+                        <a:rPr lang="en-US" sz="1600" b="0" i="0" u="none" strike="noStrike" baseline="0" dirty="0">
                           <a:solidFill>
-                            <a:srgbClr val="000000"/>
+                            <a:schemeClr val="tx1"/>
                           </a:solidFill>
                           <a:effectLst/>
                           <a:latin typeface="Calibri" panose="020F0502020204030204" pitchFamily="34" charset="0"/>
@@ -11708,6 +11674,95 @@
 </p:sld>
 </file>
 
+<file path=ppt/slides/slide17.xml><?xml version="1.0" encoding="utf-8"?>
+<p:sld xmlns:a="http://schemas.openxmlformats.org/drawingml/2006/main" xmlns:r="http://schemas.openxmlformats.org/officeDocument/2006/relationships" xmlns:p="http://schemas.openxmlformats.org/presentationml/2006/main">
+  <p:cSld>
+    <p:spTree>
+      <p:nvGrpSpPr>
+        <p:cNvPr id="1" name=""/>
+        <p:cNvGrpSpPr/>
+        <p:nvPr/>
+      </p:nvGrpSpPr>
+      <p:grpSpPr>
+        <a:xfrm>
+          <a:off x="0" y="0"/>
+          <a:ext cx="0" cy="0"/>
+          <a:chOff x="0" y="0"/>
+          <a:chExt cx="0" cy="0"/>
+        </a:xfrm>
+      </p:grpSpPr>
+      <p:sp>
+        <p:nvSpPr>
+          <p:cNvPr id="2" name="Title 1">
+            <a:extLst>
+              <a:ext uri="{FF2B5EF4-FFF2-40B4-BE49-F238E27FC236}">
+                <a16:creationId xmlns:a16="http://schemas.microsoft.com/office/drawing/2014/main" id="{07577FBF-F048-42C5-A18C-24E253D2917C}"/>
+              </a:ext>
+            </a:extLst>
+          </p:cNvPr>
+          <p:cNvSpPr>
+            <a:spLocks noGrp="1"/>
+          </p:cNvSpPr>
+          <p:nvPr>
+            <p:ph type="title"/>
+          </p:nvPr>
+        </p:nvSpPr>
+        <p:spPr/>
+        <p:txBody>
+          <a:bodyPr>
+            <a:normAutofit/>
+          </a:bodyPr>
+          <a:lstStyle/>
+          <a:p>
+            <a:r>
+              <a:rPr lang="en-US" dirty="0"/>
+              <a:t>Forecasted vs Actual Real Time Prices 11/14/18</a:t>
+            </a:r>
+          </a:p>
+        </p:txBody>
+      </p:sp>
+      <p:pic>
+        <p:nvPicPr>
+          <p:cNvPr id="5" name="Content Placeholder 4" descr="A close up of a map&#10;&#10;Description generated with high confidence">
+            <a:extLst>
+              <a:ext uri="{FF2B5EF4-FFF2-40B4-BE49-F238E27FC236}">
+                <a16:creationId xmlns:a16="http://schemas.microsoft.com/office/drawing/2014/main" id="{9FC9C48A-0415-4848-828C-49E32259828C}"/>
+              </a:ext>
+            </a:extLst>
+          </p:cNvPr>
+          <p:cNvPicPr>
+            <a:picLocks noGrp="1" noChangeAspect="1"/>
+          </p:cNvPicPr>
+          <p:nvPr>
+            <p:ph idx="1"/>
+          </p:nvPr>
+        </p:nvPicPr>
+        <p:blipFill>
+          <a:blip r:embed="rId2"/>
+          <a:stretch>
+            <a:fillRect/>
+          </a:stretch>
+        </p:blipFill>
+        <p:spPr>
+          <a:xfrm>
+            <a:off x="3627437" y="2095500"/>
+            <a:ext cx="4927600" cy="3695700"/>
+          </a:xfrm>
+        </p:spPr>
+      </p:pic>
+    </p:spTree>
+    <p:extLst>
+      <p:ext uri="{BB962C8B-B14F-4D97-AF65-F5344CB8AC3E}">
+        <p14:creationId xmlns:p14="http://schemas.microsoft.com/office/powerpoint/2010/main" val="4288578912"/>
+      </p:ext>
+    </p:extLst>
+  </p:cSld>
+  <p:clrMapOvr>
+    <a:masterClrMapping/>
+  </p:clrMapOvr>
+</p:sld>
+</file>
+
 <file path=ppt/slides/slide18.xml><?xml version="1.0" encoding="utf-8"?>
 <p:sld xmlns:a="http://schemas.openxmlformats.org/drawingml/2006/main" xmlns:r="http://schemas.openxmlformats.org/officeDocument/2006/relationships" xmlns:p="http://schemas.openxmlformats.org/presentationml/2006/main">
   <p:cSld>
@@ -11730,7 +11785,7 @@
           <p:cNvPr id="2" name="Title 1">
             <a:extLst>
               <a:ext uri="{FF2B5EF4-FFF2-40B4-BE49-F238E27FC236}">
-                <a16:creationId xmlns:a16="http://schemas.microsoft.com/office/drawing/2014/main" id="{07577FBF-F048-42C5-A18C-24E253D2917C}"/>
+                <a16:creationId xmlns:a16="http://schemas.microsoft.com/office/drawing/2014/main" id="{B68CF316-7409-449C-A092-885C197DD0EC}"/>
               </a:ext>
             </a:extLst>
           </p:cNvPr>
@@ -11743,51 +11798,84 @@
         </p:nvSpPr>
         <p:spPr/>
         <p:txBody>
-          <a:bodyPr>
-            <a:normAutofit fontScale="90000"/>
-          </a:bodyPr>
+          <a:bodyPr/>
           <a:lstStyle/>
           <a:p>
             <a:r>
               <a:rPr lang="en-US" dirty="0"/>
-              <a:t>Forecasted vs Actual Real Time Prices 11/14/18</a:t>
-            </a:r>
-          </a:p>
-        </p:txBody>
-      </p:sp>
-      <p:pic>
-        <p:nvPicPr>
-          <p:cNvPr id="5" name="Content Placeholder 4" descr="A close up of a map&#10;&#10;Description generated with high confidence">
+              <a:t>Buy Analysis for 11/14/18</a:t>
+            </a:r>
+          </a:p>
+        </p:txBody>
+      </p:sp>
+      <p:sp>
+        <p:nvSpPr>
+          <p:cNvPr id="3" name="Content Placeholder 2">
             <a:extLst>
               <a:ext uri="{FF2B5EF4-FFF2-40B4-BE49-F238E27FC236}">
-                <a16:creationId xmlns:a16="http://schemas.microsoft.com/office/drawing/2014/main" id="{9FC9C48A-0415-4848-828C-49E32259828C}"/>
+                <a16:creationId xmlns:a16="http://schemas.microsoft.com/office/drawing/2014/main" id="{20BF1A46-F2CC-4E28-8157-69FDE83B4BCD}"/>
               </a:ext>
             </a:extLst>
           </p:cNvPr>
-          <p:cNvPicPr>
-            <a:picLocks noGrp="1" noChangeAspect="1"/>
-          </p:cNvPicPr>
+          <p:cNvSpPr>
+            <a:spLocks noGrp="1"/>
+          </p:cNvSpPr>
           <p:nvPr>
             <p:ph idx="1"/>
           </p:nvPr>
-        </p:nvPicPr>
-        <p:blipFill>
-          <a:blip r:embed="rId2"/>
-          <a:stretch>
-            <a:fillRect/>
-          </a:stretch>
-        </p:blipFill>
-        <p:spPr>
-          <a:xfrm>
-            <a:off x="3884083" y="2557463"/>
-            <a:ext cx="4423833" cy="3317875"/>
-          </a:xfrm>
-        </p:spPr>
-      </p:pic>
+        </p:nvSpPr>
+        <p:spPr/>
+        <p:txBody>
+          <a:bodyPr/>
+          <a:lstStyle/>
+          <a:p>
+            <a:r>
+              <a:rPr lang="en-US" dirty="0"/>
+              <a:t>Assuming # of units is equal for each hour</a:t>
+            </a:r>
+          </a:p>
+          <a:p>
+            <a:pPr lvl="1"/>
+            <a:r>
+              <a:rPr lang="en-US" dirty="0"/>
+              <a:t>Sum of Hourly Real Time Market Prices = $1,084.35</a:t>
+            </a:r>
+          </a:p>
+          <a:p>
+            <a:pPr lvl="1"/>
+            <a:r>
+              <a:rPr lang="en-US" dirty="0"/>
+              <a:t>Sum of Hourly Next Day Market Prices = $1,062.08 </a:t>
+            </a:r>
+          </a:p>
+          <a:p>
+            <a:pPr lvl="1"/>
+            <a:endParaRPr lang="en-US" dirty="0"/>
+          </a:p>
+          <a:p>
+            <a:pPr lvl="1"/>
+            <a:r>
+              <a:rPr lang="en-US" dirty="0"/>
+              <a:t>Sum of Hourly Price Recommendation Prices = $1,025.91</a:t>
+            </a:r>
+          </a:p>
+          <a:p>
+            <a:pPr lvl="1"/>
+            <a:endParaRPr lang="en-US" dirty="0"/>
+          </a:p>
+          <a:p>
+            <a:pPr lvl="1"/>
+            <a:r>
+              <a:rPr lang="en-US" dirty="0"/>
+              <a:t>Selected the correct price in 12 of the 24 hours, net $-35.50 per unit </a:t>
+            </a:r>
+          </a:p>
+        </p:txBody>
+      </p:sp>
     </p:spTree>
     <p:extLst>
       <p:ext uri="{BB962C8B-B14F-4D97-AF65-F5344CB8AC3E}">
-        <p14:creationId xmlns:p14="http://schemas.microsoft.com/office/powerpoint/2010/main" val="4288578912"/>
+        <p14:creationId xmlns:p14="http://schemas.microsoft.com/office/powerpoint/2010/main" val="4074162575"/>
       </p:ext>
     </p:extLst>
   </p:cSld>
@@ -11819,7 +11907,7 @@
           <p:cNvPr id="2" name="Title 1">
             <a:extLst>
               <a:ext uri="{FF2B5EF4-FFF2-40B4-BE49-F238E27FC236}">
-                <a16:creationId xmlns:a16="http://schemas.microsoft.com/office/drawing/2014/main" id="{B68CF316-7409-449C-A092-885C197DD0EC}"/>
+                <a16:creationId xmlns:a16="http://schemas.microsoft.com/office/drawing/2014/main" id="{1A30363C-F224-44F8-A9FF-C05873B7123A}"/>
               </a:ext>
             </a:extLst>
           </p:cNvPr>
@@ -11837,7 +11925,7 @@
           <a:p>
             <a:r>
               <a:rPr lang="en-US" dirty="0"/>
-              <a:t>Buy Analysis for 11/14/18</a:t>
+              <a:t>Challenges &amp; Areas of Improvement</a:t>
             </a:r>
           </a:p>
         </p:txBody>
@@ -11847,7 +11935,7 @@
           <p:cNvPr id="3" name="Content Placeholder 2">
             <a:extLst>
               <a:ext uri="{FF2B5EF4-FFF2-40B4-BE49-F238E27FC236}">
-                <a16:creationId xmlns:a16="http://schemas.microsoft.com/office/drawing/2014/main" id="{20BF1A46-F2CC-4E28-8157-69FDE83B4BCD}"/>
+                <a16:creationId xmlns:a16="http://schemas.microsoft.com/office/drawing/2014/main" id="{B52912D7-1AD2-45CD-BEB9-5115A61A6956}"/>
               </a:ext>
             </a:extLst>
           </p:cNvPr>
@@ -11865,43 +11953,31 @@
           <a:p>
             <a:r>
               <a:rPr lang="en-US" dirty="0"/>
-              <a:t>Assuming # of units is equal for each hour</a:t>
-            </a:r>
-          </a:p>
-          <a:p>
-            <a:pPr lvl="1"/>
+              <a:t>Hourly weather forecast</a:t>
+            </a:r>
+          </a:p>
+          <a:p>
             <a:r>
               <a:rPr lang="en-US" dirty="0"/>
-              <a:t>Sum of Hourly Real Time Market Prices = $1,084.35</a:t>
-            </a:r>
-          </a:p>
-          <a:p>
-            <a:pPr lvl="1"/>
+              <a:t>More historical data to improve regression model</a:t>
+            </a:r>
+          </a:p>
+          <a:p>
             <a:r>
               <a:rPr lang="en-US" dirty="0"/>
-              <a:t>Sum of Hourly Next Day Market Prices = $1,062.08 </a:t>
-            </a:r>
-          </a:p>
-          <a:p>
-            <a:pPr lvl="1"/>
-            <a:endParaRPr lang="en-US" dirty="0"/>
-          </a:p>
-          <a:p>
-            <a:pPr lvl="1"/>
+              <a:t>Software limitations of # independent variables</a:t>
+            </a:r>
+          </a:p>
+          <a:p>
             <a:r>
               <a:rPr lang="en-US" dirty="0"/>
-              <a:t>Sum of Hourly Price Recommendation Prices = $1,025.91</a:t>
-            </a:r>
-          </a:p>
-          <a:p>
-            <a:pPr lvl="1"/>
-            <a:endParaRPr lang="en-US" dirty="0"/>
-          </a:p>
-          <a:p>
-            <a:pPr lvl="1"/>
+              <a:t>PJM API integration to fully automate the forecast and recommendation model</a:t>
+            </a:r>
+          </a:p>
+          <a:p>
             <a:r>
               <a:rPr lang="en-US" dirty="0"/>
-              <a:t>Selected the correct price in 12 of the 24 hours, net $-35.50 per unit </a:t>
+              <a:t>Apply to other Energy Companies</a:t>
             </a:r>
           </a:p>
         </p:txBody>
@@ -11909,7 +11985,7 @@
     </p:spTree>
     <p:extLst>
       <p:ext uri="{BB962C8B-B14F-4D97-AF65-F5344CB8AC3E}">
-        <p14:creationId xmlns:p14="http://schemas.microsoft.com/office/powerpoint/2010/main" val="4074162575"/>
+        <p14:creationId xmlns:p14="http://schemas.microsoft.com/office/powerpoint/2010/main" val="234451156"/>
       </p:ext>
     </p:extLst>
   </p:cSld>
@@ -11989,19 +12065,19 @@
           <a:p>
             <a:r>
               <a:rPr lang="en-US" dirty="0"/>
-              <a:t>Based on weather variables that seem to have historically impacted energy prices, forecast RT-LMP (Real Time – Locational Marginal Price)</a:t>
+              <a:t>Provide a buy now or buy later recommendations based on our forecasted RT-LMP</a:t>
             </a:r>
           </a:p>
           <a:p>
             <a:r>
               <a:rPr lang="en-US" dirty="0"/>
-              <a:t>Provide a buy now or buy later recommendations based on our forecasted RT-LMP</a:t>
+              <a:t>Based on weather &amp; load demand variables that seem to have historically impacted energy prices, forecast RT-LMP (Real Time – Locational Marginal Price)</a:t>
             </a:r>
           </a:p>
           <a:p>
             <a:r>
               <a:rPr lang="en-US" dirty="0"/>
-              <a:t>Identify correlations between RT-LMP and forecasted weather variables such as, temperature, humidity, precipitation </a:t>
+              <a:t>Identify correlations between RT-LMP and forecasted weather variables such as, temperature, humidity, precipitation; as well as energy load</a:t>
             </a:r>
           </a:p>
           <a:p>
@@ -12013,110 +12089,6 @@
     <p:extLst>
       <p:ext uri="{BB962C8B-B14F-4D97-AF65-F5344CB8AC3E}">
         <p14:creationId xmlns:p14="http://schemas.microsoft.com/office/powerpoint/2010/main" val="3908359603"/>
-      </p:ext>
-    </p:extLst>
-  </p:cSld>
-  <p:clrMapOvr>
-    <a:masterClrMapping/>
-  </p:clrMapOvr>
-</p:sld>
-</file>
-
-<file path=ppt/slides/slide20.xml><?xml version="1.0" encoding="utf-8"?>
-<p:sld xmlns:a="http://schemas.openxmlformats.org/drawingml/2006/main" xmlns:r="http://schemas.openxmlformats.org/officeDocument/2006/relationships" xmlns:p="http://schemas.openxmlformats.org/presentationml/2006/main">
-  <p:cSld>
-    <p:spTree>
-      <p:nvGrpSpPr>
-        <p:cNvPr id="1" name=""/>
-        <p:cNvGrpSpPr/>
-        <p:nvPr/>
-      </p:nvGrpSpPr>
-      <p:grpSpPr>
-        <a:xfrm>
-          <a:off x="0" y="0"/>
-          <a:ext cx="0" cy="0"/>
-          <a:chOff x="0" y="0"/>
-          <a:chExt cx="0" cy="0"/>
-        </a:xfrm>
-      </p:grpSpPr>
-      <p:sp>
-        <p:nvSpPr>
-          <p:cNvPr id="2" name="Title 1">
-            <a:extLst>
-              <a:ext uri="{FF2B5EF4-FFF2-40B4-BE49-F238E27FC236}">
-                <a16:creationId xmlns:a16="http://schemas.microsoft.com/office/drawing/2014/main" id="{1A30363C-F224-44F8-A9FF-C05873B7123A}"/>
-              </a:ext>
-            </a:extLst>
-          </p:cNvPr>
-          <p:cNvSpPr>
-            <a:spLocks noGrp="1"/>
-          </p:cNvSpPr>
-          <p:nvPr>
-            <p:ph type="title"/>
-          </p:nvPr>
-        </p:nvSpPr>
-        <p:spPr/>
-        <p:txBody>
-          <a:bodyPr/>
-          <a:lstStyle/>
-          <a:p>
-            <a:r>
-              <a:rPr lang="en-US" dirty="0"/>
-              <a:t>Areas of Improvement</a:t>
-            </a:r>
-          </a:p>
-        </p:txBody>
-      </p:sp>
-      <p:sp>
-        <p:nvSpPr>
-          <p:cNvPr id="3" name="Content Placeholder 2">
-            <a:extLst>
-              <a:ext uri="{FF2B5EF4-FFF2-40B4-BE49-F238E27FC236}">
-                <a16:creationId xmlns:a16="http://schemas.microsoft.com/office/drawing/2014/main" id="{B52912D7-1AD2-45CD-BEB9-5115A61A6956}"/>
-              </a:ext>
-            </a:extLst>
-          </p:cNvPr>
-          <p:cNvSpPr>
-            <a:spLocks noGrp="1"/>
-          </p:cNvSpPr>
-          <p:nvPr>
-            <p:ph idx="1"/>
-          </p:nvPr>
-        </p:nvSpPr>
-        <p:spPr/>
-        <p:txBody>
-          <a:bodyPr/>
-          <a:lstStyle/>
-          <a:p>
-            <a:r>
-              <a:rPr lang="en-US" dirty="0"/>
-              <a:t>Hourly weather forecast</a:t>
-            </a:r>
-          </a:p>
-          <a:p>
-            <a:r>
-              <a:rPr lang="en-US" dirty="0"/>
-              <a:t>More historical data to improve regression model</a:t>
-            </a:r>
-          </a:p>
-          <a:p>
-            <a:r>
-              <a:rPr lang="en-US" dirty="0"/>
-              <a:t>PJM API integration to fully automate the forecast and recommendation model</a:t>
-            </a:r>
-          </a:p>
-          <a:p>
-            <a:r>
-              <a:rPr lang="en-US" dirty="0"/>
-              <a:t>Apply to other Energy Companies</a:t>
-            </a:r>
-          </a:p>
-        </p:txBody>
-      </p:sp>
-    </p:spTree>
-    <p:extLst>
-      <p:ext uri="{BB962C8B-B14F-4D97-AF65-F5344CB8AC3E}">
-        <p14:creationId xmlns:p14="http://schemas.microsoft.com/office/powerpoint/2010/main" val="234451156"/>
       </p:ext>
     </p:extLst>
   </p:cSld>
@@ -12192,7 +12164,7 @@
         <p:spPr/>
         <p:txBody>
           <a:bodyPr>
-            <a:normAutofit fontScale="77500" lnSpcReduction="20000"/>
+            <a:normAutofit fontScale="85000" lnSpcReduction="20000"/>
           </a:bodyPr>
           <a:lstStyle/>
           <a:p>
@@ -12204,7 +12176,7 @@
           <a:p>
             <a:r>
               <a:rPr lang="en-US" dirty="0"/>
-              <a:t>Wholesale electricity is traded as commodity , much like corn or gold and other minerals.</a:t>
+              <a:t>Wholesale electricity is traded as commodity, much like corn or gold and other minerals.</a:t>
             </a:r>
           </a:p>
           <a:p>
@@ -12322,7 +12294,7 @@
                 <a:ea typeface="+mj-ea"/>
                 <a:cs typeface="+mj-cs"/>
               </a:rPr>
-              <a:t>The Energy Market procures electricity to meet consumers’ demands both in real-time and in the near-term. It includes the sale or purchase of energy in PJM’s Real-Time (five minutes forward) Energy Market and Day-Ahead Market (one day forward).</a:t>
+              <a:t>The Energy Market procures electricity to meet consumers’ demands both in real-time and in the near-term. It includes the sale or purchase of energy in the Real-Time (five minutes forward) Energy Market and Day-Ahead Market (one day forward).</a:t>
             </a:r>
           </a:p>
         </p:txBody>
@@ -12359,10 +12331,10 @@
       </p:grpSpPr>
       <p:sp>
         <p:nvSpPr>
-          <p:cNvPr id="2" name="Title 1">
+          <p:cNvPr id="4" name="Title 3">
             <a:extLst>
               <a:ext uri="{FF2B5EF4-FFF2-40B4-BE49-F238E27FC236}">
-                <a16:creationId xmlns:a16="http://schemas.microsoft.com/office/drawing/2014/main" id="{ECC00FC0-C9B7-416D-AD3C-034C5382EF63}"/>
+                <a16:creationId xmlns:a16="http://schemas.microsoft.com/office/drawing/2014/main" id="{8FAA4486-36FC-4A19-9C02-DACAC29840C5}"/>
               </a:ext>
             </a:extLst>
           </p:cNvPr>
@@ -12373,7 +12345,12 @@
             <p:ph type="title"/>
           </p:nvPr>
         </p:nvSpPr>
-        <p:spPr/>
+        <p:spPr>
+          <a:xfrm>
+            <a:off x="79028" y="1117599"/>
+            <a:ext cx="3932237" cy="1168400"/>
+          </a:xfrm>
+        </p:spPr>
         <p:txBody>
           <a:bodyPr/>
           <a:lstStyle/>
@@ -12387,33 +12364,77 @@
       </p:sp>
       <p:sp>
         <p:nvSpPr>
-          <p:cNvPr id="5" name="Content Placeholder 4"/>
-          <p:cNvSpPr>
-            <a:spLocks noGrp="1"/>
-          </p:cNvSpPr>
-          <p:nvPr>
-            <p:ph idx="1"/>
-          </p:nvPr>
-        </p:nvSpPr>
-        <p:spPr/>
+          <p:cNvPr id="6" name="Text Placeholder 5">
+            <a:extLst>
+              <a:ext uri="{FF2B5EF4-FFF2-40B4-BE49-F238E27FC236}">
+                <a16:creationId xmlns:a16="http://schemas.microsoft.com/office/drawing/2014/main" id="{D591BE14-057F-4C9A-9773-1125CE6F3D73}"/>
+              </a:ext>
+            </a:extLst>
+          </p:cNvPr>
+          <p:cNvSpPr>
+            <a:spLocks noGrp="1"/>
+          </p:cNvSpPr>
+          <p:nvPr>
+            <p:ph type="body" sz="half" idx="2"/>
+          </p:nvPr>
+        </p:nvSpPr>
+        <p:spPr>
+          <a:xfrm>
+            <a:off x="121357" y="2582718"/>
+            <a:ext cx="3932237" cy="3208482"/>
+          </a:xfrm>
+        </p:spPr>
         <p:txBody>
           <a:bodyPr/>
           <a:lstStyle/>
           <a:p>
+            <a:pPr marL="285750" indent="-285750" algn="just">
+              <a:buFont typeface="Arial" panose="020B0604020202020204" pitchFamily="34" charset="0"/>
+              <a:buChar char="•"/>
+            </a:pPr>
             <a:r>
               <a:rPr lang="en-US" dirty="0"/>
               <a:t>PJM Interconnection is a regional transmission organization (RTO) that coordinates the movement of wholesale electricity in all or parts of Delaware, Illinois, Indiana, Kentucky, Maryland, Michigan, New Jersey, North Carolina, Ohio, Pennsylvania, Tennessee, Virginia, West Virginia and the District of Columbia. </a:t>
             </a:r>
           </a:p>
-          <a:p>
-            <a:endParaRPr lang="en-US" dirty="0"/>
-          </a:p>
-        </p:txBody>
-      </p:sp>
+        </p:txBody>
+      </p:sp>
+      <p:pic>
+        <p:nvPicPr>
+          <p:cNvPr id="7" name="Content Placeholder 6">
+            <a:extLst>
+              <a:ext uri="{FF2B5EF4-FFF2-40B4-BE49-F238E27FC236}">
+                <a16:creationId xmlns:a16="http://schemas.microsoft.com/office/drawing/2014/main" id="{F5C8A4EA-679F-4F53-A00E-35521BB8933E}"/>
+              </a:ext>
+            </a:extLst>
+          </p:cNvPr>
+          <p:cNvPicPr>
+            <a:picLocks noGrp="1" noChangeAspect="1"/>
+          </p:cNvPicPr>
+          <p:nvPr>
+            <p:ph idx="1"/>
+          </p:nvPr>
+        </p:nvPicPr>
+        <p:blipFill>
+          <a:blip r:embed="rId2"/>
+          <a:stretch>
+            <a:fillRect/>
+          </a:stretch>
+        </p:blipFill>
+        <p:spPr>
+          <a:xfrm>
+            <a:off x="4284133" y="1248700"/>
+            <a:ext cx="7701517" cy="3992169"/>
+          </a:xfrm>
+          <a:prstGeom prst="rect">
+            <a:avLst/>
+          </a:prstGeom>
+        </p:spPr>
+      </p:pic>
     </p:spTree>
     <p:extLst>
       <p:ext uri="{BB962C8B-B14F-4D97-AF65-F5344CB8AC3E}">
-        <p14:creationId xmlns:p14="http://schemas.microsoft.com/office/powerpoint/2010/main" val="2702104382"/>
+        <p14:creationId xmlns:p14="http://schemas.microsoft.com/office/powerpoint/2010/main" val="3917219427"/>
       </p:ext>
     </p:extLst>
   </p:cSld>
@@ -12445,7 +12466,7 @@
           <p:cNvPr id="2" name="Title 1">
             <a:extLst>
               <a:ext uri="{FF2B5EF4-FFF2-40B4-BE49-F238E27FC236}">
-                <a16:creationId xmlns:a16="http://schemas.microsoft.com/office/drawing/2014/main" id="{ECC00FC0-C9B7-416D-AD3C-034C5382EF63}"/>
+                <a16:creationId xmlns:a16="http://schemas.microsoft.com/office/drawing/2014/main" id="{FA796521-F489-4511-94A9-175E3EE30D2E}"/>
               </a:ext>
             </a:extLst>
           </p:cNvPr>
@@ -12456,26 +12477,27 @@
             <p:ph type="title"/>
           </p:nvPr>
         </p:nvSpPr>
-        <p:spPr>
-          <a:xfrm>
-            <a:off x="1295402" y="982132"/>
-            <a:ext cx="9601196" cy="1167179"/>
-          </a:xfrm>
-        </p:spPr>
+        <p:spPr/>
         <p:txBody>
           <a:bodyPr/>
           <a:lstStyle/>
           <a:p>
             <a:r>
               <a:rPr lang="en-US" dirty="0"/>
-              <a:t>PJM Electric Market</a:t>
-            </a:r>
-          </a:p>
-        </p:txBody>
-      </p:sp>
-      <p:sp>
-        <p:nvSpPr>
-          <p:cNvPr id="5" name="Content Placeholder 4"/>
+              <a:t>Real Time vs Day Ahead Market</a:t>
+            </a:r>
+          </a:p>
+        </p:txBody>
+      </p:sp>
+      <p:sp>
+        <p:nvSpPr>
+          <p:cNvPr id="3" name="Content Placeholder 2">
+            <a:extLst>
+              <a:ext uri="{FF2B5EF4-FFF2-40B4-BE49-F238E27FC236}">
+                <a16:creationId xmlns:a16="http://schemas.microsoft.com/office/drawing/2014/main" id="{4F30B2E8-1ACD-4BC1-ADFA-539BF6A31AEF}"/>
+              </a:ext>
+            </a:extLst>
+          </p:cNvPr>
           <p:cNvSpPr>
             <a:spLocks noGrp="1"/>
           </p:cNvSpPr>
@@ -12483,15 +12505,42 @@
             <p:ph idx="1"/>
           </p:nvPr>
         </p:nvSpPr>
-        <p:spPr>
-          <a:xfrm>
-            <a:off x="1295401" y="2149311"/>
-            <a:ext cx="9601196" cy="3726557"/>
-          </a:xfrm>
-        </p:spPr>
-        <p:txBody>
-          <a:bodyPr/>
+        <p:spPr/>
+        <p:txBody>
+          <a:bodyPr>
+            <a:normAutofit/>
+          </a:bodyPr>
           <a:lstStyle/>
+          <a:p>
+            <a:r>
+              <a:rPr lang="en-US" b="1" dirty="0"/>
+              <a:t>PJM’s Real-Time Market</a:t>
+            </a:r>
+            <a:r>
+              <a:rPr lang="en-US" dirty="0"/>
+              <a:t> is a spot market – meaning that the product is procured for immediate delivery - in which current prices (called </a:t>
+            </a:r>
+            <a:r>
+              <a:rPr lang="en-US" dirty="0">
+                <a:hlinkClick r:id="rId2"/>
+              </a:rPr>
+              <a:t>locational marginal prices</a:t>
+            </a:r>
+            <a:r>
+              <a:rPr lang="en-US" dirty="0"/>
+              <a:t>) are calculated at five-minute intervals based on actual grid operating conditions. Real-time energy prices are posted on the </a:t>
+            </a:r>
+            <a:r>
+              <a:rPr lang="en-US" dirty="0">
+                <a:hlinkClick r:id="rId3"/>
+              </a:rPr>
+              <a:t>PJM Operational Data</a:t>
+            </a:r>
+            <a:r>
+              <a:rPr lang="en-US" dirty="0"/>
+              <a:t> webpage. </a:t>
+            </a:r>
+          </a:p>
           <a:p>
             <a:pPr marL="0" indent="0">
               <a:buNone/>
@@ -12499,38 +12548,34 @@
             <a:endParaRPr lang="en-US" dirty="0"/>
           </a:p>
           <a:p>
+            <a:r>
+              <a:rPr lang="en-US" b="1" dirty="0"/>
+              <a:t>PJM’s Day-Ahead Market</a:t>
+            </a:r>
+            <a:r>
+              <a:rPr lang="en-US" dirty="0"/>
+              <a:t> is a forward market in which hourly </a:t>
+            </a:r>
+            <a:r>
+              <a:rPr lang="en-US" dirty="0">
+                <a:hlinkClick r:id="rId2"/>
+              </a:rPr>
+              <a:t>locational marginal prices</a:t>
+            </a:r>
+            <a:r>
+              <a:rPr lang="en-US" dirty="0"/>
+              <a:t> are calculated for the next day based on the amount of energy generators offered to produce, the amount of energy needed by consumers and scheduled transactions between buyers and sellers of energy.</a:t>
+            </a:r>
+          </a:p>
+          <a:p>
             <a:endParaRPr lang="en-US" dirty="0"/>
           </a:p>
         </p:txBody>
       </p:sp>
-      <p:pic>
-        <p:nvPicPr>
-          <p:cNvPr id="3" name="Picture 2"/>
-          <p:cNvPicPr>
-            <a:picLocks noChangeAspect="1"/>
-          </p:cNvPicPr>
-          <p:nvPr/>
-        </p:nvPicPr>
-        <p:blipFill>
-          <a:blip r:embed="rId2"/>
-          <a:stretch>
-            <a:fillRect/>
-          </a:stretch>
-        </p:blipFill>
-        <p:spPr>
-          <a:xfrm>
-            <a:off x="2435392" y="2469824"/>
-            <a:ext cx="7104534" cy="3582784"/>
-          </a:xfrm>
-          <a:prstGeom prst="rect">
-            <a:avLst/>
-          </a:prstGeom>
-        </p:spPr>
-      </p:pic>
     </p:spTree>
     <p:extLst>
       <p:ext uri="{BB962C8B-B14F-4D97-AF65-F5344CB8AC3E}">
-        <p14:creationId xmlns:p14="http://schemas.microsoft.com/office/powerpoint/2010/main" val="1298183907"/>
+        <p14:creationId xmlns:p14="http://schemas.microsoft.com/office/powerpoint/2010/main" val="571150207"/>
       </p:ext>
     </p:extLst>
   </p:cSld>
@@ -12557,115 +12602,34 @@
           <a:chExt cx="0" cy="0"/>
         </a:xfrm>
       </p:grpSpPr>
-      <p:sp>
-        <p:nvSpPr>
-          <p:cNvPr id="2" name="Title 1">
-            <a:extLst>
-              <a:ext uri="{FF2B5EF4-FFF2-40B4-BE49-F238E27FC236}">
-                <a16:creationId xmlns:a16="http://schemas.microsoft.com/office/drawing/2014/main" id="{FA796521-F489-4511-94A9-175E3EE30D2E}"/>
-              </a:ext>
-            </a:extLst>
-          </p:cNvPr>
-          <p:cNvSpPr>
-            <a:spLocks noGrp="1"/>
-          </p:cNvSpPr>
-          <p:nvPr>
-            <p:ph type="title"/>
-          </p:nvPr>
-        </p:nvSpPr>
-        <p:spPr/>
-        <p:txBody>
-          <a:bodyPr/>
-          <a:lstStyle/>
-          <a:p>
-            <a:r>
-              <a:rPr lang="en-US" dirty="0"/>
-              <a:t>Real Time vs Day Ahead Market</a:t>
-            </a:r>
-          </a:p>
-        </p:txBody>
-      </p:sp>
-      <p:sp>
-        <p:nvSpPr>
-          <p:cNvPr id="3" name="Content Placeholder 2">
-            <a:extLst>
-              <a:ext uri="{FF2B5EF4-FFF2-40B4-BE49-F238E27FC236}">
-                <a16:creationId xmlns:a16="http://schemas.microsoft.com/office/drawing/2014/main" id="{4F30B2E8-1ACD-4BC1-ADFA-539BF6A31AEF}"/>
-              </a:ext>
-            </a:extLst>
-          </p:cNvPr>
-          <p:cNvSpPr>
-            <a:spLocks noGrp="1"/>
-          </p:cNvSpPr>
-          <p:nvPr>
-            <p:ph idx="1"/>
-          </p:nvPr>
-        </p:nvSpPr>
-        <p:spPr/>
-        <p:txBody>
-          <a:bodyPr>
-            <a:normAutofit fontScale="92500" lnSpcReduction="20000"/>
-          </a:bodyPr>
-          <a:lstStyle/>
-          <a:p>
-            <a:r>
-              <a:rPr lang="en-US" b="1" dirty="0"/>
-              <a:t>PJM’s Real-Time Market</a:t>
-            </a:r>
-            <a:r>
-              <a:rPr lang="en-US" dirty="0"/>
-              <a:t> is a spot market – meaning that the product is procured for immediate delivery - in which current prices (called </a:t>
-            </a:r>
-            <a:r>
-              <a:rPr lang="en-US" dirty="0">
-                <a:hlinkClick r:id="rId2"/>
-              </a:rPr>
-              <a:t>locational marginal prices</a:t>
-            </a:r>
-            <a:r>
-              <a:rPr lang="en-US" dirty="0"/>
-              <a:t>) are calculated at five-minute intervals based on actual grid operating conditions. Real-time energy prices are posted on the </a:t>
-            </a:r>
-            <a:r>
-              <a:rPr lang="en-US" dirty="0">
-                <a:hlinkClick r:id="rId3"/>
-              </a:rPr>
-              <a:t>PJM Operational Data</a:t>
-            </a:r>
-            <a:r>
-              <a:rPr lang="en-US" dirty="0"/>
-              <a:t> webpage. Transactions between buyers and sellers are settled hourly; invoices are issued to market participants weekly.</a:t>
-            </a:r>
-          </a:p>
-          <a:p>
-            <a:r>
-              <a:rPr lang="en-US" b="1" dirty="0"/>
-              <a:t>PJM’s Day-Ahead Market</a:t>
-            </a:r>
-            <a:r>
-              <a:rPr lang="en-US" dirty="0"/>
-              <a:t> is a forward market in which hourly </a:t>
-            </a:r>
-            <a:r>
-              <a:rPr lang="en-US" dirty="0">
-                <a:hlinkClick r:id="rId2"/>
-              </a:rPr>
-              <a:t>locational marginal prices</a:t>
-            </a:r>
-            <a:r>
-              <a:rPr lang="en-US" dirty="0"/>
-              <a:t> are calculated for the next day based on the amount of energy generators offered to produce, the amount of energy needed by consumers and scheduled transactions between buyers and sellers of energy.</a:t>
-            </a:r>
-          </a:p>
-          <a:p>
-            <a:endParaRPr lang="en-US" dirty="0"/>
-          </a:p>
-        </p:txBody>
-      </p:sp>
+      <p:graphicFrame>
+        <p:nvGraphicFramePr>
+          <p:cNvPr id="4" name="Chart 3"/>
+          <p:cNvGraphicFramePr>
+            <a:graphicFrameLocks/>
+          </p:cNvGraphicFramePr>
+          <p:nvPr>
+            <p:extLst>
+              <p:ext uri="{D42A27DB-BD31-4B8C-83A1-F6EECF244321}">
+                <p14:modId xmlns:p14="http://schemas.microsoft.com/office/powerpoint/2010/main" val="2441488871"/>
+              </p:ext>
+            </p:extLst>
+          </p:nvPr>
+        </p:nvGraphicFramePr>
+        <p:xfrm>
+          <a:off x="1928812" y="697705"/>
+          <a:ext cx="9204007" cy="5462589"/>
+        </p:xfrm>
+        <a:graphic>
+          <a:graphicData uri="http://schemas.openxmlformats.org/drawingml/2006/chart">
+            <c:chart xmlns:c="http://schemas.openxmlformats.org/drawingml/2006/chart" xmlns:r="http://schemas.openxmlformats.org/officeDocument/2006/relationships" r:id="rId2"/>
+          </a:graphicData>
+        </a:graphic>
+      </p:graphicFrame>
     </p:spTree>
     <p:extLst>
       <p:ext uri="{BB962C8B-B14F-4D97-AF65-F5344CB8AC3E}">
-        <p14:creationId xmlns:p14="http://schemas.microsoft.com/office/powerpoint/2010/main" val="571150207"/>
+        <p14:creationId xmlns:p14="http://schemas.microsoft.com/office/powerpoint/2010/main" val="1168363137"/>
       </p:ext>
     </p:extLst>
   </p:cSld>
@@ -12692,34 +12656,112 @@
           <a:chExt cx="0" cy="0"/>
         </a:xfrm>
       </p:grpSpPr>
-      <p:graphicFrame>
-        <p:nvGraphicFramePr>
-          <p:cNvPr id="4" name="Chart 3"/>
-          <p:cNvGraphicFramePr>
-            <a:graphicFrameLocks/>
-          </p:cNvGraphicFramePr>
-          <p:nvPr>
-            <p:extLst>
-              <p:ext uri="{D42A27DB-BD31-4B8C-83A1-F6EECF244321}">
-                <p14:modId xmlns:p14="http://schemas.microsoft.com/office/powerpoint/2010/main" val="2441488871"/>
-              </p:ext>
-            </p:extLst>
-          </p:nvPr>
-        </p:nvGraphicFramePr>
-        <p:xfrm>
-          <a:off x="1928812" y="697705"/>
-          <a:ext cx="9204007" cy="5462589"/>
-        </p:xfrm>
-        <a:graphic>
-          <a:graphicData uri="http://schemas.openxmlformats.org/drawingml/2006/chart">
-            <c:chart xmlns:c="http://schemas.openxmlformats.org/drawingml/2006/chart" xmlns:r="http://schemas.openxmlformats.org/officeDocument/2006/relationships" r:id="rId2"/>
-          </a:graphicData>
-        </a:graphic>
-      </p:graphicFrame>
+      <p:sp>
+        <p:nvSpPr>
+          <p:cNvPr id="2" name="Title 1">
+            <a:extLst>
+              <a:ext uri="{FF2B5EF4-FFF2-40B4-BE49-F238E27FC236}">
+                <a16:creationId xmlns:a16="http://schemas.microsoft.com/office/drawing/2014/main" id="{4A131675-B2EC-40D0-B6D2-23AEBA564AE0}"/>
+              </a:ext>
+            </a:extLst>
+          </p:cNvPr>
+          <p:cNvSpPr>
+            <a:spLocks noGrp="1"/>
+          </p:cNvSpPr>
+          <p:nvPr>
+            <p:ph type="title"/>
+          </p:nvPr>
+        </p:nvSpPr>
+        <p:spPr/>
+        <p:txBody>
+          <a:bodyPr/>
+          <a:lstStyle/>
+          <a:p>
+            <a:r>
+              <a:rPr lang="en-US" dirty="0"/>
+              <a:t>Data Sources &amp; tools</a:t>
+            </a:r>
+          </a:p>
+        </p:txBody>
+      </p:sp>
+      <p:sp>
+        <p:nvSpPr>
+          <p:cNvPr id="3" name="Content Placeholder 2">
+            <a:extLst>
+              <a:ext uri="{FF2B5EF4-FFF2-40B4-BE49-F238E27FC236}">
+                <a16:creationId xmlns:a16="http://schemas.microsoft.com/office/drawing/2014/main" id="{57012406-AEF4-4E33-8DDC-B21EB712AE33}"/>
+              </a:ext>
+            </a:extLst>
+          </p:cNvPr>
+          <p:cNvSpPr>
+            <a:spLocks noGrp="1"/>
+          </p:cNvSpPr>
+          <p:nvPr>
+            <p:ph idx="1"/>
+          </p:nvPr>
+        </p:nvSpPr>
+        <p:spPr/>
+        <p:txBody>
+          <a:bodyPr/>
+          <a:lstStyle/>
+          <a:p>
+            <a:r>
+              <a:rPr lang="en-US" dirty="0"/>
+              <a:t>PJM historical hourly pricing data</a:t>
+            </a:r>
+          </a:p>
+          <a:p>
+            <a:r>
+              <a:rPr lang="en-US" dirty="0"/>
+              <a:t>Weather data (World Weather API @ https://www.apixu.com/api.aspx)</a:t>
+            </a:r>
+          </a:p>
+          <a:p>
+            <a:pPr lvl="1"/>
+            <a:r>
+              <a:rPr lang="en-US" dirty="0"/>
+              <a:t>Historical</a:t>
+            </a:r>
+          </a:p>
+          <a:p>
+            <a:pPr lvl="1"/>
+            <a:r>
+              <a:rPr lang="en-US" dirty="0"/>
+              <a:t>1 day ahead forecasted</a:t>
+            </a:r>
+          </a:p>
+          <a:p>
+            <a:r>
+              <a:rPr lang="en-US" dirty="0"/>
+              <a:t>Minitab – to perform  stepwise regression for the weather variables referenced</a:t>
+            </a:r>
+          </a:p>
+          <a:p>
+            <a:r>
+              <a:rPr lang="en-US" dirty="0"/>
+              <a:t>Excel</a:t>
+            </a:r>
+          </a:p>
+          <a:p>
+            <a:r>
+              <a:rPr lang="en-US" dirty="0" err="1"/>
+              <a:t>Jupyter</a:t>
+            </a:r>
+            <a:r>
+              <a:rPr lang="en-US" dirty="0"/>
+              <a:t> Notebook</a:t>
+            </a:r>
+          </a:p>
+          <a:p>
+            <a:pPr lvl="1"/>
+            <a:endParaRPr lang="en-US" dirty="0"/>
+          </a:p>
+        </p:txBody>
+      </p:sp>
     </p:spTree>
     <p:extLst>
       <p:ext uri="{BB962C8B-B14F-4D97-AF65-F5344CB8AC3E}">
-        <p14:creationId xmlns:p14="http://schemas.microsoft.com/office/powerpoint/2010/main" val="1168363137"/>
+        <p14:creationId xmlns:p14="http://schemas.microsoft.com/office/powerpoint/2010/main" val="1141256643"/>
       </p:ext>
     </p:extLst>
   </p:cSld>
@@ -12751,7 +12793,7 @@
           <p:cNvPr id="2" name="Title 1">
             <a:extLst>
               <a:ext uri="{FF2B5EF4-FFF2-40B4-BE49-F238E27FC236}">
-                <a16:creationId xmlns:a16="http://schemas.microsoft.com/office/drawing/2014/main" id="{B2751884-B382-4051-8784-542B0B1ABA64}"/>
+                <a16:creationId xmlns:a16="http://schemas.microsoft.com/office/drawing/2014/main" id="{F39FA0D0-4306-46C2-8B19-F587F2761C40}"/>
               </a:ext>
             </a:extLst>
           </p:cNvPr>
@@ -12769,7 +12811,7 @@
           <a:p>
             <a:r>
               <a:rPr lang="en-US" dirty="0"/>
-              <a:t>Factors that Affect Real Time Pricing</a:t>
+              <a:t>Approach</a:t>
             </a:r>
           </a:p>
         </p:txBody>
@@ -12779,7 +12821,7 @@
           <p:cNvPr id="3" name="Content Placeholder 2">
             <a:extLst>
               <a:ext uri="{FF2B5EF4-FFF2-40B4-BE49-F238E27FC236}">
-                <a16:creationId xmlns:a16="http://schemas.microsoft.com/office/drawing/2014/main" id="{CB8E4DEB-28FD-46EA-93C3-53F0A8288EFD}"/>
+                <a16:creationId xmlns:a16="http://schemas.microsoft.com/office/drawing/2014/main" id="{3CBA9FF9-854B-439C-A28D-65BC6D95FEB8}"/>
               </a:ext>
             </a:extLst>
           </p:cNvPr>
@@ -12792,44 +12834,52 @@
         </p:nvSpPr>
         <p:spPr/>
         <p:txBody>
-          <a:bodyPr/>
+          <a:bodyPr>
+            <a:normAutofit/>
+          </a:bodyPr>
           <a:lstStyle/>
           <a:p>
             <a:r>
               <a:rPr lang="en-US" dirty="0"/>
-              <a:t>Energy load</a:t>
+              <a:t>Obtain and combine historical pricing, load forecast and weather data </a:t>
             </a:r>
           </a:p>
           <a:p>
             <a:r>
               <a:rPr lang="en-US" dirty="0"/>
-              <a:t>Precipitation</a:t>
+              <a:t>Step wise regression in Minitab</a:t>
             </a:r>
           </a:p>
           <a:p>
             <a:r>
               <a:rPr lang="en-US" dirty="0"/>
-              <a:t>Humidity </a:t>
+              <a:t>Store regression weights in a data frame</a:t>
             </a:r>
           </a:p>
           <a:p>
             <a:r>
               <a:rPr lang="en-US" dirty="0"/>
-              <a:t>Time during the day</a:t>
-            </a:r>
-          </a:p>
-          <a:p>
-            <a:endParaRPr lang="en-US" dirty="0"/>
-          </a:p>
-          <a:p>
-            <a:endParaRPr lang="en-US" dirty="0"/>
+              <a:t>Get request for tomorrow’s forecasted weather</a:t>
+            </a:r>
+          </a:p>
+          <a:p>
+            <a:r>
+              <a:rPr lang="en-US" dirty="0"/>
+              <a:t>Forecast tomorrow’s hourly real time pricing and compare to day ahead market pricing</a:t>
+            </a:r>
+          </a:p>
+          <a:p>
+            <a:r>
+              <a:rPr lang="en-US" dirty="0"/>
+              <a:t>Make a buy recommendation each hour </a:t>
+            </a:r>
           </a:p>
         </p:txBody>
       </p:sp>
     </p:spTree>
     <p:extLst>
       <p:ext uri="{BB962C8B-B14F-4D97-AF65-F5344CB8AC3E}">
-        <p14:creationId xmlns:p14="http://schemas.microsoft.com/office/powerpoint/2010/main" val="4236915877"/>
+        <p14:creationId xmlns:p14="http://schemas.microsoft.com/office/powerpoint/2010/main" val="615951625"/>
       </p:ext>
     </p:extLst>
   </p:cSld>
@@ -12840,9 +12890,9 @@
 </file>
 
 <file path=ppt/theme/theme1.xml><?xml version="1.0" encoding="utf-8"?>
-<a:theme xmlns:a="http://schemas.openxmlformats.org/drawingml/2006/main" name="Organic">
+<a:theme xmlns:a="http://schemas.openxmlformats.org/drawingml/2006/main" name="Damask">
   <a:themeElements>
-    <a:clrScheme name="Organic">
+    <a:clrScheme name="Damask">
       <a:dk1>
         <a:sysClr val="windowText" lastClr="000000"/>
       </a:dk1>
@@ -12850,79 +12900,44 @@
         <a:sysClr val="window" lastClr="FFFFFF"/>
       </a:lt1>
       <a:dk2>
-        <a:srgbClr val="212121"/>
+        <a:srgbClr val="2A5B7F"/>
       </a:dk2>
       <a:lt2>
-        <a:srgbClr val="DADADA"/>
+        <a:srgbClr val="ABDAFC"/>
       </a:lt2>
       <a:accent1>
-        <a:srgbClr val="AB946B"/>
+        <a:srgbClr val="9EC544"/>
       </a:accent1>
       <a:accent2>
-        <a:srgbClr val="C04F32"/>
+        <a:srgbClr val="50BEA3"/>
       </a:accent2>
       <a:accent3>
-        <a:srgbClr val="DD8C3C"/>
+        <a:srgbClr val="4A9CCC"/>
       </a:accent3>
       <a:accent4>
-        <a:srgbClr val="8E684C"/>
+        <a:srgbClr val="9A66CA"/>
       </a:accent4>
       <a:accent5>
-        <a:srgbClr val="CBAF62"/>
+        <a:srgbClr val="C54F71"/>
       </a:accent5>
       <a:accent6>
-        <a:srgbClr val="803348"/>
+        <a:srgbClr val="DE9C3C"/>
       </a:accent6>
       <a:hlink>
-        <a:srgbClr val="86724D"/>
+        <a:srgbClr val="6BA9DA"/>
       </a:hlink>
       <a:folHlink>
-        <a:srgbClr val="B99E84"/>
+        <a:srgbClr val="A0BCD3"/>
       </a:folHlink>
     </a:clrScheme>
-    <a:fontScheme name="Organic">
+    <a:fontScheme name="Damask">
       <a:majorFont>
-        <a:latin typeface="Garamond" panose="02020404030301010803"/>
+        <a:latin typeface="Bookman Old Style" panose="02050604050505020204"/>
         <a:ea typeface=""/>
         <a:cs typeface=""/>
         <a:font script="Jpan" typeface="ＭＳ Ｐゴシック"/>
-        <a:font script="Hang" typeface="돋움"/>
-        <a:font script="Hans" typeface="方正舒体"/>
-        <a:font script="Hant" typeface="微軟正黑體"/>
-        <a:font script="Arab" typeface="Arial"/>
-        <a:font script="Hebr" typeface="Arial"/>
-        <a:font script="Thai" typeface="Cordia New"/>
-        <a:font script="Ethi" typeface="Nyala"/>
-        <a:font script="Beng" typeface="Vrinda"/>
-        <a:font script="Gujr" typeface="Shruti"/>
-        <a:font script="Khmr" typeface="DaunPenh"/>
-        <a:font script="Knda" typeface="Tunga"/>
-        <a:font script="Guru" typeface="Raavi"/>
-        <a:font script="Cans" typeface="Euphemia"/>
-        <a:font script="Cher" typeface="Plantagenet Cherokee"/>
-        <a:font script="Yiii" typeface="Microsoft Yi Baiti"/>
-        <a:font script="Tibt" typeface="Microsoft Himalaya"/>
-        <a:font script="Thaa" typeface="MV Boli"/>
-        <a:font script="Deva" typeface="Mangal"/>
-        <a:font script="Telu" typeface="Gautami"/>
-        <a:font script="Taml" typeface="Latha"/>
-        <a:font script="Syrc" typeface="Estrangelo Edessa"/>
-        <a:font script="Orya" typeface="Kalinga"/>
-        <a:font script="Mlym" typeface="Kartika"/>
-        <a:font script="Laoo" typeface="DokChampa"/>
-        <a:font script="Sinh" typeface="Iskoola Pota"/>
-        <a:font script="Mong" typeface="Mongolian Baiti"/>
-        <a:font script="Viet" typeface="Arial"/>
-        <a:font script="Uigh" typeface="Microsoft Uighur"/>
-        <a:font script="Geor" typeface="Sylfaen"/>
-      </a:majorFont>
-      <a:minorFont>
-        <a:latin typeface="Garamond" panose="02020404030301010803"/>
-        <a:ea typeface=""/>
-        <a:cs typeface=""/>
-        <a:font script="Jpan" typeface="ＭＳ Ｐ明朝"/>
-        <a:font script="Hang" typeface="바탕"/>
-        <a:font script="Hans" typeface="方正舒体"/>
+        <a:font script="Hang" typeface="맑은 고딕"/>
+        <a:font script="Hans" typeface="宋体"/>
         <a:font script="Hant" typeface="新細明體"/>
         <a:font script="Arab" typeface="Times New Roman"/>
         <a:font script="Hebr" typeface="Times New Roman"/>
@@ -12950,9 +12965,44 @@
         <a:font script="Viet" typeface="Times New Roman"/>
         <a:font script="Uigh" typeface="Microsoft Uighur"/>
         <a:font script="Geor" typeface="Sylfaen"/>
+      </a:majorFont>
+      <a:minorFont>
+        <a:latin typeface="Rockwell" panose="02060603020205020403"/>
+        <a:ea typeface=""/>
+        <a:cs typeface=""/>
+        <a:font script="Jpan" typeface="ＭＳ Ｐゴシック"/>
+        <a:font script="Hang" typeface="맑은 고딕"/>
+        <a:font script="Hans" typeface="宋体"/>
+        <a:font script="Hant" typeface="新細明體"/>
+        <a:font script="Arab" typeface="Arial"/>
+        <a:font script="Hebr" typeface="Arial"/>
+        <a:font script="Thai" typeface="Cordia New"/>
+        <a:font script="Ethi" typeface="Nyala"/>
+        <a:font script="Beng" typeface="Vrinda"/>
+        <a:font script="Gujr" typeface="Shruti"/>
+        <a:font script="Khmr" typeface="DaunPenh"/>
+        <a:font script="Knda" typeface="Tunga"/>
+        <a:font script="Guru" typeface="Raavi"/>
+        <a:font script="Cans" typeface="Euphemia"/>
+        <a:font script="Cher" typeface="Plantagenet Cherokee"/>
+        <a:font script="Yiii" typeface="Microsoft Yi Baiti"/>
+        <a:font script="Tibt" typeface="Microsoft Himalaya"/>
+        <a:font script="Thaa" typeface="MV Boli"/>
+        <a:font script="Deva" typeface="Mangal"/>
+        <a:font script="Telu" typeface="Gautami"/>
+        <a:font script="Taml" typeface="Latha"/>
+        <a:font script="Syrc" typeface="Estrangelo Edessa"/>
+        <a:font script="Orya" typeface="Kalinga"/>
+        <a:font script="Mlym" typeface="Kartika"/>
+        <a:font script="Laoo" typeface="DokChampa"/>
+        <a:font script="Sinh" typeface="Iskoola Pota"/>
+        <a:font script="Mong" typeface="Mongolian Baiti"/>
+        <a:font script="Viet" typeface="Arial"/>
+        <a:font script="Uigh" typeface="Microsoft Uighur"/>
+        <a:font script="Geor" typeface="Sylfaen"/>
       </a:minorFont>
     </a:fontScheme>
-    <a:fmtScheme name="Organic">
+    <a:fmtScheme name="Damask">
       <a:fillStyleLst>
         <a:solidFill>
           <a:schemeClr val="phClr"/>
@@ -12961,44 +13011,56 @@
           <a:gsLst>
             <a:gs pos="0">
               <a:schemeClr val="phClr">
-                <a:tint val="60000"/>
+                <a:tint val="48000"/>
+                <a:satMod val="105000"/>
                 <a:lumMod val="110000"/>
               </a:schemeClr>
             </a:gs>
             <a:gs pos="100000">
               <a:schemeClr val="phClr">
-                <a:tint val="82000"/>
+                <a:tint val="78000"/>
+                <a:satMod val="109000"/>
+                <a:lumMod val="100000"/>
               </a:schemeClr>
             </a:gs>
           </a:gsLst>
           <a:lin ang="5400000" scaled="0"/>
         </a:gradFill>
-        <a:blipFill>
-          <a:blip xmlns:r="http://schemas.openxmlformats.org/officeDocument/2006/relationships" r:embed="rId1">
-            <a:duotone>
-              <a:schemeClr val="phClr">
-                <a:shade val="74000"/>
-                <a:satMod val="130000"/>
-                <a:lumMod val="90000"/>
-              </a:schemeClr>
+        <a:gradFill rotWithShape="1">
+          <a:gsLst>
+            <a:gs pos="0">
               <a:schemeClr val="phClr">
                 <a:tint val="94000"/>
-                <a:satMod val="120000"/>
+                <a:satMod val="100000"/>
                 <a:lumMod val="104000"/>
               </a:schemeClr>
-            </a:duotone>
-          </a:blip>
-          <a:tile tx="0" ty="0" sx="100000" sy="100000" flip="none" algn="tl"/>
-        </a:blipFill>
+            </a:gs>
+            <a:gs pos="69000">
+              <a:schemeClr val="phClr">
+                <a:shade val="86000"/>
+                <a:satMod val="130000"/>
+                <a:lumMod val="102000"/>
+              </a:schemeClr>
+            </a:gs>
+            <a:gs pos="100000">
+              <a:schemeClr val="phClr">
+                <a:shade val="72000"/>
+                <a:satMod val="130000"/>
+                <a:lumMod val="100000"/>
+              </a:schemeClr>
+            </a:gs>
+          </a:gsLst>
+          <a:lin ang="5400000" scaled="0"/>
+        </a:gradFill>
       </a:fillStyleLst>
       <a:lnStyleLst>
-        <a:ln w="9525" cap="flat" cmpd="sng" algn="ctr">
+        <a:ln w="12700" cap="flat" cmpd="sng" algn="ctr">
           <a:solidFill>
             <a:schemeClr val="phClr"/>
           </a:solidFill>
           <a:prstDash val="solid"/>
         </a:ln>
-        <a:ln w="15875" cap="flat" cmpd="sng" algn="ctr">
+        <a:ln w="19050" cap="flat" cmpd="sng" algn="ctr">
           <a:solidFill>
             <a:schemeClr val="phClr"/>
           </a:solidFill>
@@ -13017,46 +13079,57 @@
         </a:effectStyle>
         <a:effectStyle>
           <a:effectLst>
-            <a:innerShdw blurRad="25400" dist="12700" dir="13500000">
+            <a:outerShdw blurRad="50800" dist="38100" dir="5400000" sy="96000" rotWithShape="0">
               <a:srgbClr val="000000">
-                <a:alpha val="45000"/>
+                <a:alpha val="54000"/>
               </a:srgbClr>
-            </a:innerShdw>
+            </a:outerShdw>
           </a:effectLst>
         </a:effectStyle>
         <a:effectStyle>
           <a:effectLst>
-            <a:outerShdw blurRad="38100" dist="25400" dir="5400000" rotWithShape="0">
+            <a:outerShdw blurRad="76200" dist="38100" dir="5400000" algn="ctr" rotWithShape="0">
               <a:srgbClr val="000000">
-                <a:alpha val="60000"/>
+                <a:alpha val="76000"/>
               </a:srgbClr>
             </a:outerShdw>
           </a:effectLst>
+          <a:scene3d>
+            <a:camera prst="orthographicFront">
+              <a:rot lat="0" lon="0" rev="0"/>
+            </a:camera>
+            <a:lightRig rig="balanced" dir="t"/>
+          </a:scene3d>
+          <a:sp3d prstMaterial="matte">
+            <a:bevelT w="25400" h="25400" prst="relaxedInset"/>
+          </a:sp3d>
         </a:effectStyle>
       </a:effectStyleLst>
       <a:bgFillStyleLst>
         <a:solidFill>
           <a:schemeClr val="phClr"/>
         </a:solidFill>
-        <a:gradFill rotWithShape="1">
-          <a:gsLst>
-            <a:gs pos="0">
+        <a:solidFill>
+          <a:schemeClr val="phClr">
+            <a:tint val="95000"/>
+            <a:satMod val="170000"/>
+          </a:schemeClr>
+        </a:solidFill>
+        <a:blipFill rotWithShape="1">
+          <a:blip xmlns:r="http://schemas.openxmlformats.org/officeDocument/2006/relationships" r:embed="rId1">
+            <a:duotone>
               <a:schemeClr val="phClr">
-                <a:tint val="90000"/>
-                <a:lumMod val="110000"/>
+                <a:shade val="18000"/>
+                <a:satMod val="160000"/>
+                <a:lumMod val="28000"/>
               </a:schemeClr>
-            </a:gs>
-            <a:gs pos="100000">
               <a:schemeClr val="phClr">
-                <a:shade val="88000"/>
-                <a:lumMod val="98000"/>
+                <a:tint val="95000"/>
+                <a:satMod val="160000"/>
+                <a:lumMod val="116000"/>
               </a:schemeClr>
-            </a:gs>
-          </a:gsLst>
-          <a:lin ang="5400000" scaled="0"/>
-        </a:gradFill>
-        <a:blipFill>
-          <a:blip xmlns:r="http://schemas.openxmlformats.org/officeDocument/2006/relationships" r:embed="rId2"/>
+            </a:duotone>
+          </a:blip>
           <a:stretch/>
         </a:blipFill>
       </a:bgFillStyleLst>
@@ -13066,7 +13139,7 @@
   <a:extraClrSchemeLst/>
   <a:extLst>
     <a:ext uri="{05A4C25C-085E-4340-85A3-A5531E510DB2}">
-      <thm15:themeFamily xmlns:thm15="http://schemas.microsoft.com/office/thememl/2012/main" name="Organic" id="{28CDC826-8792-45C0-861B-85EB3ADEDA33}" vid="{A2BEDC8B-F191-493B-BA33-0F4F800A89D3}"/>
+      <thm15:themeFamily xmlns:thm15="http://schemas.microsoft.com/office/thememl/2012/main" name="Damask" id="{F9A299A0-33D0-4E0F-9F3F-7163E3744208}" vid="{746EEEEA-FB6A-406B-B510-531588D54811}"/>
     </a:ext>
   </a:extLst>
 </a:theme>
